--- a/docs/W-9 Working Document/W-9.1 Team Members/W-9.1.5 Dio/2. Phase 2/VMS High level architecture.pptx
+++ b/docs/W-9 Working Document/W-9.1 Team Members/W-9.1.5 Dio/2. Phase 2/VMS High level architecture.pptx
@@ -291,7 +291,7 @@
           <a:p>
             <a:fld id="{3C0C97C8-A8E9-4300-8025-04354ECA18B4}" type="datetimeFigureOut">
               <a:rPr lang="en-US" smtClean="0"/>
-              <a:t>07-Aug-11</a:t>
+              <a:t>08-Aug-11</a:t>
             </a:fld>
             <a:endParaRPr lang="en-US"/>
           </a:p>
@@ -461,7 +461,7 @@
           <a:p>
             <a:fld id="{3C0C97C8-A8E9-4300-8025-04354ECA18B4}" type="datetimeFigureOut">
               <a:rPr lang="en-US" smtClean="0"/>
-              <a:t>07-Aug-11</a:t>
+              <a:t>08-Aug-11</a:t>
             </a:fld>
             <a:endParaRPr lang="en-US"/>
           </a:p>
@@ -641,7 +641,7 @@
           <a:p>
             <a:fld id="{3C0C97C8-A8E9-4300-8025-04354ECA18B4}" type="datetimeFigureOut">
               <a:rPr lang="en-US" smtClean="0"/>
-              <a:t>07-Aug-11</a:t>
+              <a:t>08-Aug-11</a:t>
             </a:fld>
             <a:endParaRPr lang="en-US"/>
           </a:p>
@@ -811,7 +811,7 @@
           <a:p>
             <a:fld id="{3C0C97C8-A8E9-4300-8025-04354ECA18B4}" type="datetimeFigureOut">
               <a:rPr lang="en-US" smtClean="0"/>
-              <a:t>07-Aug-11</a:t>
+              <a:t>08-Aug-11</a:t>
             </a:fld>
             <a:endParaRPr lang="en-US"/>
           </a:p>
@@ -1057,7 +1057,7 @@
           <a:p>
             <a:fld id="{3C0C97C8-A8E9-4300-8025-04354ECA18B4}" type="datetimeFigureOut">
               <a:rPr lang="en-US" smtClean="0"/>
-              <a:t>07-Aug-11</a:t>
+              <a:t>08-Aug-11</a:t>
             </a:fld>
             <a:endParaRPr lang="en-US"/>
           </a:p>
@@ -1345,7 +1345,7 @@
           <a:p>
             <a:fld id="{3C0C97C8-A8E9-4300-8025-04354ECA18B4}" type="datetimeFigureOut">
               <a:rPr lang="en-US" smtClean="0"/>
-              <a:t>07-Aug-11</a:t>
+              <a:t>08-Aug-11</a:t>
             </a:fld>
             <a:endParaRPr lang="en-US"/>
           </a:p>
@@ -1767,7 +1767,7 @@
           <a:p>
             <a:fld id="{3C0C97C8-A8E9-4300-8025-04354ECA18B4}" type="datetimeFigureOut">
               <a:rPr lang="en-US" smtClean="0"/>
-              <a:t>07-Aug-11</a:t>
+              <a:t>08-Aug-11</a:t>
             </a:fld>
             <a:endParaRPr lang="en-US"/>
           </a:p>
@@ -1885,7 +1885,7 @@
           <a:p>
             <a:fld id="{3C0C97C8-A8E9-4300-8025-04354ECA18B4}" type="datetimeFigureOut">
               <a:rPr lang="en-US" smtClean="0"/>
-              <a:t>07-Aug-11</a:t>
+              <a:t>08-Aug-11</a:t>
             </a:fld>
             <a:endParaRPr lang="en-US"/>
           </a:p>
@@ -1980,7 +1980,7 @@
           <a:p>
             <a:fld id="{3C0C97C8-A8E9-4300-8025-04354ECA18B4}" type="datetimeFigureOut">
               <a:rPr lang="en-US" smtClean="0"/>
-              <a:t>07-Aug-11</a:t>
+              <a:t>08-Aug-11</a:t>
             </a:fld>
             <a:endParaRPr lang="en-US"/>
           </a:p>
@@ -2257,7 +2257,7 @@
           <a:p>
             <a:fld id="{3C0C97C8-A8E9-4300-8025-04354ECA18B4}" type="datetimeFigureOut">
               <a:rPr lang="en-US" smtClean="0"/>
-              <a:t>07-Aug-11</a:t>
+              <a:t>08-Aug-11</a:t>
             </a:fld>
             <a:endParaRPr lang="en-US"/>
           </a:p>
@@ -2510,7 +2510,7 @@
           <a:p>
             <a:fld id="{3C0C97C8-A8E9-4300-8025-04354ECA18B4}" type="datetimeFigureOut">
               <a:rPr lang="en-US" smtClean="0"/>
-              <a:t>07-Aug-11</a:t>
+              <a:t>08-Aug-11</a:t>
             </a:fld>
             <a:endParaRPr lang="en-US"/>
           </a:p>
@@ -2723,7 +2723,7 @@
           <a:p>
             <a:fld id="{3C0C97C8-A8E9-4300-8025-04354ECA18B4}" type="datetimeFigureOut">
               <a:rPr lang="en-US" smtClean="0"/>
-              <a:t>07-Aug-11</a:t>
+              <a:t>08-Aug-11</a:t>
             </a:fld>
             <a:endParaRPr lang="en-US"/>
           </a:p>
@@ -3106,8 +3106,8 @@
         </p:nvSpPr>
         <p:spPr>
           <a:xfrm>
-            <a:off x="1344960" y="2215243"/>
-            <a:ext cx="1066800" cy="533400"/>
+            <a:off x="1344960" y="1673052"/>
+            <a:ext cx="1066800" cy="2334273"/>
           </a:xfrm>
           <a:prstGeom prst="rect">
             <a:avLst/>
@@ -3318,11 +3318,6 @@
               </a:rPr>
               <a:t>Planning</a:t>
             </a:r>
-            <a:endParaRPr lang="en-US" sz="1400" b="1" dirty="0" smtClean="0">
-              <a:solidFill>
-                <a:schemeClr val="tx1"/>
-              </a:solidFill>
-            </a:endParaRPr>
           </a:p>
         </p:txBody>
       </p:sp>
@@ -3810,15 +3805,7 @@
                   <a:schemeClr val="tx1"/>
                 </a:solidFill>
               </a:rPr>
-              <a:t>Business </a:t>
-            </a:r>
-            <a:r>
-              <a:rPr lang="en-US" sz="1400" dirty="0" smtClean="0">
-                <a:solidFill>
-                  <a:schemeClr val="tx1"/>
-                </a:solidFill>
-              </a:rPr>
-              <a:t>Rule</a:t>
+              <a:t>Business Rule</a:t>
             </a:r>
             <a:endParaRPr lang="en-US" sz="1400" dirty="0">
               <a:solidFill>
@@ -4157,10 +4144,10 @@
         </p:nvGrpSpPr>
         <p:grpSpPr>
           <a:xfrm>
-            <a:off x="246287" y="3106826"/>
-            <a:ext cx="1066800" cy="992832"/>
+            <a:off x="246287" y="2592054"/>
+            <a:ext cx="1066800" cy="1038999"/>
             <a:chOff x="1676400" y="3505200"/>
-            <a:chExt cx="1066800" cy="992832"/>
+            <a:chExt cx="1066800" cy="1038999"/>
           </a:xfrm>
         </p:grpSpPr>
         <p:pic>
@@ -4283,7 +4270,7 @@
           <p:spPr>
             <a:xfrm>
               <a:off x="1676400" y="4267200"/>
-              <a:ext cx="1066800" cy="230832"/>
+              <a:ext cx="1066800" cy="276999"/>
             </a:xfrm>
             <a:prstGeom prst="rect">
               <a:avLst/>
@@ -4298,10 +4285,10 @@
             <a:p>
               <a:pPr algn="ctr"/>
               <a:r>
-                <a:rPr lang="en-US" sz="900" b="1" dirty="0" smtClean="0"/>
+                <a:rPr lang="en-US" sz="1200" b="1" dirty="0" smtClean="0"/>
                 <a:t>Internal staff</a:t>
               </a:r>
-              <a:endParaRPr lang="en-US" sz="900" b="1" dirty="0"/>
+              <a:endParaRPr lang="en-US" sz="1200" b="1" dirty="0"/>
             </a:p>
           </p:txBody>
         </p:sp>
@@ -4314,10 +4301,10 @@
         </p:nvGrpSpPr>
         <p:grpSpPr>
           <a:xfrm>
-            <a:off x="131987" y="2083533"/>
-            <a:ext cx="1295400" cy="897163"/>
+            <a:off x="131987" y="1568761"/>
+            <a:ext cx="1295400" cy="943330"/>
             <a:chOff x="304800" y="2895600"/>
-            <a:chExt cx="1295400" cy="897163"/>
+            <a:chExt cx="1295400" cy="943330"/>
           </a:xfrm>
         </p:grpSpPr>
         <p:sp>
@@ -4329,7 +4316,7 @@
           <p:spPr>
             <a:xfrm>
               <a:off x="304800" y="3561931"/>
-              <a:ext cx="1295400" cy="230832"/>
+              <a:ext cx="1295400" cy="276999"/>
             </a:xfrm>
             <a:prstGeom prst="rect">
               <a:avLst/>
@@ -4344,10 +4331,10 @@
             <a:p>
               <a:pPr algn="ctr"/>
               <a:r>
-                <a:rPr lang="en-US" sz="900" b="1" dirty="0" smtClean="0"/>
-                <a:t>VMS volunteer</a:t>
+                <a:rPr lang="en-US" sz="1200" b="1" dirty="0" smtClean="0"/>
+                <a:t>Volunteer</a:t>
               </a:r>
-              <a:endParaRPr lang="en-US" sz="900" b="1" dirty="0"/>
+              <a:endParaRPr lang="en-US" sz="1200" b="1" dirty="0"/>
             </a:p>
           </p:txBody>
         </p:sp>
@@ -4486,10 +4473,10 @@
         </p:nvGrpSpPr>
         <p:grpSpPr>
           <a:xfrm>
-            <a:off x="77920" y="1063452"/>
-            <a:ext cx="1295400" cy="916632"/>
+            <a:off x="77920" y="548680"/>
+            <a:ext cx="1295400" cy="962799"/>
             <a:chOff x="0" y="1143000"/>
-            <a:chExt cx="1295400" cy="916632"/>
+            <a:chExt cx="1295400" cy="962799"/>
           </a:xfrm>
         </p:grpSpPr>
         <p:sp>
@@ -4501,7 +4488,7 @@
           <p:spPr>
             <a:xfrm>
               <a:off x="0" y="1828800"/>
-              <a:ext cx="1295400" cy="230832"/>
+              <a:ext cx="1295400" cy="276999"/>
             </a:xfrm>
             <a:prstGeom prst="rect">
               <a:avLst/>
@@ -4516,10 +4503,9 @@
             <a:p>
               <a:pPr algn="ctr"/>
               <a:r>
-                <a:rPr lang="en-US" sz="900" b="1" dirty="0" smtClean="0"/>
+                <a:rPr lang="en-US" sz="1200" b="1" dirty="0" smtClean="0"/>
                 <a:t>Public user</a:t>
               </a:r>
-              <a:endParaRPr lang="en-US" sz="900" b="1" dirty="0" smtClean="0"/>
             </a:p>
           </p:txBody>
         </p:sp>
@@ -4704,10 +4690,10 @@
         </p:nvGrpSpPr>
         <p:grpSpPr>
           <a:xfrm>
-            <a:off x="7905700" y="5660963"/>
-            <a:ext cx="1078523" cy="978932"/>
-            <a:chOff x="7848600" y="5257800"/>
-            <a:chExt cx="1078523" cy="978932"/>
+            <a:off x="35496" y="3827829"/>
+            <a:ext cx="1253771" cy="886599"/>
+            <a:chOff x="7848599" y="5257800"/>
+            <a:chExt cx="1253771" cy="886599"/>
           </a:xfrm>
         </p:grpSpPr>
         <p:sp>
@@ -4718,8 +4704,8 @@
           </p:nvSpPr>
           <p:spPr>
             <a:xfrm>
-              <a:off x="7848600" y="5867400"/>
-              <a:ext cx="1066800" cy="369332"/>
+              <a:off x="7848599" y="5867400"/>
+              <a:ext cx="1253771" cy="276999"/>
             </a:xfrm>
             <a:prstGeom prst="rect">
               <a:avLst/>
@@ -4734,17 +4720,10 @@
             <a:p>
               <a:pPr algn="ctr"/>
               <a:r>
-                <a:rPr lang="en-US" sz="900" b="1" dirty="0" smtClean="0"/>
-                <a:t>VMS</a:t>
-              </a:r>
-            </a:p>
-            <a:p>
-              <a:pPr algn="ctr"/>
-              <a:r>
-                <a:rPr lang="en-US" sz="900" b="1" dirty="0" smtClean="0"/>
+                <a:rPr lang="en-US" sz="1200" b="1" dirty="0" smtClean="0"/>
                 <a:t>Administrators</a:t>
               </a:r>
-              <a:endParaRPr lang="en-US" sz="900" b="1" dirty="0"/>
+              <a:endParaRPr lang="en-US" sz="1200" b="1" dirty="0"/>
             </a:p>
           </p:txBody>
         </p:sp>
@@ -4840,7 +4819,18 @@
                   </a:schemeClr>
                 </a:solidFill>
               </a:rPr>
-              <a:t>VMS Business Processes</a:t>
+              <a:t>VMS Business </a:t>
+            </a:r>
+            <a:r>
+              <a:rPr lang="en-US" dirty="0" smtClean="0">
+                <a:solidFill>
+                  <a:schemeClr val="tx1">
+                    <a:lumMod val="50000"/>
+                    <a:lumOff val="50000"/>
+                  </a:schemeClr>
+                </a:solidFill>
+              </a:rPr>
+              <a:t>Operations</a:t>
             </a:r>
             <a:endParaRPr lang="en-US" dirty="0">
               <a:solidFill>
@@ -4848,6 +4838,57 @@
                   <a:lumMod val="50000"/>
                   <a:lumOff val="50000"/>
                 </a:schemeClr>
+              </a:solidFill>
+            </a:endParaRPr>
+          </a:p>
+        </p:txBody>
+      </p:sp>
+      <p:sp>
+        <p:nvSpPr>
+          <p:cNvPr id="37" name="Rectangle 36"/>
+          <p:cNvSpPr/>
+          <p:nvPr/>
+        </p:nvSpPr>
+        <p:spPr>
+          <a:xfrm>
+            <a:off x="8248550" y="1219200"/>
+            <a:ext cx="266700" cy="4495800"/>
+          </a:xfrm>
+          <a:prstGeom prst="rect">
+            <a:avLst/>
+          </a:prstGeom>
+          <a:ln/>
+        </p:spPr>
+        <p:style>
+          <a:lnRef idx="1">
+            <a:schemeClr val="accent2"/>
+          </a:lnRef>
+          <a:fillRef idx="2">
+            <a:schemeClr val="accent2"/>
+          </a:fillRef>
+          <a:effectRef idx="1">
+            <a:schemeClr val="accent2"/>
+          </a:effectRef>
+          <a:fontRef idx="minor">
+            <a:schemeClr val="dk1"/>
+          </a:fontRef>
+        </p:style>
+        <p:txBody>
+          <a:bodyPr vert="vert270" rtlCol="0" anchor="ctr"/>
+          <a:lstStyle/>
+          <a:p>
+            <a:pPr algn="ctr"/>
+            <a:r>
+              <a:rPr lang="en-US" sz="1600" dirty="0" smtClean="0">
+                <a:solidFill>
+                  <a:schemeClr val="tx1"/>
+                </a:solidFill>
+              </a:rPr>
+              <a:t>Logging</a:t>
+            </a:r>
+            <a:endParaRPr lang="en-US" sz="1600" dirty="0">
+              <a:solidFill>
+                <a:schemeClr val="tx1"/>
               </a:solidFill>
             </a:endParaRPr>
           </a:p>
@@ -4869,6 +4910,11 @@
 <file path=ppt/slides/slide2.xml><?xml version="1.0" encoding="utf-8"?>
 <p:sld xmlns:a="http://schemas.openxmlformats.org/drawingml/2006/main" xmlns:r="http://schemas.openxmlformats.org/officeDocument/2006/relationships" xmlns:p="http://schemas.openxmlformats.org/presentationml/2006/main">
   <p:cSld>
+    <p:bg>
+      <p:bgRef idx="1001">
+        <a:schemeClr val="bg1"/>
+      </p:bgRef>
+    </p:bg>
     <p:spTree>
       <p:nvGrpSpPr>
         <p:cNvPr id="1" name=""/>
@@ -4988,7 +5034,7 @@
         <p:spPr>
           <a:xfrm>
             <a:off x="3124200" y="0"/>
-            <a:ext cx="3297569" cy="369332"/>
+            <a:ext cx="3805529" cy="369332"/>
           </a:xfrm>
           <a:prstGeom prst="rect">
             <a:avLst/>
@@ -5002,14 +5048,24 @@
           <a:lstStyle/>
           <a:p>
             <a:r>
-              <a:rPr lang="en-US" dirty="0" smtClean="0"/>
-              <a:t>Technology Used for </a:t>
-            </a:r>
-            <a:r>
-              <a:rPr lang="en-US" dirty="0" smtClean="0"/>
-              <a:t>VMS System</a:t>
-            </a:r>
-            <a:endParaRPr lang="en-US" dirty="0"/>
+              <a:rPr lang="en-US" b="1" dirty="0">
+                <a:solidFill>
+                  <a:schemeClr val="accent1">
+                    <a:lumMod val="75000"/>
+                  </a:schemeClr>
+                </a:solidFill>
+                <a:latin typeface="Palatino Linotype" pitchFamily="18" charset="0"/>
+              </a:rPr>
+              <a:t>Technology Used for VMS System</a:t>
+            </a:r>
+            <a:endParaRPr lang="en-US" b="1" dirty="0">
+              <a:solidFill>
+                <a:schemeClr val="accent1">
+                  <a:lumMod val="75000"/>
+                </a:schemeClr>
+              </a:solidFill>
+              <a:latin typeface="Palatino Linotype" pitchFamily="18" charset="0"/>
+            </a:endParaRPr>
           </a:p>
         </p:txBody>
       </p:sp>
@@ -5740,11 +5796,6 @@
               </a:rPr>
               <a:t>Spring Mail</a:t>
             </a:r>
-            <a:endParaRPr lang="en-US" sz="1200" dirty="0" smtClean="0">
-              <a:solidFill>
-                <a:schemeClr val="bg1"/>
-              </a:solidFill>
-            </a:endParaRPr>
           </a:p>
         </p:txBody>
       </p:sp>
@@ -6028,11 +6079,6 @@
               </a:rPr>
               <a:t> 2.0.5</a:t>
             </a:r>
-            <a:endParaRPr lang="en-US" sz="1200" dirty="0" smtClean="0">
-              <a:solidFill>
-                <a:schemeClr val="bg1"/>
-              </a:solidFill>
-            </a:endParaRPr>
           </a:p>
         </p:txBody>
       </p:sp>
@@ -6905,7 +6951,7 @@
     </p:extLst>
   </p:cSld>
   <p:clrMapOvr>
-    <a:masterClrMapping/>
+    <a:overrideClrMapping bg1="lt1" tx1="dk1" bg2="lt2" tx2="dk2" accent1="accent1" accent2="accent2" accent3="accent3" accent4="accent4" accent5="accent5" accent6="accent6" hlink="hlink" folHlink="folHlink"/>
   </p:clrMapOvr>
 </p:sld>
 </file>
@@ -7220,7 +7266,15 @@
                   <a:schemeClr val="tx1"/>
                 </a:solidFill>
               </a:rPr>
-              <a:t>Configuration Block</a:t>
+              <a:t>Configuration </a:t>
+            </a:r>
+            <a:r>
+              <a:rPr lang="en-US" sz="1200" dirty="0" smtClean="0">
+                <a:solidFill>
+                  <a:schemeClr val="tx1"/>
+                </a:solidFill>
+              </a:rPr>
+              <a:t>Tool</a:t>
             </a:r>
             <a:endParaRPr lang="en-US" sz="1200" dirty="0">
               <a:solidFill>
@@ -8104,7 +8158,7 @@
                   <a:schemeClr val="tx1"/>
                 </a:solidFill>
               </a:rPr>
-              <a:t>Logging Block</a:t>
+              <a:t>Logging Tool</a:t>
             </a:r>
             <a:endParaRPr lang="en-US" sz="1200" dirty="0">
               <a:solidFill>
@@ -8194,7 +8248,7 @@
                   <a:schemeClr val="tx1"/>
                 </a:solidFill>
               </a:rPr>
-              <a:t>Data Application Block</a:t>
+              <a:t>Caching Block</a:t>
             </a:r>
             <a:endParaRPr lang="en-US" sz="1200" dirty="0">
               <a:solidFill>
@@ -8206,13 +8260,13 @@
       </p:sp>
       <p:sp>
         <p:nvSpPr>
-          <p:cNvPr id="54" name="Rounded Rectangle 53"/>
+          <p:cNvPr id="55" name="Rounded Rectangle 54"/>
           <p:cNvSpPr/>
           <p:nvPr/>
         </p:nvSpPr>
         <p:spPr>
           <a:xfrm>
-            <a:off x="1066800" y="3515072"/>
+            <a:off x="1066800" y="3524357"/>
             <a:ext cx="1524000" cy="381000"/>
           </a:xfrm>
           <a:prstGeom prst="roundRect">
@@ -8284,7 +8338,15 @@
                   <a:schemeClr val="tx1"/>
                 </a:solidFill>
               </a:rPr>
-              <a:t>Caching Block</a:t>
+              <a:t>Exception </a:t>
+            </a:r>
+            <a:r>
+              <a:rPr lang="en-US" sz="1200" dirty="0" smtClean="0">
+                <a:solidFill>
+                  <a:schemeClr val="tx1"/>
+                </a:solidFill>
+              </a:rPr>
+              <a:t>Handling</a:t>
             </a:r>
             <a:endParaRPr lang="en-US" sz="1200" dirty="0">
               <a:solidFill>
@@ -8296,13 +8358,13 @@
       </p:sp>
       <p:sp>
         <p:nvSpPr>
-          <p:cNvPr id="55" name="Rounded Rectangle 54"/>
+          <p:cNvPr id="57" name="Rounded Rectangle 56"/>
           <p:cNvSpPr/>
           <p:nvPr/>
         </p:nvSpPr>
         <p:spPr>
           <a:xfrm>
-            <a:off x="1066800" y="4124672"/>
+            <a:off x="1066800" y="4162772"/>
             <a:ext cx="1524000" cy="381000"/>
           </a:xfrm>
           <a:prstGeom prst="roundRect">
@@ -8374,7 +8436,7 @@
                   <a:schemeClr val="tx1"/>
                 </a:solidFill>
               </a:rPr>
-              <a:t>Exception Block</a:t>
+              <a:t>Encryption Tool</a:t>
             </a:r>
             <a:endParaRPr lang="en-US" sz="1200" dirty="0">
               <a:solidFill>
@@ -8386,13 +8448,404 @@
       </p:sp>
       <p:sp>
         <p:nvSpPr>
-          <p:cNvPr id="56" name="Rounded Rectangle 55"/>
+          <p:cNvPr id="58" name="Rectangle 57"/>
           <p:cNvSpPr/>
           <p:nvPr/>
         </p:nvSpPr>
         <p:spPr>
           <a:xfrm>
-            <a:off x="1066800" y="4734272"/>
+            <a:off x="6781800" y="1305272"/>
+            <a:ext cx="1066800" cy="4572000"/>
+          </a:xfrm>
+          <a:prstGeom prst="rect">
+            <a:avLst/>
+          </a:prstGeom>
+          <a:solidFill>
+            <a:schemeClr val="accent5">
+              <a:lumMod val="40000"/>
+              <a:lumOff val="60000"/>
+            </a:schemeClr>
+          </a:solidFill>
+          <a:ln w="6350">
+            <a:solidFill>
+              <a:schemeClr val="accent5">
+                <a:lumMod val="75000"/>
+              </a:schemeClr>
+            </a:solidFill>
+          </a:ln>
+        </p:spPr>
+        <p:style>
+          <a:lnRef idx="2">
+            <a:schemeClr val="accent1">
+              <a:shade val="50000"/>
+            </a:schemeClr>
+          </a:lnRef>
+          <a:fillRef idx="1">
+            <a:schemeClr val="accent1"/>
+          </a:fillRef>
+          <a:effectRef idx="0">
+            <a:schemeClr val="accent1"/>
+          </a:effectRef>
+          <a:fontRef idx="minor">
+            <a:schemeClr val="lt1"/>
+          </a:fontRef>
+        </p:style>
+        <p:txBody>
+          <a:bodyPr rtlCol="0" anchor="ctr"/>
+          <a:lstStyle/>
+          <a:p>
+            <a:pPr algn="ctr"/>
+            <a:endParaRPr lang="en-US" dirty="0"/>
+          </a:p>
+        </p:txBody>
+      </p:sp>
+      <p:sp>
+        <p:nvSpPr>
+          <p:cNvPr id="59" name="TextBox 58"/>
+          <p:cNvSpPr txBox="1"/>
+          <p:nvPr/>
+        </p:nvSpPr>
+        <p:spPr>
+          <a:xfrm>
+            <a:off x="6781800" y="1305272"/>
+            <a:ext cx="1219200" cy="276999"/>
+          </a:xfrm>
+          <a:prstGeom prst="rect">
+            <a:avLst/>
+          </a:prstGeom>
+          <a:noFill/>
+        </p:spPr>
+        <p:txBody>
+          <a:bodyPr wrap="square" rtlCol="0">
+            <a:spAutoFit/>
+          </a:bodyPr>
+          <a:lstStyle/>
+          <a:p>
+            <a:r>
+              <a:rPr lang="en-US" sz="1200" b="1" dirty="0" smtClean="0"/>
+              <a:t>Shared layer</a:t>
+            </a:r>
+            <a:endParaRPr lang="en-US" sz="1200" b="1" dirty="0"/>
+          </a:p>
+        </p:txBody>
+      </p:sp>
+      <p:sp>
+        <p:nvSpPr>
+          <p:cNvPr id="60" name="Rectangle 59"/>
+          <p:cNvSpPr/>
+          <p:nvPr/>
+        </p:nvSpPr>
+        <p:spPr>
+          <a:xfrm>
+            <a:off x="6876256" y="1610072"/>
+            <a:ext cx="381000" cy="4114800"/>
+          </a:xfrm>
+          <a:prstGeom prst="rect">
+            <a:avLst/>
+          </a:prstGeom>
+          <a:gradFill flip="none" rotWithShape="1">
+            <a:gsLst>
+              <a:gs pos="0">
+                <a:schemeClr val="accent5">
+                  <a:lumMod val="75000"/>
+                  <a:tint val="66000"/>
+                  <a:satMod val="160000"/>
+                </a:schemeClr>
+              </a:gs>
+              <a:gs pos="50000">
+                <a:schemeClr val="accent5">
+                  <a:lumMod val="75000"/>
+                  <a:tint val="44500"/>
+                  <a:satMod val="160000"/>
+                </a:schemeClr>
+              </a:gs>
+              <a:gs pos="100000">
+                <a:schemeClr val="accent5">
+                  <a:lumMod val="75000"/>
+                  <a:tint val="23500"/>
+                  <a:satMod val="160000"/>
+                </a:schemeClr>
+              </a:gs>
+            </a:gsLst>
+            <a:lin ang="13500000" scaled="1"/>
+            <a:tileRect/>
+          </a:gradFill>
+          <a:ln w="3175">
+            <a:solidFill>
+              <a:schemeClr val="accent5">
+                <a:lumMod val="60000"/>
+                <a:lumOff val="40000"/>
+              </a:schemeClr>
+            </a:solidFill>
+          </a:ln>
+        </p:spPr>
+        <p:style>
+          <a:lnRef idx="2">
+            <a:schemeClr val="accent1">
+              <a:shade val="50000"/>
+            </a:schemeClr>
+          </a:lnRef>
+          <a:fillRef idx="1">
+            <a:schemeClr val="accent1"/>
+          </a:fillRef>
+          <a:effectRef idx="0">
+            <a:schemeClr val="accent1"/>
+          </a:effectRef>
+          <a:fontRef idx="minor">
+            <a:schemeClr val="lt1"/>
+          </a:fontRef>
+        </p:style>
+        <p:txBody>
+          <a:bodyPr vert="eaVert" rtlCol="0" anchor="ctr"/>
+          <a:lstStyle/>
+          <a:p>
+            <a:pPr algn="ctr"/>
+            <a:r>
+              <a:rPr lang="en-US" sz="1200" dirty="0" smtClean="0">
+                <a:solidFill>
+                  <a:schemeClr val="tx1"/>
+                </a:solidFill>
+              </a:rPr>
+              <a:t>Security control</a:t>
+            </a:r>
+            <a:endParaRPr lang="en-US" dirty="0">
+              <a:solidFill>
+                <a:schemeClr val="tx1"/>
+              </a:solidFill>
+            </a:endParaRPr>
+          </a:p>
+        </p:txBody>
+      </p:sp>
+      <p:sp>
+        <p:nvSpPr>
+          <p:cNvPr id="61" name="TextBox 60"/>
+          <p:cNvSpPr txBox="1"/>
+          <p:nvPr/>
+        </p:nvSpPr>
+        <p:spPr>
+          <a:xfrm>
+            <a:off x="2743200" y="238472"/>
+            <a:ext cx="3903633" cy="369332"/>
+          </a:xfrm>
+          <a:prstGeom prst="rect">
+            <a:avLst/>
+          </a:prstGeom>
+          <a:noFill/>
+        </p:spPr>
+        <p:txBody>
+          <a:bodyPr wrap="none" rtlCol="0">
+            <a:spAutoFit/>
+          </a:bodyPr>
+          <a:lstStyle/>
+          <a:p>
+            <a:r>
+              <a:rPr lang="en-US" b="1" dirty="0">
+                <a:solidFill>
+                  <a:schemeClr val="accent1">
+                    <a:lumMod val="75000"/>
+                  </a:schemeClr>
+                </a:solidFill>
+                <a:latin typeface="Palatino Linotype" pitchFamily="18" charset="0"/>
+              </a:rPr>
+              <a:t>Application Architecture Overview</a:t>
+            </a:r>
+            <a:endParaRPr lang="en-US" b="1" dirty="0">
+              <a:solidFill>
+                <a:schemeClr val="accent1">
+                  <a:lumMod val="75000"/>
+                </a:schemeClr>
+              </a:solidFill>
+              <a:latin typeface="Palatino Linotype" pitchFamily="18" charset="0"/>
+            </a:endParaRPr>
+          </a:p>
+        </p:txBody>
+      </p:sp>
+      <p:sp>
+        <p:nvSpPr>
+          <p:cNvPr id="62" name="TextBox 61"/>
+          <p:cNvSpPr txBox="1"/>
+          <p:nvPr/>
+        </p:nvSpPr>
+        <p:spPr>
+          <a:xfrm>
+            <a:off x="2819400" y="2476073"/>
+            <a:ext cx="2590800" cy="276999"/>
+          </a:xfrm>
+          <a:prstGeom prst="rect">
+            <a:avLst/>
+          </a:prstGeom>
+          <a:noFill/>
+        </p:spPr>
+        <p:txBody>
+          <a:bodyPr wrap="square" rtlCol="0">
+            <a:spAutoFit/>
+          </a:bodyPr>
+          <a:lstStyle/>
+          <a:p>
+            <a:r>
+              <a:rPr lang="en-US" sz="1200" b="1" dirty="0" smtClean="0"/>
+              <a:t>Controller Bean layer</a:t>
+            </a:r>
+            <a:endParaRPr lang="en-US" sz="1200" b="1" dirty="0"/>
+          </a:p>
+        </p:txBody>
+      </p:sp>
+      <p:sp>
+        <p:nvSpPr>
+          <p:cNvPr id="63" name="Rectangle 62"/>
+          <p:cNvSpPr/>
+          <p:nvPr/>
+        </p:nvSpPr>
+        <p:spPr>
+          <a:xfrm>
+            <a:off x="990600" y="695672"/>
+            <a:ext cx="6858000" cy="533400"/>
+          </a:xfrm>
+          <a:prstGeom prst="rect">
+            <a:avLst/>
+          </a:prstGeom>
+          <a:solidFill>
+            <a:schemeClr val="bg2">
+              <a:lumMod val="90000"/>
+            </a:schemeClr>
+          </a:solidFill>
+          <a:ln w="3175">
+            <a:solidFill>
+              <a:schemeClr val="bg2">
+                <a:lumMod val="75000"/>
+              </a:schemeClr>
+            </a:solidFill>
+          </a:ln>
+        </p:spPr>
+        <p:style>
+          <a:lnRef idx="2">
+            <a:schemeClr val="accent1">
+              <a:shade val="50000"/>
+            </a:schemeClr>
+          </a:lnRef>
+          <a:fillRef idx="1">
+            <a:schemeClr val="accent1"/>
+          </a:fillRef>
+          <a:effectRef idx="0">
+            <a:schemeClr val="accent1"/>
+          </a:effectRef>
+          <a:fontRef idx="minor">
+            <a:schemeClr val="lt1"/>
+          </a:fontRef>
+        </p:style>
+        <p:txBody>
+          <a:bodyPr rtlCol="0" anchor="ctr"/>
+          <a:lstStyle/>
+          <a:p>
+            <a:pPr algn="ctr"/>
+            <a:endParaRPr lang="en-US"/>
+          </a:p>
+        </p:txBody>
+      </p:sp>
+      <p:sp>
+        <p:nvSpPr>
+          <p:cNvPr id="64" name="TextBox 63"/>
+          <p:cNvSpPr txBox="1"/>
+          <p:nvPr/>
+        </p:nvSpPr>
+        <p:spPr>
+          <a:xfrm>
+            <a:off x="990600" y="695672"/>
+            <a:ext cx="2590800" cy="276999"/>
+          </a:xfrm>
+          <a:prstGeom prst="rect">
+            <a:avLst/>
+          </a:prstGeom>
+          <a:noFill/>
+        </p:spPr>
+        <p:txBody>
+          <a:bodyPr wrap="square" rtlCol="0">
+            <a:spAutoFit/>
+          </a:bodyPr>
+          <a:lstStyle/>
+          <a:p>
+            <a:r>
+              <a:rPr lang="en-US" sz="1200" b="1" dirty="0" smtClean="0"/>
+              <a:t>Client Tier layer</a:t>
+            </a:r>
+            <a:endParaRPr lang="en-US" sz="1200" b="1" dirty="0"/>
+          </a:p>
+        </p:txBody>
+      </p:sp>
+      <p:sp>
+        <p:nvSpPr>
+          <p:cNvPr id="65" name="Rounded Rectangle 64"/>
+          <p:cNvSpPr/>
+          <p:nvPr/>
+        </p:nvSpPr>
+        <p:spPr>
+          <a:xfrm>
+            <a:off x="2743201" y="771872"/>
+            <a:ext cx="3903632" cy="381000"/>
+          </a:xfrm>
+          <a:prstGeom prst="roundRect">
+            <a:avLst/>
+          </a:prstGeom>
+          <a:solidFill>
+            <a:schemeClr val="bg2">
+              <a:lumMod val="75000"/>
+            </a:schemeClr>
+          </a:solidFill>
+          <a:ln w="3175">
+            <a:solidFill>
+              <a:schemeClr val="accent3">
+                <a:lumMod val="60000"/>
+                <a:lumOff val="40000"/>
+              </a:schemeClr>
+            </a:solidFill>
+          </a:ln>
+        </p:spPr>
+        <p:style>
+          <a:lnRef idx="2">
+            <a:schemeClr val="accent1">
+              <a:shade val="50000"/>
+            </a:schemeClr>
+          </a:lnRef>
+          <a:fillRef idx="1">
+            <a:schemeClr val="accent1"/>
+          </a:fillRef>
+          <a:effectRef idx="0">
+            <a:schemeClr val="accent1"/>
+          </a:effectRef>
+          <a:fontRef idx="minor">
+            <a:schemeClr val="lt1"/>
+          </a:fontRef>
+        </p:style>
+        <p:txBody>
+          <a:bodyPr rtlCol="0" anchor="ctr"/>
+          <a:lstStyle/>
+          <a:p>
+            <a:pPr algn="ctr"/>
+            <a:r>
+              <a:rPr lang="en-US" sz="1200" dirty="0" smtClean="0">
+                <a:solidFill>
+                  <a:schemeClr val="tx1"/>
+                </a:solidFill>
+              </a:rPr>
+              <a:t>Web Browsers</a:t>
+            </a:r>
+            <a:endParaRPr lang="en-US" sz="1200" dirty="0">
+              <a:solidFill>
+                <a:schemeClr val="tx1"/>
+              </a:solidFill>
+            </a:endParaRPr>
+          </a:p>
+        </p:txBody>
+      </p:sp>
+      <p:sp>
+        <p:nvSpPr>
+          <p:cNvPr id="33" name="Rounded Rectangle 32"/>
+          <p:cNvSpPr/>
+          <p:nvPr/>
+        </p:nvSpPr>
+        <p:spPr>
+          <a:xfrm>
+            <a:off x="1066800" y="4772372"/>
             <a:ext cx="1524000" cy="381000"/>
           </a:xfrm>
           <a:prstGeom prst="roundRect">
@@ -8464,7 +8917,7 @@
                   <a:schemeClr val="tx1"/>
                 </a:solidFill>
               </a:rPr>
-              <a:t>Cryptography Block</a:t>
+              <a:t>Reporting Tool</a:t>
             </a:r>
             <a:endParaRPr lang="en-US" sz="1200" dirty="0">
               <a:solidFill>
@@ -8476,186 +8929,13 @@
       </p:sp>
       <p:sp>
         <p:nvSpPr>
-          <p:cNvPr id="57" name="Rounded Rectangle 56"/>
+          <p:cNvPr id="34" name="Rectangle 33"/>
           <p:cNvSpPr/>
           <p:nvPr/>
         </p:nvSpPr>
         <p:spPr>
           <a:xfrm>
-            <a:off x="1066800" y="5343872"/>
-            <a:ext cx="1524000" cy="381000"/>
-          </a:xfrm>
-          <a:prstGeom prst="roundRect">
-            <a:avLst/>
-          </a:prstGeom>
-          <a:gradFill flip="none" rotWithShape="1">
-            <a:gsLst>
-              <a:gs pos="0">
-                <a:schemeClr val="accent6">
-                  <a:lumMod val="60000"/>
-                  <a:lumOff val="40000"/>
-                  <a:tint val="66000"/>
-                  <a:satMod val="160000"/>
-                </a:schemeClr>
-              </a:gs>
-              <a:gs pos="50000">
-                <a:schemeClr val="accent6">
-                  <a:lumMod val="60000"/>
-                  <a:lumOff val="40000"/>
-                  <a:tint val="44500"/>
-                  <a:satMod val="160000"/>
-                </a:schemeClr>
-              </a:gs>
-              <a:gs pos="100000">
-                <a:schemeClr val="accent6">
-                  <a:lumMod val="60000"/>
-                  <a:lumOff val="40000"/>
-                  <a:tint val="23500"/>
-                  <a:satMod val="160000"/>
-                </a:schemeClr>
-              </a:gs>
-            </a:gsLst>
-            <a:lin ang="16200000" scaled="1"/>
-            <a:tileRect/>
-          </a:gradFill>
-          <a:ln w="3175">
-            <a:solidFill>
-              <a:schemeClr val="accent6">
-                <a:lumMod val="60000"/>
-                <a:lumOff val="40000"/>
-              </a:schemeClr>
-            </a:solidFill>
-          </a:ln>
-        </p:spPr>
-        <p:style>
-          <a:lnRef idx="2">
-            <a:schemeClr val="accent1">
-              <a:shade val="50000"/>
-            </a:schemeClr>
-          </a:lnRef>
-          <a:fillRef idx="1">
-            <a:schemeClr val="accent1"/>
-          </a:fillRef>
-          <a:effectRef idx="0">
-            <a:schemeClr val="accent1"/>
-          </a:effectRef>
-          <a:fontRef idx="minor">
-            <a:schemeClr val="lt1"/>
-          </a:fontRef>
-        </p:style>
-        <p:txBody>
-          <a:bodyPr rtlCol="0" anchor="ctr"/>
-          <a:lstStyle/>
-          <a:p>
-            <a:pPr algn="ctr"/>
-            <a:r>
-              <a:rPr lang="en-US" sz="1200" dirty="0" smtClean="0">
-                <a:solidFill>
-                  <a:schemeClr val="tx1"/>
-                </a:solidFill>
-              </a:rPr>
-              <a:t>SOA Framework</a:t>
-            </a:r>
-            <a:endParaRPr lang="en-US" sz="1200" dirty="0">
-              <a:solidFill>
-                <a:schemeClr val="tx1"/>
-              </a:solidFill>
-            </a:endParaRPr>
-          </a:p>
-        </p:txBody>
-      </p:sp>
-      <p:sp>
-        <p:nvSpPr>
-          <p:cNvPr id="58" name="Rectangle 57"/>
-          <p:cNvSpPr/>
-          <p:nvPr/>
-        </p:nvSpPr>
-        <p:spPr>
-          <a:xfrm>
-            <a:off x="6781800" y="1305272"/>
-            <a:ext cx="1066800" cy="4572000"/>
-          </a:xfrm>
-          <a:prstGeom prst="rect">
-            <a:avLst/>
-          </a:prstGeom>
-          <a:solidFill>
-            <a:schemeClr val="accent5">
-              <a:lumMod val="40000"/>
-              <a:lumOff val="60000"/>
-            </a:schemeClr>
-          </a:solidFill>
-          <a:ln w="6350">
-            <a:solidFill>
-              <a:schemeClr val="accent5">
-                <a:lumMod val="75000"/>
-              </a:schemeClr>
-            </a:solidFill>
-          </a:ln>
-        </p:spPr>
-        <p:style>
-          <a:lnRef idx="2">
-            <a:schemeClr val="accent1">
-              <a:shade val="50000"/>
-            </a:schemeClr>
-          </a:lnRef>
-          <a:fillRef idx="1">
-            <a:schemeClr val="accent1"/>
-          </a:fillRef>
-          <a:effectRef idx="0">
-            <a:schemeClr val="accent1"/>
-          </a:effectRef>
-          <a:fontRef idx="minor">
-            <a:schemeClr val="lt1"/>
-          </a:fontRef>
-        </p:style>
-        <p:txBody>
-          <a:bodyPr rtlCol="0" anchor="ctr"/>
-          <a:lstStyle/>
-          <a:p>
-            <a:pPr algn="ctr"/>
-            <a:endParaRPr lang="en-US" dirty="0"/>
-          </a:p>
-        </p:txBody>
-      </p:sp>
-      <p:sp>
-        <p:nvSpPr>
-          <p:cNvPr id="59" name="TextBox 58"/>
-          <p:cNvSpPr txBox="1"/>
-          <p:nvPr/>
-        </p:nvSpPr>
-        <p:spPr>
-          <a:xfrm>
-            <a:off x="6781800" y="1305272"/>
-            <a:ext cx="1219200" cy="276999"/>
-          </a:xfrm>
-          <a:prstGeom prst="rect">
-            <a:avLst/>
-          </a:prstGeom>
-          <a:noFill/>
-        </p:spPr>
-        <p:txBody>
-          <a:bodyPr wrap="square" rtlCol="0">
-            <a:spAutoFit/>
-          </a:bodyPr>
-          <a:lstStyle/>
-          <a:p>
-            <a:r>
-              <a:rPr lang="en-US" sz="1200" b="1" dirty="0" smtClean="0"/>
-              <a:t>Shared layer</a:t>
-            </a:r>
-            <a:endParaRPr lang="en-US" sz="1200" b="1" dirty="0"/>
-          </a:p>
-        </p:txBody>
-      </p:sp>
-      <p:sp>
-        <p:nvSpPr>
-          <p:cNvPr id="60" name="Rectangle 59"/>
-          <p:cNvSpPr/>
-          <p:nvPr/>
-        </p:nvSpPr>
-        <p:spPr>
-          <a:xfrm>
-            <a:off x="6876256" y="1610072"/>
+            <a:off x="7315200" y="1610072"/>
             <a:ext cx="381000" cy="4114800"/>
           </a:xfrm>
           <a:prstGeom prst="rect">
@@ -8724,216 +9004,9 @@
                   <a:schemeClr val="tx1"/>
                 </a:solidFill>
               </a:rPr>
-              <a:t>Security control</a:t>
+              <a:t>Logging &amp; Auditing</a:t>
             </a:r>
             <a:endParaRPr lang="en-US" dirty="0">
-              <a:solidFill>
-                <a:schemeClr val="tx1"/>
-              </a:solidFill>
-            </a:endParaRPr>
-          </a:p>
-        </p:txBody>
-      </p:sp>
-      <p:sp>
-        <p:nvSpPr>
-          <p:cNvPr id="61" name="TextBox 60"/>
-          <p:cNvSpPr txBox="1"/>
-          <p:nvPr/>
-        </p:nvSpPr>
-        <p:spPr>
-          <a:xfrm>
-            <a:off x="2743200" y="238472"/>
-            <a:ext cx="3400483" cy="369332"/>
-          </a:xfrm>
-          <a:prstGeom prst="rect">
-            <a:avLst/>
-          </a:prstGeom>
-          <a:noFill/>
-        </p:spPr>
-        <p:txBody>
-          <a:bodyPr wrap="none" rtlCol="0">
-            <a:spAutoFit/>
-          </a:bodyPr>
-          <a:lstStyle/>
-          <a:p>
-            <a:r>
-              <a:rPr lang="en-US" dirty="0" smtClean="0"/>
-              <a:t>Application Architecture Overview</a:t>
-            </a:r>
-            <a:endParaRPr lang="en-US" dirty="0"/>
-          </a:p>
-        </p:txBody>
-      </p:sp>
-      <p:sp>
-        <p:nvSpPr>
-          <p:cNvPr id="62" name="TextBox 61"/>
-          <p:cNvSpPr txBox="1"/>
-          <p:nvPr/>
-        </p:nvSpPr>
-        <p:spPr>
-          <a:xfrm>
-            <a:off x="2819400" y="2476073"/>
-            <a:ext cx="2590800" cy="276999"/>
-          </a:xfrm>
-          <a:prstGeom prst="rect">
-            <a:avLst/>
-          </a:prstGeom>
-          <a:noFill/>
-        </p:spPr>
-        <p:txBody>
-          <a:bodyPr wrap="square" rtlCol="0">
-            <a:spAutoFit/>
-          </a:bodyPr>
-          <a:lstStyle/>
-          <a:p>
-            <a:r>
-              <a:rPr lang="en-US" sz="1200" b="1" dirty="0" smtClean="0"/>
-              <a:t>Controller Bean layer</a:t>
-            </a:r>
-            <a:endParaRPr lang="en-US" sz="1200" b="1" dirty="0"/>
-          </a:p>
-        </p:txBody>
-      </p:sp>
-      <p:sp>
-        <p:nvSpPr>
-          <p:cNvPr id="63" name="Rectangle 62"/>
-          <p:cNvSpPr/>
-          <p:nvPr/>
-        </p:nvSpPr>
-        <p:spPr>
-          <a:xfrm>
-            <a:off x="990600" y="695672"/>
-            <a:ext cx="6858000" cy="533400"/>
-          </a:xfrm>
-          <a:prstGeom prst="rect">
-            <a:avLst/>
-          </a:prstGeom>
-          <a:solidFill>
-            <a:schemeClr val="bg2">
-              <a:lumMod val="90000"/>
-            </a:schemeClr>
-          </a:solidFill>
-          <a:ln w="3175">
-            <a:solidFill>
-              <a:schemeClr val="bg2">
-                <a:lumMod val="75000"/>
-              </a:schemeClr>
-            </a:solidFill>
-          </a:ln>
-        </p:spPr>
-        <p:style>
-          <a:lnRef idx="2">
-            <a:schemeClr val="accent1">
-              <a:shade val="50000"/>
-            </a:schemeClr>
-          </a:lnRef>
-          <a:fillRef idx="1">
-            <a:schemeClr val="accent1"/>
-          </a:fillRef>
-          <a:effectRef idx="0">
-            <a:schemeClr val="accent1"/>
-          </a:effectRef>
-          <a:fontRef idx="minor">
-            <a:schemeClr val="lt1"/>
-          </a:fontRef>
-        </p:style>
-        <p:txBody>
-          <a:bodyPr rtlCol="0" anchor="ctr"/>
-          <a:lstStyle/>
-          <a:p>
-            <a:pPr algn="ctr"/>
-            <a:endParaRPr lang="en-US"/>
-          </a:p>
-        </p:txBody>
-      </p:sp>
-      <p:sp>
-        <p:nvSpPr>
-          <p:cNvPr id="64" name="TextBox 63"/>
-          <p:cNvSpPr txBox="1"/>
-          <p:nvPr/>
-        </p:nvSpPr>
-        <p:spPr>
-          <a:xfrm>
-            <a:off x="990600" y="695672"/>
-            <a:ext cx="2590800" cy="276999"/>
-          </a:xfrm>
-          <a:prstGeom prst="rect">
-            <a:avLst/>
-          </a:prstGeom>
-          <a:noFill/>
-        </p:spPr>
-        <p:txBody>
-          <a:bodyPr wrap="square" rtlCol="0">
-            <a:spAutoFit/>
-          </a:bodyPr>
-          <a:lstStyle/>
-          <a:p>
-            <a:r>
-              <a:rPr lang="en-US" sz="1200" b="1" dirty="0" smtClean="0"/>
-              <a:t>Client Tier layer</a:t>
-            </a:r>
-            <a:endParaRPr lang="en-US" sz="1200" b="1" dirty="0"/>
-          </a:p>
-        </p:txBody>
-      </p:sp>
-      <p:sp>
-        <p:nvSpPr>
-          <p:cNvPr id="65" name="Rounded Rectangle 64"/>
-          <p:cNvSpPr/>
-          <p:nvPr/>
-        </p:nvSpPr>
-        <p:spPr>
-          <a:xfrm>
-            <a:off x="3124200" y="771872"/>
-            <a:ext cx="3276600" cy="381000"/>
-          </a:xfrm>
-          <a:prstGeom prst="roundRect">
-            <a:avLst/>
-          </a:prstGeom>
-          <a:solidFill>
-            <a:schemeClr val="bg2">
-              <a:lumMod val="75000"/>
-            </a:schemeClr>
-          </a:solidFill>
-          <a:ln w="3175">
-            <a:solidFill>
-              <a:schemeClr val="accent3">
-                <a:lumMod val="60000"/>
-                <a:lumOff val="40000"/>
-              </a:schemeClr>
-            </a:solidFill>
-          </a:ln>
-        </p:spPr>
-        <p:style>
-          <a:lnRef idx="2">
-            <a:schemeClr val="accent1">
-              <a:shade val="50000"/>
-            </a:schemeClr>
-          </a:lnRef>
-          <a:fillRef idx="1">
-            <a:schemeClr val="accent1"/>
-          </a:fillRef>
-          <a:effectRef idx="0">
-            <a:schemeClr val="accent1"/>
-          </a:effectRef>
-          <a:fontRef idx="minor">
-            <a:schemeClr val="lt1"/>
-          </a:fontRef>
-        </p:style>
-        <p:txBody>
-          <a:bodyPr rtlCol="0" anchor="ctr"/>
-          <a:lstStyle/>
-          <a:p>
-            <a:pPr algn="ctr"/>
-            <a:r>
-              <a:rPr lang="en-US" sz="1200" dirty="0" smtClean="0">
-                <a:solidFill>
-                  <a:schemeClr val="tx1"/>
-                </a:solidFill>
-              </a:rPr>
-              <a:t>Web Browsers</a:t>
-            </a:r>
-            <a:endParaRPr lang="en-US" sz="1200" dirty="0">
               <a:solidFill>
                 <a:schemeClr val="tx1"/>
               </a:solidFill>
@@ -8979,8 +9052,8 @@
         </p:nvSpPr>
         <p:spPr>
           <a:xfrm>
-            <a:off x="2965728" y="293914"/>
-            <a:ext cx="3130537" cy="369332"/>
+            <a:off x="1043608" y="293914"/>
+            <a:ext cx="6890028" cy="369332"/>
           </a:xfrm>
           <a:prstGeom prst="rect">
             <a:avLst/>
@@ -8994,10 +9067,46 @@
           <a:lstStyle/>
           <a:p>
             <a:r>
-              <a:rPr lang="en-US" dirty="0" smtClean="0"/>
-              <a:t>Logical Application architecture</a:t>
-            </a:r>
-            <a:endParaRPr lang="en-US" dirty="0"/>
+              <a:rPr lang="en-US" b="1" dirty="0">
+                <a:solidFill>
+                  <a:schemeClr val="accent1">
+                    <a:lumMod val="75000"/>
+                  </a:schemeClr>
+                </a:solidFill>
+                <a:latin typeface="Palatino Linotype" pitchFamily="18" charset="0"/>
+              </a:rPr>
+              <a:t>Sample </a:t>
+            </a:r>
+            <a:r>
+              <a:rPr lang="en-US" b="1" dirty="0">
+                <a:solidFill>
+                  <a:schemeClr val="accent1">
+                    <a:lumMod val="75000"/>
+                  </a:schemeClr>
+                </a:solidFill>
+                <a:latin typeface="Palatino Linotype" pitchFamily="18" charset="0"/>
+              </a:rPr>
+              <a:t>Logical </a:t>
+            </a:r>
+            <a:r>
+              <a:rPr lang="en-US" b="1" dirty="0">
+                <a:solidFill>
+                  <a:schemeClr val="accent1">
+                    <a:lumMod val="75000"/>
+                  </a:schemeClr>
+                </a:solidFill>
+                <a:latin typeface="Palatino Linotype" pitchFamily="18" charset="0"/>
+              </a:rPr>
+              <a:t>Application Architecture – Project Management</a:t>
+            </a:r>
+            <a:endParaRPr lang="en-US" b="1" dirty="0">
+              <a:solidFill>
+                <a:schemeClr val="accent1">
+                  <a:lumMod val="75000"/>
+                </a:schemeClr>
+              </a:solidFill>
+              <a:latin typeface="Palatino Linotype" pitchFamily="18" charset="0"/>
+            </a:endParaRPr>
           </a:p>
         </p:txBody>
       </p:sp>
@@ -9498,7 +9607,15 @@
                   <a:schemeClr val="tx1"/>
                 </a:solidFill>
               </a:rPr>
-              <a:t>.Net Web</a:t>
+              <a:t>JSP </a:t>
+            </a:r>
+            <a:r>
+              <a:rPr lang="en-US" sz="1000" b="1" dirty="0" smtClean="0">
+                <a:solidFill>
+                  <a:schemeClr val="tx1"/>
+                </a:solidFill>
+              </a:rPr>
+              <a:t>Web</a:t>
             </a:r>
           </a:p>
         </p:txBody>
@@ -9553,24 +9670,18 @@
           <a:p>
             <a:pPr algn="ctr"/>
             <a:r>
-              <a:rPr lang="en-US" sz="800" b="1" dirty="0" smtClean="0">
+              <a:rPr lang="en-US" sz="1050" b="1" dirty="0" smtClean="0">
                 <a:solidFill>
                   <a:schemeClr val="tx1"/>
                 </a:solidFill>
               </a:rPr>
-              <a:t>Service Agent</a:t>
-            </a:r>
-          </a:p>
-          <a:p>
-            <a:pPr algn="ctr"/>
-            <a:r>
-              <a:rPr lang="en-US" sz="800" b="1" dirty="0" smtClean="0">
-                <a:solidFill>
-                  <a:schemeClr val="tx1"/>
-                </a:solidFill>
-              </a:rPr>
-              <a:t>(WCF)</a:t>
-            </a:r>
+              <a:t>Servlet Agent</a:t>
+            </a:r>
+            <a:endParaRPr lang="en-US" sz="1050" b="1" dirty="0" smtClean="0">
+              <a:solidFill>
+                <a:schemeClr val="tx1"/>
+              </a:solidFill>
+            </a:endParaRPr>
           </a:p>
         </p:txBody>
       </p:sp>
@@ -9583,7 +9694,7 @@
         <p:spPr>
           <a:xfrm>
             <a:off x="1981200" y="2590800"/>
-            <a:ext cx="1371600" cy="304800"/>
+            <a:ext cx="1371600" cy="478160"/>
           </a:xfrm>
           <a:prstGeom prst="rect">
             <a:avLst/>
@@ -9689,7 +9800,11 @@
             <a:pPr algn="ctr"/>
             <a:r>
               <a:rPr lang="en-US" sz="1000" dirty="0" smtClean="0"/>
-              <a:t>Create Product</a:t>
+              <a:t>Create </a:t>
+            </a:r>
+            <a:r>
+              <a:rPr lang="en-US" sz="1000" dirty="0" smtClean="0"/>
+              <a:t>Project</a:t>
             </a:r>
             <a:endParaRPr lang="en-US" sz="1000" dirty="0"/>
           </a:p>
@@ -9733,8 +9848,8 @@
           <a:p>
             <a:pPr algn="ctr"/>
             <a:r>
-              <a:rPr lang="en-US" sz="1000" dirty="0" smtClean="0"/>
-              <a:t>ProductSA</a:t>
+              <a:rPr lang="en-US" sz="1000" dirty="0" err="1" smtClean="0"/>
+              <a:t>ProjectService</a:t>
             </a:r>
             <a:endParaRPr lang="en-US" sz="1000" dirty="0"/>
           </a:p>
@@ -9778,8 +9893,8 @@
           <a:p>
             <a:pPr algn="ctr"/>
             <a:r>
-              <a:rPr lang="en-US" sz="1000" dirty="0" smtClean="0"/>
-              <a:t>ProductBF</a:t>
+              <a:rPr lang="en-US" sz="1000" dirty="0" err="1" smtClean="0"/>
+              <a:t>ProjectFacade</a:t>
             </a:r>
             <a:endParaRPr lang="en-US" sz="1000" dirty="0"/>
           </a:p>
@@ -9831,79 +9946,13 @@
             <a:pPr algn="ctr"/>
             <a:r>
               <a:rPr lang="en-US" sz="1000" dirty="0" smtClean="0"/>
-              <a:t>WCF Service</a:t>
+              <a:t>Web </a:t>
+            </a:r>
+            <a:r>
+              <a:rPr lang="en-US" sz="1000" dirty="0" smtClean="0"/>
+              <a:t>Service</a:t>
             </a:r>
             <a:endParaRPr lang="en-US" sz="1000" dirty="0"/>
-          </a:p>
-        </p:txBody>
-      </p:sp>
-      <p:sp>
-        <p:nvSpPr>
-          <p:cNvPr id="18" name="Rectangle 17"/>
-          <p:cNvSpPr/>
-          <p:nvPr/>
-        </p:nvSpPr>
-        <p:spPr>
-          <a:xfrm>
-            <a:off x="1981200" y="2971800"/>
-            <a:ext cx="1371600" cy="304800"/>
-          </a:xfrm>
-          <a:prstGeom prst="rect">
-            <a:avLst/>
-          </a:prstGeom>
-          <a:solidFill>
-            <a:schemeClr val="tx2">
-              <a:lumMod val="40000"/>
-              <a:lumOff val="60000"/>
-            </a:schemeClr>
-          </a:solidFill>
-          <a:ln w="3175"/>
-        </p:spPr>
-        <p:style>
-          <a:lnRef idx="2">
-            <a:schemeClr val="accent1">
-              <a:shade val="50000"/>
-            </a:schemeClr>
-          </a:lnRef>
-          <a:fillRef idx="1">
-            <a:schemeClr val="accent1"/>
-          </a:fillRef>
-          <a:effectRef idx="0">
-            <a:schemeClr val="accent1"/>
-          </a:effectRef>
-          <a:fontRef idx="minor">
-            <a:schemeClr val="lt1"/>
-          </a:fontRef>
-        </p:style>
-        <p:txBody>
-          <a:bodyPr rtlCol="0" anchor="ctr"/>
-          <a:lstStyle/>
-          <a:p>
-            <a:pPr algn="ctr"/>
-            <a:r>
-              <a:rPr lang="en-US" sz="800" b="1" dirty="0" smtClean="0">
-                <a:solidFill>
-                  <a:schemeClr val="tx1"/>
-                </a:solidFill>
-              </a:rPr>
-              <a:t>Business Logic</a:t>
-            </a:r>
-          </a:p>
-          <a:p>
-            <a:pPr algn="ctr"/>
-            <a:r>
-              <a:rPr lang="en-US" sz="800" b="1" dirty="0" smtClean="0">
-                <a:solidFill>
-                  <a:schemeClr val="tx1"/>
-                </a:solidFill>
-              </a:rPr>
-              <a:t>Components</a:t>
-            </a:r>
-            <a:endParaRPr lang="en-US" sz="800" b="1" dirty="0">
-              <a:solidFill>
-                <a:schemeClr val="tx1"/>
-              </a:solidFill>
-            </a:endParaRPr>
           </a:p>
         </p:txBody>
       </p:sp>
@@ -9945,8 +9994,8 @@
           <a:p>
             <a:pPr algn="ctr"/>
             <a:r>
-              <a:rPr lang="en-US" sz="1000" dirty="0" smtClean="0"/>
-              <a:t>ProductBS</a:t>
+              <a:rPr lang="en-US" sz="1000" dirty="0" err="1" smtClean="0"/>
+              <a:t>ProjectBizService</a:t>
             </a:r>
             <a:endParaRPr lang="en-US" sz="1000" dirty="0"/>
           </a:p>
@@ -9960,8 +10009,8 @@
         </p:nvSpPr>
         <p:spPr>
           <a:xfrm>
-            <a:off x="1981200" y="3352800"/>
-            <a:ext cx="1371600" cy="304800"/>
+            <a:off x="1981200" y="3068960"/>
+            <a:ext cx="1371600" cy="533400"/>
           </a:xfrm>
           <a:prstGeom prst="rect">
             <a:avLst/>
@@ -9996,7 +10045,7 @@
           <a:p>
             <a:pPr algn="ctr"/>
             <a:r>
-              <a:rPr lang="en-US" sz="800" b="1" dirty="0" smtClean="0">
+              <a:rPr lang="en-US" sz="1000" b="1" dirty="0" smtClean="0">
                 <a:solidFill>
                   <a:schemeClr val="tx1"/>
                 </a:solidFill>
@@ -10007,14 +10056,14 @@
           <a:p>
             <a:pPr algn="ctr"/>
             <a:r>
-              <a:rPr lang="en-US" sz="800" b="1" dirty="0" smtClean="0">
+              <a:rPr lang="en-US" sz="1000" b="1" dirty="0" smtClean="0">
                 <a:solidFill>
                   <a:schemeClr val="tx1"/>
                 </a:solidFill>
               </a:rPr>
               <a:t>Components</a:t>
             </a:r>
-            <a:endParaRPr lang="en-US" sz="800" b="1" dirty="0">
+            <a:endParaRPr lang="en-US" sz="1000" b="1" dirty="0">
               <a:solidFill>
                 <a:schemeClr val="tx1"/>
               </a:solidFill>
@@ -10030,8 +10079,8 @@
         </p:nvSpPr>
         <p:spPr>
           <a:xfrm>
-            <a:off x="1981200" y="3733800"/>
-            <a:ext cx="1371600" cy="304800"/>
+            <a:off x="1981200" y="3602360"/>
+            <a:ext cx="1371600" cy="436240"/>
           </a:xfrm>
           <a:prstGeom prst="rect">
             <a:avLst/>
@@ -10072,7 +10121,7 @@
           <a:p>
             <a:pPr algn="ctr"/>
             <a:r>
-              <a:rPr lang="en-US" sz="800" b="1" dirty="0" smtClean="0">
+              <a:rPr lang="en-US" sz="1050" b="1" dirty="0" smtClean="0">
                 <a:solidFill>
                   <a:schemeClr val="tx1"/>
                 </a:solidFill>
@@ -10120,8 +10169,8 @@
           <a:p>
             <a:pPr algn="ctr"/>
             <a:r>
-              <a:rPr lang="en-US" sz="1000" dirty="0" smtClean="0"/>
-              <a:t>ProductDA</a:t>
+              <a:rPr lang="en-US" sz="1000" dirty="0" err="1" smtClean="0"/>
+              <a:t>ProjectDAO</a:t>
             </a:r>
             <a:endParaRPr lang="en-US" sz="1000" dirty="0"/>
           </a:p>
@@ -10243,7 +10292,7 @@
         </p:nvSpPr>
         <p:spPr>
           <a:xfrm rot="16200000">
-            <a:off x="1181100" y="3238500"/>
+            <a:off x="1115988" y="3238500"/>
             <a:ext cx="1447800" cy="152400"/>
           </a:xfrm>
           <a:prstGeom prst="rightArrow">
@@ -10297,7 +10346,7 @@
         </p:nvSpPr>
         <p:spPr>
           <a:xfrm rot="5400000">
-            <a:off x="2705100" y="3238500"/>
+            <a:off x="2763787" y="3238500"/>
             <a:ext cx="1447800" cy="152400"/>
           </a:xfrm>
           <a:prstGeom prst="rightArrow">
@@ -10609,25 +10658,14 @@
           <a:p>
             <a:pPr algn="ctr"/>
             <a:r>
-              <a:rPr lang="en-US" sz="800" b="1" dirty="0" smtClean="0">
+              <a:rPr lang="en-US" sz="1050" b="1" dirty="0" smtClean="0">
                 <a:solidFill>
                   <a:schemeClr val="tx1"/>
                 </a:solidFill>
               </a:rPr>
-              <a:t>Stored Procedures</a:t>
-            </a:r>
-          </a:p>
-          <a:p>
-            <a:pPr algn="ctr"/>
-            <a:r>
-              <a:rPr lang="en-US" sz="800" b="1" dirty="0" smtClean="0">
-                <a:solidFill>
-                  <a:schemeClr val="tx1"/>
-                </a:solidFill>
-              </a:rPr>
-              <a:t>User Defined Function</a:t>
-            </a:r>
-            <a:endParaRPr lang="en-US" sz="800" b="1" dirty="0">
+              <a:t>T-SQL generator</a:t>
+            </a:r>
+            <a:endParaRPr lang="en-US" sz="1050" b="1" dirty="0">
               <a:solidFill>
                 <a:schemeClr val="tx1"/>
               </a:solidFill>
@@ -10673,8 +10711,8 @@
           <a:p>
             <a:pPr algn="ctr"/>
             <a:r>
-              <a:rPr lang="en-US" sz="1000" dirty="0" smtClean="0"/>
-              <a:t>uspCreateProduct</a:t>
+              <a:rPr lang="en-US" sz="1000" dirty="0" err="1" smtClean="0"/>
+              <a:t>uspCreateProject</a:t>
             </a:r>
             <a:endParaRPr lang="en-US" sz="1000" dirty="0"/>
           </a:p>
@@ -10742,14 +10780,14 @@
       </p:sp>
       <p:sp>
         <p:nvSpPr>
-          <p:cNvPr id="35" name="TextBox 34"/>
+          <p:cNvPr id="36" name="TextBox 35"/>
           <p:cNvSpPr txBox="1"/>
           <p:nvPr/>
         </p:nvSpPr>
         <p:spPr>
           <a:xfrm>
-            <a:off x="2971800" y="4267200"/>
-            <a:ext cx="1114408" cy="246221"/>
+            <a:off x="3048000" y="4267200"/>
+            <a:ext cx="1449436" cy="246221"/>
           </a:xfrm>
           <a:prstGeom prst="rect">
             <a:avLst/>
@@ -10764,37 +10802,7 @@
           <a:p>
             <a:r>
               <a:rPr lang="en-US" sz="1000" dirty="0" smtClean="0"/>
-              <a:t>ADO.Net Provider</a:t>
-            </a:r>
-            <a:endParaRPr lang="en-US" sz="1000" dirty="0"/>
-          </a:p>
-        </p:txBody>
-      </p:sp>
-      <p:sp>
-        <p:nvSpPr>
-          <p:cNvPr id="36" name="TextBox 35"/>
-          <p:cNvSpPr txBox="1"/>
-          <p:nvPr/>
-        </p:nvSpPr>
-        <p:spPr>
-          <a:xfrm>
-            <a:off x="1295400" y="4267200"/>
-            <a:ext cx="1114408" cy="246221"/>
-          </a:xfrm>
-          <a:prstGeom prst="rect">
-            <a:avLst/>
-          </a:prstGeom>
-          <a:noFill/>
-        </p:spPr>
-        <p:txBody>
-          <a:bodyPr wrap="none" rtlCol="0">
-            <a:spAutoFit/>
-          </a:bodyPr>
-          <a:lstStyle/>
-          <a:p>
-            <a:r>
-              <a:rPr lang="en-US" sz="1000" dirty="0" smtClean="0"/>
-              <a:t>ADO.Net Provider</a:t>
+              <a:t>Hibernate Data provider</a:t>
             </a:r>
             <a:endParaRPr lang="en-US" sz="1000" dirty="0"/>
           </a:p>
@@ -10909,8 +10917,13 @@
                   <a:schemeClr val="tx1"/>
                 </a:solidFill>
               </a:rPr>
-              <a:t>ProductDS</a:t>
-            </a:r>
+              <a:t>Project</a:t>
+            </a:r>
+            <a:endParaRPr lang="en-US" sz="1000" dirty="0" smtClean="0">
+              <a:solidFill>
+                <a:schemeClr val="tx1"/>
+              </a:solidFill>
+            </a:endParaRPr>
           </a:p>
           <a:p>
             <a:pPr algn="ctr"/>
@@ -11347,4 +11360,47 @@
   <a:objectDefaults/>
   <a:extraClrSchemeLst/>
 </a:theme>
+</file>
+
+<file path=ppt/theme/themeOverride1.xml><?xml version="1.0" encoding="utf-8"?>
+<a:themeOverride xmlns:a="http://schemas.openxmlformats.org/drawingml/2006/main">
+  <a:clrScheme name="Office">
+    <a:dk1>
+      <a:sysClr val="windowText" lastClr="000000"/>
+    </a:dk1>
+    <a:lt1>
+      <a:sysClr val="window" lastClr="FFFFFF"/>
+    </a:lt1>
+    <a:dk2>
+      <a:srgbClr val="1F497D"/>
+    </a:dk2>
+    <a:lt2>
+      <a:srgbClr val="EEECE1"/>
+    </a:lt2>
+    <a:accent1>
+      <a:srgbClr val="4F81BD"/>
+    </a:accent1>
+    <a:accent2>
+      <a:srgbClr val="C0504D"/>
+    </a:accent2>
+    <a:accent3>
+      <a:srgbClr val="9BBB59"/>
+    </a:accent3>
+    <a:accent4>
+      <a:srgbClr val="8064A2"/>
+    </a:accent4>
+    <a:accent5>
+      <a:srgbClr val="4BACC6"/>
+    </a:accent5>
+    <a:accent6>
+      <a:srgbClr val="F79646"/>
+    </a:accent6>
+    <a:hlink>
+      <a:srgbClr val="0000FF"/>
+    </a:hlink>
+    <a:folHlink>
+      <a:srgbClr val="800080"/>
+    </a:folHlink>
+  </a:clrScheme>
+</a:themeOverride>
 </file>
--- a/docs/W-9 Working Document/W-9.1 Team Members/W-9.1.5 Dio/2. Phase 2/VMS High level architecture.pptx
+++ b/docs/W-9 Working Document/W-9.1 Team Members/W-9.1.5 Dio/2. Phase 2/VMS High level architecture.pptx
@@ -291,7 +291,7 @@
           <a:p>
             <a:fld id="{3C0C97C8-A8E9-4300-8025-04354ECA18B4}" type="datetimeFigureOut">
               <a:rPr lang="en-US" smtClean="0"/>
-              <a:t>08-Aug-11</a:t>
+              <a:t>10-Aug-11</a:t>
             </a:fld>
             <a:endParaRPr lang="en-US"/>
           </a:p>
@@ -461,7 +461,7 @@
           <a:p>
             <a:fld id="{3C0C97C8-A8E9-4300-8025-04354ECA18B4}" type="datetimeFigureOut">
               <a:rPr lang="en-US" smtClean="0"/>
-              <a:t>08-Aug-11</a:t>
+              <a:t>10-Aug-11</a:t>
             </a:fld>
             <a:endParaRPr lang="en-US"/>
           </a:p>
@@ -641,7 +641,7 @@
           <a:p>
             <a:fld id="{3C0C97C8-A8E9-4300-8025-04354ECA18B4}" type="datetimeFigureOut">
               <a:rPr lang="en-US" smtClean="0"/>
-              <a:t>08-Aug-11</a:t>
+              <a:t>10-Aug-11</a:t>
             </a:fld>
             <a:endParaRPr lang="en-US"/>
           </a:p>
@@ -811,7 +811,7 @@
           <a:p>
             <a:fld id="{3C0C97C8-A8E9-4300-8025-04354ECA18B4}" type="datetimeFigureOut">
               <a:rPr lang="en-US" smtClean="0"/>
-              <a:t>08-Aug-11</a:t>
+              <a:t>10-Aug-11</a:t>
             </a:fld>
             <a:endParaRPr lang="en-US"/>
           </a:p>
@@ -1057,7 +1057,7 @@
           <a:p>
             <a:fld id="{3C0C97C8-A8E9-4300-8025-04354ECA18B4}" type="datetimeFigureOut">
               <a:rPr lang="en-US" smtClean="0"/>
-              <a:t>08-Aug-11</a:t>
+              <a:t>10-Aug-11</a:t>
             </a:fld>
             <a:endParaRPr lang="en-US"/>
           </a:p>
@@ -1345,7 +1345,7 @@
           <a:p>
             <a:fld id="{3C0C97C8-A8E9-4300-8025-04354ECA18B4}" type="datetimeFigureOut">
               <a:rPr lang="en-US" smtClean="0"/>
-              <a:t>08-Aug-11</a:t>
+              <a:t>10-Aug-11</a:t>
             </a:fld>
             <a:endParaRPr lang="en-US"/>
           </a:p>
@@ -1767,7 +1767,7 @@
           <a:p>
             <a:fld id="{3C0C97C8-A8E9-4300-8025-04354ECA18B4}" type="datetimeFigureOut">
               <a:rPr lang="en-US" smtClean="0"/>
-              <a:t>08-Aug-11</a:t>
+              <a:t>10-Aug-11</a:t>
             </a:fld>
             <a:endParaRPr lang="en-US"/>
           </a:p>
@@ -1885,7 +1885,7 @@
           <a:p>
             <a:fld id="{3C0C97C8-A8E9-4300-8025-04354ECA18B4}" type="datetimeFigureOut">
               <a:rPr lang="en-US" smtClean="0"/>
-              <a:t>08-Aug-11</a:t>
+              <a:t>10-Aug-11</a:t>
             </a:fld>
             <a:endParaRPr lang="en-US"/>
           </a:p>
@@ -1980,7 +1980,7 @@
           <a:p>
             <a:fld id="{3C0C97C8-A8E9-4300-8025-04354ECA18B4}" type="datetimeFigureOut">
               <a:rPr lang="en-US" smtClean="0"/>
-              <a:t>08-Aug-11</a:t>
+              <a:t>10-Aug-11</a:t>
             </a:fld>
             <a:endParaRPr lang="en-US"/>
           </a:p>
@@ -2257,7 +2257,7 @@
           <a:p>
             <a:fld id="{3C0C97C8-A8E9-4300-8025-04354ECA18B4}" type="datetimeFigureOut">
               <a:rPr lang="en-US" smtClean="0"/>
-              <a:t>08-Aug-11</a:t>
+              <a:t>10-Aug-11</a:t>
             </a:fld>
             <a:endParaRPr lang="en-US"/>
           </a:p>
@@ -2510,7 +2510,7 @@
           <a:p>
             <a:fld id="{3C0C97C8-A8E9-4300-8025-04354ECA18B4}" type="datetimeFigureOut">
               <a:rPr lang="en-US" smtClean="0"/>
-              <a:t>08-Aug-11</a:t>
+              <a:t>10-Aug-11</a:t>
             </a:fld>
             <a:endParaRPr lang="en-US"/>
           </a:p>
@@ -2723,7 +2723,7 @@
           <a:p>
             <a:fld id="{3C0C97C8-A8E9-4300-8025-04354ECA18B4}" type="datetimeFigureOut">
               <a:rPr lang="en-US" smtClean="0"/>
-              <a:t>08-Aug-11</a:t>
+              <a:t>10-Aug-11</a:t>
             </a:fld>
             <a:endParaRPr lang="en-US"/>
           </a:p>
@@ -4819,18 +4819,7 @@
                   </a:schemeClr>
                 </a:solidFill>
               </a:rPr>
-              <a:t>VMS Business </a:t>
-            </a:r>
-            <a:r>
-              <a:rPr lang="en-US" dirty="0" smtClean="0">
-                <a:solidFill>
-                  <a:schemeClr val="tx1">
-                    <a:lumMod val="50000"/>
-                    <a:lumOff val="50000"/>
-                  </a:schemeClr>
-                </a:solidFill>
-              </a:rPr>
-              <a:t>Operations</a:t>
+              <a:t>VMS Business Operations</a:t>
             </a:r>
             <a:endParaRPr lang="en-US" dirty="0">
               <a:solidFill>
@@ -5058,14 +5047,6 @@
               </a:rPr>
               <a:t>Technology Used for VMS System</a:t>
             </a:r>
-            <a:endParaRPr lang="en-US" b="1" dirty="0">
-              <a:solidFill>
-                <a:schemeClr val="accent1">
-                  <a:lumMod val="75000"/>
-                </a:schemeClr>
-              </a:solidFill>
-              <a:latin typeface="Palatino Linotype" pitchFamily="18" charset="0"/>
-            </a:endParaRPr>
           </a:p>
         </p:txBody>
       </p:sp>
@@ -7266,15 +7247,7 @@
                   <a:schemeClr val="tx1"/>
                 </a:solidFill>
               </a:rPr>
-              <a:t>Configuration </a:t>
-            </a:r>
-            <a:r>
-              <a:rPr lang="en-US" sz="1200" dirty="0" smtClean="0">
-                <a:solidFill>
-                  <a:schemeClr val="tx1"/>
-                </a:solidFill>
-              </a:rPr>
-              <a:t>Tool</a:t>
+              <a:t>Configuration Tool</a:t>
             </a:r>
             <a:endParaRPr lang="en-US" sz="1200" dirty="0">
               <a:solidFill>
@@ -8338,15 +8311,7 @@
                   <a:schemeClr val="tx1"/>
                 </a:solidFill>
               </a:rPr>
-              <a:t>Exception </a:t>
-            </a:r>
-            <a:r>
-              <a:rPr lang="en-US" sz="1200" dirty="0" smtClean="0">
-                <a:solidFill>
-                  <a:schemeClr val="tx1"/>
-                </a:solidFill>
-              </a:rPr>
-              <a:t>Handling</a:t>
+              <a:t>Exception Handling</a:t>
             </a:r>
             <a:endParaRPr lang="en-US" sz="1200" dirty="0">
               <a:solidFill>
@@ -8625,7 +8590,7 @@
         <p:spPr>
           <a:xfrm>
             <a:off x="2743200" y="238472"/>
-            <a:ext cx="3903633" cy="369332"/>
+            <a:ext cx="4512774" cy="369332"/>
           </a:xfrm>
           <a:prstGeom prst="rect">
             <a:avLst/>
@@ -8638,6 +8603,17 @@
           </a:bodyPr>
           <a:lstStyle/>
           <a:p>
+            <a:r>
+              <a:rPr lang="en-US" b="1" dirty="0" smtClean="0">
+                <a:solidFill>
+                  <a:schemeClr val="accent1">
+                    <a:lumMod val="75000"/>
+                  </a:schemeClr>
+                </a:solidFill>
+                <a:latin typeface="Palatino Linotype" pitchFamily="18" charset="0"/>
+              </a:rPr>
+              <a:t>VMS Application </a:t>
+            </a:r>
             <a:r>
               <a:rPr lang="en-US" b="1" dirty="0">
                 <a:solidFill>
@@ -8647,16 +8623,8 @@
                 </a:solidFill>
                 <a:latin typeface="Palatino Linotype" pitchFamily="18" charset="0"/>
               </a:rPr>
-              <a:t>Application Architecture Overview</a:t>
-            </a:r>
-            <a:endParaRPr lang="en-US" b="1" dirty="0">
-              <a:solidFill>
-                <a:schemeClr val="accent1">
-                  <a:lumMod val="75000"/>
-                </a:schemeClr>
-              </a:solidFill>
-              <a:latin typeface="Palatino Linotype" pitchFamily="18" charset="0"/>
-            </a:endParaRPr>
+              <a:t>Architecture Overview</a:t>
+            </a:r>
           </a:p>
         </p:txBody>
       </p:sp>
@@ -9053,7 +9021,7 @@
         <p:spPr>
           <a:xfrm>
             <a:off x="1043608" y="293914"/>
-            <a:ext cx="6890028" cy="369332"/>
+            <a:ext cx="5229317" cy="369332"/>
           </a:xfrm>
           <a:prstGeom prst="rect">
             <a:avLst/>
@@ -9066,6 +9034,17 @@
           </a:bodyPr>
           <a:lstStyle/>
           <a:p>
+            <a:r>
+              <a:rPr lang="en-US" b="1" dirty="0" smtClean="0">
+                <a:solidFill>
+                  <a:schemeClr val="accent1">
+                    <a:lumMod val="75000"/>
+                  </a:schemeClr>
+                </a:solidFill>
+                <a:latin typeface="Palatino Linotype" pitchFamily="18" charset="0"/>
+              </a:rPr>
+              <a:t>VMS Logical </a:t>
+            </a:r>
             <a:r>
               <a:rPr lang="en-US" b="1" dirty="0">
                 <a:solidFill>
@@ -9075,10 +9054,10 @@
                 </a:solidFill>
                 <a:latin typeface="Palatino Linotype" pitchFamily="18" charset="0"/>
               </a:rPr>
-              <a:t>Sample </a:t>
-            </a:r>
-            <a:r>
-              <a:rPr lang="en-US" b="1" dirty="0">
+              <a:t>Application Architecture – </a:t>
+            </a:r>
+            <a:r>
+              <a:rPr lang="en-US" b="1" dirty="0" smtClean="0">
                 <a:solidFill>
                   <a:schemeClr val="accent1">
                     <a:lumMod val="75000"/>
@@ -9086,18 +9065,7 @@
                 </a:solidFill>
                 <a:latin typeface="Palatino Linotype" pitchFamily="18" charset="0"/>
               </a:rPr>
-              <a:t>Logical </a:t>
-            </a:r>
-            <a:r>
-              <a:rPr lang="en-US" b="1" dirty="0">
-                <a:solidFill>
-                  <a:schemeClr val="accent1">
-                    <a:lumMod val="75000"/>
-                  </a:schemeClr>
-                </a:solidFill>
-                <a:latin typeface="Palatino Linotype" pitchFamily="18" charset="0"/>
-              </a:rPr>
-              <a:t>Application Architecture – Project Management</a:t>
+              <a:t>sample</a:t>
             </a:r>
             <a:endParaRPr lang="en-US" b="1" dirty="0">
               <a:solidFill>
@@ -9607,15 +9575,7 @@
                   <a:schemeClr val="tx1"/>
                 </a:solidFill>
               </a:rPr>
-              <a:t>JSP </a:t>
-            </a:r>
-            <a:r>
-              <a:rPr lang="en-US" sz="1000" b="1" dirty="0" smtClean="0">
-                <a:solidFill>
-                  <a:schemeClr val="tx1"/>
-                </a:solidFill>
-              </a:rPr>
-              <a:t>Web</a:t>
+              <a:t>JSP Web</a:t>
             </a:r>
           </a:p>
         </p:txBody>
@@ -9677,11 +9637,6 @@
               </a:rPr>
               <a:t>Servlet Agent</a:t>
             </a:r>
-            <a:endParaRPr lang="en-US" sz="1050" b="1" dirty="0" smtClean="0">
-              <a:solidFill>
-                <a:schemeClr val="tx1"/>
-              </a:solidFill>
-            </a:endParaRPr>
           </a:p>
         </p:txBody>
       </p:sp>
@@ -9800,11 +9755,7 @@
             <a:pPr algn="ctr"/>
             <a:r>
               <a:rPr lang="en-US" sz="1000" dirty="0" smtClean="0"/>
-              <a:t>Create </a:t>
-            </a:r>
-            <a:r>
-              <a:rPr lang="en-US" sz="1000" dirty="0" smtClean="0"/>
-              <a:t>Project</a:t>
+              <a:t>Create Project</a:t>
             </a:r>
             <a:endParaRPr lang="en-US" sz="1000" dirty="0"/>
           </a:p>
@@ -9946,11 +9897,7 @@
             <a:pPr algn="ctr"/>
             <a:r>
               <a:rPr lang="en-US" sz="1000" dirty="0" smtClean="0"/>
-              <a:t>Web </a:t>
-            </a:r>
-            <a:r>
-              <a:rPr lang="en-US" sz="1000" dirty="0" smtClean="0"/>
-              <a:t>Service</a:t>
+              <a:t>Web Service</a:t>
             </a:r>
             <a:endParaRPr lang="en-US" sz="1000" dirty="0"/>
           </a:p>
@@ -10919,11 +10866,6 @@
               </a:rPr>
               <a:t>Project</a:t>
             </a:r>
-            <a:endParaRPr lang="en-US" sz="1000" dirty="0" smtClean="0">
-              <a:solidFill>
-                <a:schemeClr val="tx1"/>
-              </a:solidFill>
-            </a:endParaRPr>
           </a:p>
           <a:p>
             <a:pPr algn="ctr"/>

--- a/docs/W-9 Working Document/W-9.1 Team Members/W-9.1.5 Dio/2. Phase 2/VMS High level architecture.pptx
+++ b/docs/W-9 Working Document/W-9.1 Team Members/W-9.1.5 Dio/2. Phase 2/VMS High level architecture.pptx
@@ -291,7 +291,8 @@
           <a:p>
             <a:fld id="{3C0C97C8-A8E9-4300-8025-04354ECA18B4}" type="datetimeFigureOut">
               <a:rPr lang="en-US" smtClean="0"/>
-              <a:t>10-Aug-11</a:t>
+              <a:pPr/>
+              <a:t>8/19/2011</a:t>
             </a:fld>
             <a:endParaRPr lang="en-US"/>
           </a:p>
@@ -333,6 +334,7 @@
           <a:p>
             <a:fld id="{5C5FD377-FE93-42E4-B5A8-91BD217C1A9B}" type="slidenum">
               <a:rPr lang="en-US" smtClean="0"/>
+              <a:pPr/>
               <a:t>‹#›</a:t>
             </a:fld>
             <a:endParaRPr lang="en-US"/>
@@ -342,7 +344,7 @@
     </p:spTree>
     <p:extLst>
       <p:ext uri="{BB962C8B-B14F-4D97-AF65-F5344CB8AC3E}">
-        <p14:creationId xmlns:p14="http://schemas.microsoft.com/office/powerpoint/2010/main" val="4108544535"/>
+        <p14:creationId xmlns:p14="http://schemas.microsoft.com/office/powerpoint/2010/main" xmlns="" val="4108544535"/>
       </p:ext>
     </p:extLst>
   </p:cSld>
@@ -461,7 +463,8 @@
           <a:p>
             <a:fld id="{3C0C97C8-A8E9-4300-8025-04354ECA18B4}" type="datetimeFigureOut">
               <a:rPr lang="en-US" smtClean="0"/>
-              <a:t>10-Aug-11</a:t>
+              <a:pPr/>
+              <a:t>8/19/2011</a:t>
             </a:fld>
             <a:endParaRPr lang="en-US"/>
           </a:p>
@@ -503,6 +506,7 @@
           <a:p>
             <a:fld id="{5C5FD377-FE93-42E4-B5A8-91BD217C1A9B}" type="slidenum">
               <a:rPr lang="en-US" smtClean="0"/>
+              <a:pPr/>
               <a:t>‹#›</a:t>
             </a:fld>
             <a:endParaRPr lang="en-US"/>
@@ -512,7 +516,7 @@
     </p:spTree>
     <p:extLst>
       <p:ext uri="{BB962C8B-B14F-4D97-AF65-F5344CB8AC3E}">
-        <p14:creationId xmlns:p14="http://schemas.microsoft.com/office/powerpoint/2010/main" val="3544358524"/>
+        <p14:creationId xmlns:p14="http://schemas.microsoft.com/office/powerpoint/2010/main" xmlns="" val="3544358524"/>
       </p:ext>
     </p:extLst>
   </p:cSld>
@@ -641,7 +645,8 @@
           <a:p>
             <a:fld id="{3C0C97C8-A8E9-4300-8025-04354ECA18B4}" type="datetimeFigureOut">
               <a:rPr lang="en-US" smtClean="0"/>
-              <a:t>10-Aug-11</a:t>
+              <a:pPr/>
+              <a:t>8/19/2011</a:t>
             </a:fld>
             <a:endParaRPr lang="en-US"/>
           </a:p>
@@ -683,6 +688,7 @@
           <a:p>
             <a:fld id="{5C5FD377-FE93-42E4-B5A8-91BD217C1A9B}" type="slidenum">
               <a:rPr lang="en-US" smtClean="0"/>
+              <a:pPr/>
               <a:t>‹#›</a:t>
             </a:fld>
             <a:endParaRPr lang="en-US"/>
@@ -692,7 +698,7 @@
     </p:spTree>
     <p:extLst>
       <p:ext uri="{BB962C8B-B14F-4D97-AF65-F5344CB8AC3E}">
-        <p14:creationId xmlns:p14="http://schemas.microsoft.com/office/powerpoint/2010/main" val="3056236605"/>
+        <p14:creationId xmlns:p14="http://schemas.microsoft.com/office/powerpoint/2010/main" xmlns="" val="3056236605"/>
       </p:ext>
     </p:extLst>
   </p:cSld>
@@ -811,7 +817,8 @@
           <a:p>
             <a:fld id="{3C0C97C8-A8E9-4300-8025-04354ECA18B4}" type="datetimeFigureOut">
               <a:rPr lang="en-US" smtClean="0"/>
-              <a:t>10-Aug-11</a:t>
+              <a:pPr/>
+              <a:t>8/19/2011</a:t>
             </a:fld>
             <a:endParaRPr lang="en-US"/>
           </a:p>
@@ -853,6 +860,7 @@
           <a:p>
             <a:fld id="{5C5FD377-FE93-42E4-B5A8-91BD217C1A9B}" type="slidenum">
               <a:rPr lang="en-US" smtClean="0"/>
+              <a:pPr/>
               <a:t>‹#›</a:t>
             </a:fld>
             <a:endParaRPr lang="en-US"/>
@@ -862,7 +870,7 @@
     </p:spTree>
     <p:extLst>
       <p:ext uri="{BB962C8B-B14F-4D97-AF65-F5344CB8AC3E}">
-        <p14:creationId xmlns:p14="http://schemas.microsoft.com/office/powerpoint/2010/main" val="3025963479"/>
+        <p14:creationId xmlns:p14="http://schemas.microsoft.com/office/powerpoint/2010/main" xmlns="" val="3025963479"/>
       </p:ext>
     </p:extLst>
   </p:cSld>
@@ -1057,7 +1065,8 @@
           <a:p>
             <a:fld id="{3C0C97C8-A8E9-4300-8025-04354ECA18B4}" type="datetimeFigureOut">
               <a:rPr lang="en-US" smtClean="0"/>
-              <a:t>10-Aug-11</a:t>
+              <a:pPr/>
+              <a:t>8/19/2011</a:t>
             </a:fld>
             <a:endParaRPr lang="en-US"/>
           </a:p>
@@ -1099,6 +1108,7 @@
           <a:p>
             <a:fld id="{5C5FD377-FE93-42E4-B5A8-91BD217C1A9B}" type="slidenum">
               <a:rPr lang="en-US" smtClean="0"/>
+              <a:pPr/>
               <a:t>‹#›</a:t>
             </a:fld>
             <a:endParaRPr lang="en-US"/>
@@ -1108,7 +1118,7 @@
     </p:spTree>
     <p:extLst>
       <p:ext uri="{BB962C8B-B14F-4D97-AF65-F5344CB8AC3E}">
-        <p14:creationId xmlns:p14="http://schemas.microsoft.com/office/powerpoint/2010/main" val="3458069980"/>
+        <p14:creationId xmlns:p14="http://schemas.microsoft.com/office/powerpoint/2010/main" xmlns="" val="3458069980"/>
       </p:ext>
     </p:extLst>
   </p:cSld>
@@ -1345,7 +1355,8 @@
           <a:p>
             <a:fld id="{3C0C97C8-A8E9-4300-8025-04354ECA18B4}" type="datetimeFigureOut">
               <a:rPr lang="en-US" smtClean="0"/>
-              <a:t>10-Aug-11</a:t>
+              <a:pPr/>
+              <a:t>8/19/2011</a:t>
             </a:fld>
             <a:endParaRPr lang="en-US"/>
           </a:p>
@@ -1387,6 +1398,7 @@
           <a:p>
             <a:fld id="{5C5FD377-FE93-42E4-B5A8-91BD217C1A9B}" type="slidenum">
               <a:rPr lang="en-US" smtClean="0"/>
+              <a:pPr/>
               <a:t>‹#›</a:t>
             </a:fld>
             <a:endParaRPr lang="en-US"/>
@@ -1396,7 +1408,7 @@
     </p:spTree>
     <p:extLst>
       <p:ext uri="{BB962C8B-B14F-4D97-AF65-F5344CB8AC3E}">
-        <p14:creationId xmlns:p14="http://schemas.microsoft.com/office/powerpoint/2010/main" val="3665770208"/>
+        <p14:creationId xmlns:p14="http://schemas.microsoft.com/office/powerpoint/2010/main" xmlns="" val="3665770208"/>
       </p:ext>
     </p:extLst>
   </p:cSld>
@@ -1767,7 +1779,8 @@
           <a:p>
             <a:fld id="{3C0C97C8-A8E9-4300-8025-04354ECA18B4}" type="datetimeFigureOut">
               <a:rPr lang="en-US" smtClean="0"/>
-              <a:t>10-Aug-11</a:t>
+              <a:pPr/>
+              <a:t>8/19/2011</a:t>
             </a:fld>
             <a:endParaRPr lang="en-US"/>
           </a:p>
@@ -1809,6 +1822,7 @@
           <a:p>
             <a:fld id="{5C5FD377-FE93-42E4-B5A8-91BD217C1A9B}" type="slidenum">
               <a:rPr lang="en-US" smtClean="0"/>
+              <a:pPr/>
               <a:t>‹#›</a:t>
             </a:fld>
             <a:endParaRPr lang="en-US"/>
@@ -1818,7 +1832,7 @@
     </p:spTree>
     <p:extLst>
       <p:ext uri="{BB962C8B-B14F-4D97-AF65-F5344CB8AC3E}">
-        <p14:creationId xmlns:p14="http://schemas.microsoft.com/office/powerpoint/2010/main" val="706583857"/>
+        <p14:creationId xmlns:p14="http://schemas.microsoft.com/office/powerpoint/2010/main" xmlns="" val="706583857"/>
       </p:ext>
     </p:extLst>
   </p:cSld>
@@ -1885,7 +1899,8 @@
           <a:p>
             <a:fld id="{3C0C97C8-A8E9-4300-8025-04354ECA18B4}" type="datetimeFigureOut">
               <a:rPr lang="en-US" smtClean="0"/>
-              <a:t>10-Aug-11</a:t>
+              <a:pPr/>
+              <a:t>8/19/2011</a:t>
             </a:fld>
             <a:endParaRPr lang="en-US"/>
           </a:p>
@@ -1927,6 +1942,7 @@
           <a:p>
             <a:fld id="{5C5FD377-FE93-42E4-B5A8-91BD217C1A9B}" type="slidenum">
               <a:rPr lang="en-US" smtClean="0"/>
+              <a:pPr/>
               <a:t>‹#›</a:t>
             </a:fld>
             <a:endParaRPr lang="en-US"/>
@@ -1936,7 +1952,7 @@
     </p:spTree>
     <p:extLst>
       <p:ext uri="{BB962C8B-B14F-4D97-AF65-F5344CB8AC3E}">
-        <p14:creationId xmlns:p14="http://schemas.microsoft.com/office/powerpoint/2010/main" val="2995400332"/>
+        <p14:creationId xmlns:p14="http://schemas.microsoft.com/office/powerpoint/2010/main" xmlns="" val="2995400332"/>
       </p:ext>
     </p:extLst>
   </p:cSld>
@@ -1980,7 +1996,8 @@
           <a:p>
             <a:fld id="{3C0C97C8-A8E9-4300-8025-04354ECA18B4}" type="datetimeFigureOut">
               <a:rPr lang="en-US" smtClean="0"/>
-              <a:t>10-Aug-11</a:t>
+              <a:pPr/>
+              <a:t>8/19/2011</a:t>
             </a:fld>
             <a:endParaRPr lang="en-US"/>
           </a:p>
@@ -2022,6 +2039,7 @@
           <a:p>
             <a:fld id="{5C5FD377-FE93-42E4-B5A8-91BD217C1A9B}" type="slidenum">
               <a:rPr lang="en-US" smtClean="0"/>
+              <a:pPr/>
               <a:t>‹#›</a:t>
             </a:fld>
             <a:endParaRPr lang="en-US"/>
@@ -2031,7 +2049,7 @@
     </p:spTree>
     <p:extLst>
       <p:ext uri="{BB962C8B-B14F-4D97-AF65-F5344CB8AC3E}">
-        <p14:creationId xmlns:p14="http://schemas.microsoft.com/office/powerpoint/2010/main" val="1884542251"/>
+        <p14:creationId xmlns:p14="http://schemas.microsoft.com/office/powerpoint/2010/main" xmlns="" val="1884542251"/>
       </p:ext>
     </p:extLst>
   </p:cSld>
@@ -2257,7 +2275,8 @@
           <a:p>
             <a:fld id="{3C0C97C8-A8E9-4300-8025-04354ECA18B4}" type="datetimeFigureOut">
               <a:rPr lang="en-US" smtClean="0"/>
-              <a:t>10-Aug-11</a:t>
+              <a:pPr/>
+              <a:t>8/19/2011</a:t>
             </a:fld>
             <a:endParaRPr lang="en-US"/>
           </a:p>
@@ -2299,6 +2318,7 @@
           <a:p>
             <a:fld id="{5C5FD377-FE93-42E4-B5A8-91BD217C1A9B}" type="slidenum">
               <a:rPr lang="en-US" smtClean="0"/>
+              <a:pPr/>
               <a:t>‹#›</a:t>
             </a:fld>
             <a:endParaRPr lang="en-US"/>
@@ -2308,7 +2328,7 @@
     </p:spTree>
     <p:extLst>
       <p:ext uri="{BB962C8B-B14F-4D97-AF65-F5344CB8AC3E}">
-        <p14:creationId xmlns:p14="http://schemas.microsoft.com/office/powerpoint/2010/main" val="4003489559"/>
+        <p14:creationId xmlns:p14="http://schemas.microsoft.com/office/powerpoint/2010/main" xmlns="" val="4003489559"/>
       </p:ext>
     </p:extLst>
   </p:cSld>
@@ -2510,7 +2530,8 @@
           <a:p>
             <a:fld id="{3C0C97C8-A8E9-4300-8025-04354ECA18B4}" type="datetimeFigureOut">
               <a:rPr lang="en-US" smtClean="0"/>
-              <a:t>10-Aug-11</a:t>
+              <a:pPr/>
+              <a:t>8/19/2011</a:t>
             </a:fld>
             <a:endParaRPr lang="en-US"/>
           </a:p>
@@ -2552,6 +2573,7 @@
           <a:p>
             <a:fld id="{5C5FD377-FE93-42E4-B5A8-91BD217C1A9B}" type="slidenum">
               <a:rPr lang="en-US" smtClean="0"/>
+              <a:pPr/>
               <a:t>‹#›</a:t>
             </a:fld>
             <a:endParaRPr lang="en-US"/>
@@ -2561,7 +2583,7 @@
     </p:spTree>
     <p:extLst>
       <p:ext uri="{BB962C8B-B14F-4D97-AF65-F5344CB8AC3E}">
-        <p14:creationId xmlns:p14="http://schemas.microsoft.com/office/powerpoint/2010/main" val="3103906260"/>
+        <p14:creationId xmlns:p14="http://schemas.microsoft.com/office/powerpoint/2010/main" xmlns="" val="3103906260"/>
       </p:ext>
     </p:extLst>
   </p:cSld>
@@ -2723,7 +2745,8 @@
           <a:p>
             <a:fld id="{3C0C97C8-A8E9-4300-8025-04354ECA18B4}" type="datetimeFigureOut">
               <a:rPr lang="en-US" smtClean="0"/>
-              <a:t>10-Aug-11</a:t>
+              <a:pPr/>
+              <a:t>8/19/2011</a:t>
             </a:fld>
             <a:endParaRPr lang="en-US"/>
           </a:p>
@@ -2801,6 +2824,7 @@
           <a:p>
             <a:fld id="{5C5FD377-FE93-42E4-B5A8-91BD217C1A9B}" type="slidenum">
               <a:rPr lang="en-US" smtClean="0"/>
+              <a:pPr/>
               <a:t>‹#›</a:t>
             </a:fld>
             <a:endParaRPr lang="en-US"/>
@@ -2810,7 +2834,7 @@
     </p:spTree>
     <p:extLst>
       <p:ext uri="{BB962C8B-B14F-4D97-AF65-F5344CB8AC3E}">
-        <p14:creationId xmlns:p14="http://schemas.microsoft.com/office/powerpoint/2010/main" val="1464550540"/>
+        <p14:creationId xmlns:p14="http://schemas.microsoft.com/office/powerpoint/2010/main" xmlns="" val="1464550540"/>
       </p:ext>
     </p:extLst>
   </p:cSld>
@@ -3644,275 +3668,13 @@
       </p:sp>
       <p:sp>
         <p:nvSpPr>
-          <p:cNvPr id="49" name="Rectangle 48"/>
-          <p:cNvSpPr/>
-          <p:nvPr/>
-        </p:nvSpPr>
-        <p:spPr>
-          <a:xfrm>
-            <a:off x="2895600" y="3886200"/>
-            <a:ext cx="4839816" cy="304800"/>
-          </a:xfrm>
-          <a:prstGeom prst="rect">
-            <a:avLst/>
-          </a:prstGeom>
-          <a:gradFill flip="none" rotWithShape="1">
-            <a:gsLst>
-              <a:gs pos="0">
-                <a:srgbClr val="92D050">
-                  <a:tint val="66000"/>
-                  <a:satMod val="160000"/>
-                </a:srgbClr>
-              </a:gs>
-              <a:gs pos="50000">
-                <a:srgbClr val="92D050">
-                  <a:tint val="44500"/>
-                  <a:satMod val="160000"/>
-                </a:srgbClr>
-              </a:gs>
-              <a:gs pos="100000">
-                <a:srgbClr val="92D050">
-                  <a:tint val="23500"/>
-                  <a:satMod val="160000"/>
-                </a:srgbClr>
-              </a:gs>
-            </a:gsLst>
-            <a:lin ang="10800000" scaled="1"/>
-            <a:tileRect/>
-          </a:gradFill>
-          <a:ln w="3175">
-            <a:solidFill>
-              <a:schemeClr val="accent1">
-                <a:lumMod val="40000"/>
-                <a:lumOff val="60000"/>
-              </a:schemeClr>
-            </a:solidFill>
-          </a:ln>
-        </p:spPr>
-        <p:style>
-          <a:lnRef idx="2">
-            <a:schemeClr val="accent1">
-              <a:shade val="50000"/>
-            </a:schemeClr>
-          </a:lnRef>
-          <a:fillRef idx="1">
-            <a:schemeClr val="accent1"/>
-          </a:fillRef>
-          <a:effectRef idx="0">
-            <a:schemeClr val="accent1"/>
-          </a:effectRef>
-          <a:fontRef idx="minor">
-            <a:schemeClr val="lt1"/>
-          </a:fontRef>
-        </p:style>
-        <p:txBody>
-          <a:bodyPr rtlCol="0" anchor="ctr"/>
-          <a:lstStyle/>
-          <a:p>
-            <a:pPr algn="ctr"/>
-            <a:r>
-              <a:rPr lang="en-US" sz="1400" dirty="0" smtClean="0">
-                <a:solidFill>
-                  <a:schemeClr val="tx1"/>
-                </a:solidFill>
-              </a:rPr>
-              <a:t>Workflow Engine</a:t>
-            </a:r>
-            <a:endParaRPr lang="en-US" sz="1400" dirty="0">
-              <a:solidFill>
-                <a:schemeClr val="tx1"/>
-              </a:solidFill>
-            </a:endParaRPr>
-          </a:p>
-        </p:txBody>
-      </p:sp>
-      <p:sp>
-        <p:nvSpPr>
-          <p:cNvPr id="50" name="Rectangle 49"/>
-          <p:cNvSpPr/>
-          <p:nvPr/>
-        </p:nvSpPr>
-        <p:spPr>
-          <a:xfrm>
-            <a:off x="2895600" y="4267200"/>
-            <a:ext cx="4839816" cy="304800"/>
-          </a:xfrm>
-          <a:prstGeom prst="rect">
-            <a:avLst/>
-          </a:prstGeom>
-          <a:gradFill flip="none" rotWithShape="1">
-            <a:gsLst>
-              <a:gs pos="0">
-                <a:schemeClr val="accent3">
-                  <a:lumMod val="75000"/>
-                  <a:tint val="66000"/>
-                  <a:satMod val="160000"/>
-                </a:schemeClr>
-              </a:gs>
-              <a:gs pos="50000">
-                <a:schemeClr val="accent3">
-                  <a:lumMod val="75000"/>
-                  <a:tint val="44500"/>
-                  <a:satMod val="160000"/>
-                </a:schemeClr>
-              </a:gs>
-              <a:gs pos="100000">
-                <a:schemeClr val="accent3">
-                  <a:lumMod val="75000"/>
-                  <a:tint val="23500"/>
-                  <a:satMod val="160000"/>
-                </a:schemeClr>
-              </a:gs>
-            </a:gsLst>
-            <a:path path="circle">
-              <a:fillToRect l="50000" t="50000" r="50000" b="50000"/>
-            </a:path>
-            <a:tileRect/>
-          </a:gradFill>
-          <a:ln w="3175">
-            <a:solidFill>
-              <a:schemeClr val="accent1">
-                <a:lumMod val="40000"/>
-                <a:lumOff val="60000"/>
-              </a:schemeClr>
-            </a:solidFill>
-          </a:ln>
-        </p:spPr>
-        <p:style>
-          <a:lnRef idx="2">
-            <a:schemeClr val="accent1">
-              <a:shade val="50000"/>
-            </a:schemeClr>
-          </a:lnRef>
-          <a:fillRef idx="1">
-            <a:schemeClr val="accent1"/>
-          </a:fillRef>
-          <a:effectRef idx="0">
-            <a:schemeClr val="accent1"/>
-          </a:effectRef>
-          <a:fontRef idx="minor">
-            <a:schemeClr val="lt1"/>
-          </a:fontRef>
-        </p:style>
-        <p:txBody>
-          <a:bodyPr rtlCol="0" anchor="ctr"/>
-          <a:lstStyle/>
-          <a:p>
-            <a:pPr algn="ctr"/>
-            <a:r>
-              <a:rPr lang="en-US" sz="1400" dirty="0" smtClean="0">
-                <a:solidFill>
-                  <a:schemeClr val="tx1"/>
-                </a:solidFill>
-              </a:rPr>
-              <a:t>Business Rule</a:t>
-            </a:r>
-            <a:endParaRPr lang="en-US" sz="1400" dirty="0">
-              <a:solidFill>
-                <a:schemeClr val="tx1"/>
-              </a:solidFill>
-            </a:endParaRPr>
-          </a:p>
-        </p:txBody>
-      </p:sp>
-      <p:sp>
-        <p:nvSpPr>
-          <p:cNvPr id="51" name="Rectangle 50"/>
-          <p:cNvSpPr/>
-          <p:nvPr/>
-        </p:nvSpPr>
-        <p:spPr>
-          <a:xfrm>
-            <a:off x="2895600" y="4648200"/>
-            <a:ext cx="4839816" cy="304800"/>
-          </a:xfrm>
-          <a:prstGeom prst="rect">
-            <a:avLst/>
-          </a:prstGeom>
-          <a:gradFill flip="none" rotWithShape="1">
-            <a:gsLst>
-              <a:gs pos="0">
-                <a:schemeClr val="bg2">
-                  <a:lumMod val="25000"/>
-                  <a:tint val="66000"/>
-                  <a:satMod val="160000"/>
-                </a:schemeClr>
-              </a:gs>
-              <a:gs pos="50000">
-                <a:schemeClr val="bg2">
-                  <a:lumMod val="25000"/>
-                  <a:tint val="44500"/>
-                  <a:satMod val="160000"/>
-                </a:schemeClr>
-              </a:gs>
-              <a:gs pos="100000">
-                <a:schemeClr val="bg2">
-                  <a:lumMod val="25000"/>
-                  <a:tint val="23500"/>
-                  <a:satMod val="160000"/>
-                </a:schemeClr>
-              </a:gs>
-            </a:gsLst>
-            <a:path path="circle">
-              <a:fillToRect l="50000" t="50000" r="50000" b="50000"/>
-            </a:path>
-            <a:tileRect/>
-          </a:gradFill>
-          <a:ln w="3175">
-            <a:solidFill>
-              <a:schemeClr val="accent1">
-                <a:lumMod val="40000"/>
-                <a:lumOff val="60000"/>
-              </a:schemeClr>
-            </a:solidFill>
-          </a:ln>
-        </p:spPr>
-        <p:style>
-          <a:lnRef idx="2">
-            <a:schemeClr val="accent1">
-              <a:shade val="50000"/>
-            </a:schemeClr>
-          </a:lnRef>
-          <a:fillRef idx="1">
-            <a:schemeClr val="accent1"/>
-          </a:fillRef>
-          <a:effectRef idx="0">
-            <a:schemeClr val="accent1"/>
-          </a:effectRef>
-          <a:fontRef idx="minor">
-            <a:schemeClr val="lt1"/>
-          </a:fontRef>
-        </p:style>
-        <p:txBody>
-          <a:bodyPr rtlCol="0" anchor="ctr"/>
-          <a:lstStyle/>
-          <a:p>
-            <a:pPr algn="ctr"/>
-            <a:r>
-              <a:rPr lang="en-US" sz="1400" dirty="0" smtClean="0">
-                <a:solidFill>
-                  <a:schemeClr val="tx1"/>
-                </a:solidFill>
-              </a:rPr>
-              <a:t>System Interfaces</a:t>
-            </a:r>
-            <a:endParaRPr lang="en-US" sz="1400" dirty="0">
-              <a:solidFill>
-                <a:schemeClr val="tx1"/>
-              </a:solidFill>
-            </a:endParaRPr>
-          </a:p>
-        </p:txBody>
-      </p:sp>
-      <p:sp>
-        <p:nvSpPr>
           <p:cNvPr id="52" name="Rectangle 51"/>
           <p:cNvSpPr/>
           <p:nvPr/>
         </p:nvSpPr>
         <p:spPr>
           <a:xfrm>
-            <a:off x="2895600" y="5029200"/>
+            <a:off x="2895600" y="3933056"/>
             <a:ext cx="4839816" cy="304800"/>
           </a:xfrm>
           <a:prstGeom prst="rect">
@@ -4004,7 +3766,7 @@
         </p:nvSpPr>
         <p:spPr>
           <a:xfrm>
-            <a:off x="2895600" y="5410200"/>
+            <a:off x="2895600" y="4314056"/>
             <a:ext cx="4839816" cy="304800"/>
           </a:xfrm>
           <a:prstGeom prst="rect">
@@ -4094,7 +3856,7 @@
         <p:spPr>
           <a:xfrm>
             <a:off x="7905700" y="1219200"/>
-            <a:ext cx="266700" cy="4495800"/>
+            <a:ext cx="266700" cy="3433936"/>
           </a:xfrm>
           <a:prstGeom prst="rect">
             <a:avLst/>
@@ -4841,7 +4603,7 @@
         <p:spPr>
           <a:xfrm>
             <a:off x="8248550" y="1219200"/>
-            <a:ext cx="266700" cy="4495800"/>
+            <a:ext cx="211882" cy="3433936"/>
           </a:xfrm>
           <a:prstGeom prst="rect">
             <a:avLst/>
@@ -4886,7 +4648,7 @@
     </p:spTree>
     <p:extLst>
       <p:ext uri="{BB962C8B-B14F-4D97-AF65-F5344CB8AC3E}">
-        <p14:creationId xmlns:p14="http://schemas.microsoft.com/office/powerpoint/2010/main" val="1997512843"/>
+        <p14:creationId xmlns:p14="http://schemas.microsoft.com/office/powerpoint/2010/main" xmlns="" val="1997512843"/>
       </p:ext>
     </p:extLst>
   </p:cSld>
@@ -4969,7 +4731,7 @@
         <p:spPr>
           <a:xfrm>
             <a:off x="2362200" y="2057400"/>
-            <a:ext cx="2133600" cy="685800"/>
+            <a:ext cx="1417712" cy="685800"/>
           </a:xfrm>
           <a:prstGeom prst="roundRect">
             <a:avLst/>
@@ -5426,7 +5188,7 @@
         <p:spPr>
           <a:xfrm>
             <a:off x="2362200" y="1676400"/>
-            <a:ext cx="1600200" cy="381000"/>
+            <a:ext cx="1417712" cy="381000"/>
           </a:xfrm>
           <a:prstGeom prst="roundRect">
             <a:avLst/>
@@ -5489,7 +5251,7 @@
         <p:spPr>
           <a:xfrm>
             <a:off x="2438400" y="2133600"/>
-            <a:ext cx="1845568" cy="276999"/>
+            <a:ext cx="1341512" cy="461665"/>
           </a:xfrm>
           <a:prstGeom prst="rect">
             <a:avLst/>
@@ -5541,16 +5303,121 @@
         </p:nvSpPr>
         <p:spPr>
           <a:xfrm>
-            <a:off x="4572000" y="2057400"/>
-            <a:ext cx="1676400" cy="685800"/>
+            <a:off x="4139952" y="2057400"/>
+            <a:ext cx="1224136" cy="685800"/>
           </a:xfrm>
           <a:prstGeom prst="roundRect">
             <a:avLst/>
           </a:prstGeom>
+          <a:ln/>
+        </p:spPr>
+        <p:style>
+          <a:lnRef idx="1">
+            <a:schemeClr val="accent3"/>
+          </a:lnRef>
+          <a:fillRef idx="3">
+            <a:schemeClr val="accent3"/>
+          </a:fillRef>
+          <a:effectRef idx="2">
+            <a:schemeClr val="accent3"/>
+          </a:effectRef>
+          <a:fontRef idx="minor">
+            <a:schemeClr val="lt1"/>
+          </a:fontRef>
+        </p:style>
+        <p:txBody>
+          <a:bodyPr rtlCol="0" anchor="ctr"/>
+          <a:lstStyle/>
+          <a:p>
+            <a:pPr>
+              <a:buFont typeface="Arial" pitchFamily="34" charset="0"/>
+              <a:buChar char="•"/>
+            </a:pPr>
+            <a:r>
+              <a:rPr lang="en-US" sz="1200" dirty="0" err="1" smtClean="0">
+                <a:solidFill>
+                  <a:schemeClr val="bg1"/>
+                </a:solidFill>
+              </a:rPr>
+              <a:t>Sitemesh</a:t>
+            </a:r>
+            <a:r>
+              <a:rPr lang="en-US" sz="1200" dirty="0" smtClean="0">
+                <a:solidFill>
+                  <a:schemeClr val="bg1"/>
+                </a:solidFill>
+              </a:rPr>
+              <a:t> 2.4.1</a:t>
+            </a:r>
+          </a:p>
+        </p:txBody>
+      </p:sp>
+      <p:sp>
+        <p:nvSpPr>
+          <p:cNvPr id="14" name="Rounded Rectangle 13"/>
+          <p:cNvSpPr/>
+          <p:nvPr/>
+        </p:nvSpPr>
+        <p:spPr>
+          <a:xfrm>
+            <a:off x="4139952" y="1676400"/>
+            <a:ext cx="1224136" cy="381000"/>
+          </a:xfrm>
+          <a:prstGeom prst="roundRect">
+            <a:avLst/>
+          </a:prstGeom>
+          <a:ln/>
+        </p:spPr>
+        <p:style>
+          <a:lnRef idx="1">
+            <a:schemeClr val="accent3"/>
+          </a:lnRef>
+          <a:fillRef idx="3">
+            <a:schemeClr val="accent3"/>
+          </a:fillRef>
+          <a:effectRef idx="2">
+            <a:schemeClr val="accent3"/>
+          </a:effectRef>
+          <a:fontRef idx="minor">
+            <a:schemeClr val="lt1"/>
+          </a:fontRef>
+        </p:style>
+        <p:txBody>
+          <a:bodyPr rtlCol="0" anchor="ctr"/>
+          <a:lstStyle/>
+          <a:p>
+            <a:pPr algn="ctr"/>
+            <a:r>
+              <a:rPr lang="en-US" sz="1400" b="1" dirty="0" err="1" smtClean="0">
+                <a:latin typeface="Microsoft Sans Serif" pitchFamily="34" charset="0"/>
+                <a:cs typeface="Microsoft Sans Serif" pitchFamily="34" charset="0"/>
+              </a:rPr>
+              <a:t>Sitemesh</a:t>
+            </a:r>
+            <a:endParaRPr lang="en-US" sz="1400" b="1" dirty="0">
+              <a:latin typeface="Microsoft Sans Serif" pitchFamily="34" charset="0"/>
+              <a:cs typeface="Microsoft Sans Serif" pitchFamily="34" charset="0"/>
+            </a:endParaRPr>
+          </a:p>
+        </p:txBody>
+      </p:sp>
+      <p:sp>
+        <p:nvSpPr>
+          <p:cNvPr id="18" name="Rounded Rectangle 17"/>
+          <p:cNvSpPr/>
+          <p:nvPr/>
+        </p:nvSpPr>
+        <p:spPr>
+          <a:xfrm>
+            <a:off x="2362200" y="3352800"/>
+            <a:ext cx="1752600" cy="685800"/>
+          </a:xfrm>
+          <a:prstGeom prst="roundRect">
+            <a:avLst/>
+          </a:prstGeom>
           <a:solidFill>
-            <a:schemeClr val="tx1">
+            <a:schemeClr val="accent3">
               <a:lumMod val="75000"/>
-              <a:lumOff val="25000"/>
             </a:schemeClr>
           </a:solidFill>
           <a:ln>
@@ -5579,33 +5446,66 @@
           <a:bodyPr rtlCol="0" anchor="ctr"/>
           <a:lstStyle/>
           <a:p>
-            <a:pPr algn="ctr"/>
-            <a:endParaRPr lang="en-US" dirty="0">
-              <a:solidFill>
-                <a:schemeClr val="bg1"/>
-              </a:solidFill>
-            </a:endParaRPr>
-          </a:p>
-        </p:txBody>
-      </p:sp>
-      <p:sp>
-        <p:nvSpPr>
-          <p:cNvPr id="14" name="Rounded Rectangle 13"/>
+            <a:pPr>
+              <a:buFont typeface="Arial" pitchFamily="34" charset="0"/>
+              <a:buChar char="•"/>
+            </a:pPr>
+            <a:r>
+              <a:rPr lang="en-US" sz="1200" dirty="0" smtClean="0">
+                <a:solidFill>
+                  <a:schemeClr val="bg1"/>
+                </a:solidFill>
+              </a:rPr>
+              <a:t>Spring 2.5 framework</a:t>
+            </a:r>
+          </a:p>
+          <a:p>
+            <a:pPr>
+              <a:buFont typeface="Arial" pitchFamily="34" charset="0"/>
+              <a:buChar char="•"/>
+            </a:pPr>
+            <a:r>
+              <a:rPr lang="en-US" sz="1200" dirty="0" smtClean="0">
+                <a:solidFill>
+                  <a:schemeClr val="bg1"/>
+                </a:solidFill>
+              </a:rPr>
+              <a:t>Spring AOP</a:t>
+            </a:r>
+          </a:p>
+          <a:p>
+            <a:pPr>
+              <a:buFont typeface="Arial" pitchFamily="34" charset="0"/>
+              <a:buChar char="•"/>
+            </a:pPr>
+            <a:r>
+              <a:rPr lang="en-US" sz="1200" dirty="0" smtClean="0">
+                <a:solidFill>
+                  <a:schemeClr val="bg1"/>
+                </a:solidFill>
+              </a:rPr>
+              <a:t>Spring Mail</a:t>
+            </a:r>
+          </a:p>
+        </p:txBody>
+      </p:sp>
+      <p:sp>
+        <p:nvSpPr>
+          <p:cNvPr id="19" name="Rounded Rectangle 18"/>
           <p:cNvSpPr/>
           <p:nvPr/>
         </p:nvSpPr>
         <p:spPr>
           <a:xfrm>
-            <a:off x="4572000" y="1676400"/>
-            <a:ext cx="1600200" cy="381000"/>
+            <a:off x="2362200" y="2971800"/>
+            <a:ext cx="762000" cy="381000"/>
           </a:xfrm>
           <a:prstGeom prst="roundRect">
             <a:avLst/>
           </a:prstGeom>
           <a:solidFill>
-            <a:schemeClr val="tx1">
+            <a:schemeClr val="accent3">
               <a:lumMod val="75000"/>
-              <a:lumOff val="25000"/>
             </a:schemeClr>
           </a:solidFill>
           <a:ln>
@@ -5639,197 +5539,6 @@
           <a:p>
             <a:pPr algn="ctr"/>
             <a:r>
-              <a:rPr lang="en-US" b="1" dirty="0" smtClean="0">
-                <a:latin typeface="Microsoft Sans Serif" pitchFamily="34" charset="0"/>
-                <a:cs typeface="Microsoft Sans Serif" pitchFamily="34" charset="0"/>
-              </a:rPr>
-              <a:t>YUI</a:t>
-            </a:r>
-            <a:endParaRPr lang="en-US" b="1" dirty="0">
-              <a:latin typeface="Microsoft Sans Serif" pitchFamily="34" charset="0"/>
-              <a:cs typeface="Microsoft Sans Serif" pitchFamily="34" charset="0"/>
-            </a:endParaRPr>
-          </a:p>
-        </p:txBody>
-      </p:sp>
-      <p:sp>
-        <p:nvSpPr>
-          <p:cNvPr id="17" name="TextBox 16"/>
-          <p:cNvSpPr txBox="1"/>
-          <p:nvPr/>
-        </p:nvSpPr>
-        <p:spPr>
-          <a:xfrm>
-            <a:off x="4648200" y="2133600"/>
-            <a:ext cx="1295400" cy="261610"/>
-          </a:xfrm>
-          <a:prstGeom prst="rect">
-            <a:avLst/>
-          </a:prstGeom>
-          <a:noFill/>
-          <a:ln>
-            <a:noFill/>
-          </a:ln>
-        </p:spPr>
-        <p:txBody>
-          <a:bodyPr wrap="square" rtlCol="0">
-            <a:spAutoFit/>
-          </a:bodyPr>
-          <a:lstStyle/>
-          <a:p>
-            <a:pPr>
-              <a:buFont typeface="Arial" pitchFamily="34" charset="0"/>
-              <a:buChar char="•"/>
-            </a:pPr>
-            <a:r>
-              <a:rPr lang="en-US" sz="1100" dirty="0" smtClean="0">
-                <a:solidFill>
-                  <a:schemeClr val="bg1"/>
-                </a:solidFill>
-              </a:rPr>
-              <a:t>YUI 2 framework</a:t>
-            </a:r>
-          </a:p>
-        </p:txBody>
-      </p:sp>
-      <p:sp>
-        <p:nvSpPr>
-          <p:cNvPr id="18" name="Rounded Rectangle 17"/>
-          <p:cNvSpPr/>
-          <p:nvPr/>
-        </p:nvSpPr>
-        <p:spPr>
-          <a:xfrm>
-            <a:off x="2362200" y="3352800"/>
-            <a:ext cx="1752600" cy="685800"/>
-          </a:xfrm>
-          <a:prstGeom prst="roundRect">
-            <a:avLst/>
-          </a:prstGeom>
-          <a:solidFill>
-            <a:schemeClr val="accent3">
-              <a:lumMod val="75000"/>
-            </a:schemeClr>
-          </a:solidFill>
-          <a:ln>
-            <a:solidFill>
-              <a:schemeClr val="bg2"/>
-            </a:solidFill>
-          </a:ln>
-        </p:spPr>
-        <p:style>
-          <a:lnRef idx="2">
-            <a:schemeClr val="accent1">
-              <a:shade val="50000"/>
-            </a:schemeClr>
-          </a:lnRef>
-          <a:fillRef idx="1">
-            <a:schemeClr val="accent1"/>
-          </a:fillRef>
-          <a:effectRef idx="0">
-            <a:schemeClr val="accent1"/>
-          </a:effectRef>
-          <a:fontRef idx="minor">
-            <a:schemeClr val="lt1"/>
-          </a:fontRef>
-        </p:style>
-        <p:txBody>
-          <a:bodyPr rtlCol="0" anchor="ctr"/>
-          <a:lstStyle/>
-          <a:p>
-            <a:pPr>
-              <a:buFont typeface="Arial" pitchFamily="34" charset="0"/>
-              <a:buChar char="•"/>
-            </a:pPr>
-            <a:r>
-              <a:rPr lang="en-US" sz="1200" dirty="0" smtClean="0">
-                <a:solidFill>
-                  <a:schemeClr val="bg1"/>
-                </a:solidFill>
-              </a:rPr>
-              <a:t>Spring 2.5 framework</a:t>
-            </a:r>
-          </a:p>
-          <a:p>
-            <a:pPr>
-              <a:buFont typeface="Arial" pitchFamily="34" charset="0"/>
-              <a:buChar char="•"/>
-            </a:pPr>
-            <a:r>
-              <a:rPr lang="en-US" sz="1200" dirty="0" smtClean="0">
-                <a:solidFill>
-                  <a:schemeClr val="bg1"/>
-                </a:solidFill>
-              </a:rPr>
-              <a:t>Spring AOP</a:t>
-            </a:r>
-          </a:p>
-          <a:p>
-            <a:pPr>
-              <a:buFont typeface="Arial" pitchFamily="34" charset="0"/>
-              <a:buChar char="•"/>
-            </a:pPr>
-            <a:r>
-              <a:rPr lang="en-US" sz="1200" dirty="0" smtClean="0">
-                <a:solidFill>
-                  <a:schemeClr val="bg1"/>
-                </a:solidFill>
-              </a:rPr>
-              <a:t>Spring Mail</a:t>
-            </a:r>
-          </a:p>
-        </p:txBody>
-      </p:sp>
-      <p:sp>
-        <p:nvSpPr>
-          <p:cNvPr id="19" name="Rounded Rectangle 18"/>
-          <p:cNvSpPr/>
-          <p:nvPr/>
-        </p:nvSpPr>
-        <p:spPr>
-          <a:xfrm>
-            <a:off x="2362200" y="2971800"/>
-            <a:ext cx="762000" cy="381000"/>
-          </a:xfrm>
-          <a:prstGeom prst="roundRect">
-            <a:avLst/>
-          </a:prstGeom>
-          <a:solidFill>
-            <a:schemeClr val="accent3">
-              <a:lumMod val="75000"/>
-            </a:schemeClr>
-          </a:solidFill>
-          <a:ln>
-            <a:solidFill>
-              <a:schemeClr val="tx2">
-                <a:lumMod val="20000"/>
-                <a:lumOff val="80000"/>
-              </a:schemeClr>
-            </a:solidFill>
-          </a:ln>
-        </p:spPr>
-        <p:style>
-          <a:lnRef idx="2">
-            <a:schemeClr val="accent1">
-              <a:shade val="50000"/>
-            </a:schemeClr>
-          </a:lnRef>
-          <a:fillRef idx="1">
-            <a:schemeClr val="accent1"/>
-          </a:fillRef>
-          <a:effectRef idx="0">
-            <a:schemeClr val="accent1"/>
-          </a:effectRef>
-          <a:fontRef idx="minor">
-            <a:schemeClr val="lt1"/>
-          </a:fontRef>
-        </p:style>
-        <p:txBody>
-          <a:bodyPr rtlCol="0" anchor="ctr"/>
-          <a:lstStyle/>
-          <a:p>
-            <a:pPr algn="ctr"/>
-            <a:r>
               <a:rPr lang="en-US" sz="1400" b="1" dirty="0" smtClean="0">
                 <a:latin typeface="Microsoft Sans Serif" pitchFamily="34" charset="0"/>
                 <a:cs typeface="Microsoft Sans Serif" pitchFamily="34" charset="0"/>
@@ -5851,7 +5560,7 @@
         </p:nvSpPr>
         <p:spPr>
           <a:xfrm>
-            <a:off x="4191000" y="3352800"/>
+            <a:off x="4191000" y="3391272"/>
             <a:ext cx="1676400" cy="685800"/>
           </a:xfrm>
           <a:prstGeom prst="roundRect">
@@ -6728,7 +6437,7 @@
         <p:spPr>
           <a:xfrm>
             <a:off x="2411760" y="884620"/>
-            <a:ext cx="1765176" cy="600164"/>
+            <a:ext cx="1765176" cy="430887"/>
           </a:xfrm>
           <a:prstGeom prst="rect">
             <a:avLst/>
@@ -6768,22 +6477,21 @@
                   <a:schemeClr val="bg1"/>
                 </a:solidFill>
               </a:rPr>
-              <a:t>Firefox 4.0+</a:t>
-            </a:r>
-          </a:p>
-          <a:p>
-            <a:pPr>
-              <a:buFont typeface="Arial" pitchFamily="34" charset="0"/>
-              <a:buChar char="•"/>
-            </a:pPr>
+              <a:t>Firefox 4.0</a:t>
+            </a:r>
             <a:r>
               <a:rPr lang="en-US" sz="1100" dirty="0" smtClean="0">
                 <a:solidFill>
                   <a:schemeClr val="bg1"/>
                 </a:solidFill>
               </a:rPr>
-              <a:t>Safari </a:t>
-            </a:r>
+              <a:t>+</a:t>
+            </a:r>
+            <a:endParaRPr lang="en-US" sz="1100" dirty="0" smtClean="0">
+              <a:solidFill>
+                <a:schemeClr val="bg1"/>
+              </a:solidFill>
+            </a:endParaRPr>
           </a:p>
         </p:txBody>
       </p:sp>
@@ -6795,8 +6503,8 @@
         </p:nvSpPr>
         <p:spPr>
           <a:xfrm>
-            <a:off x="6444208" y="2060848"/>
-            <a:ext cx="2133600" cy="685800"/>
+            <a:off x="7092280" y="2060848"/>
+            <a:ext cx="1224136" cy="685800"/>
           </a:xfrm>
           <a:prstGeom prst="roundRect">
             <a:avLst/>
@@ -6821,8 +6529,19 @@
           <a:bodyPr rtlCol="0" anchor="ctr"/>
           <a:lstStyle/>
           <a:p>
-            <a:pPr algn="ctr"/>
-            <a:endParaRPr lang="en-US" dirty="0">
+            <a:pPr indent="-171450">
+              <a:buFont typeface="Arial" pitchFamily="34" charset="0"/>
+              <a:buChar char="•"/>
+            </a:pPr>
+            <a:r>
+              <a:rPr lang="en-US" sz="1200" dirty="0" smtClean="0">
+                <a:solidFill>
+                  <a:schemeClr val="bg1"/>
+                </a:solidFill>
+              </a:rPr>
+              <a:t>DWR 2.0</a:t>
+            </a:r>
+            <a:endParaRPr lang="en-US" sz="1200" dirty="0">
               <a:solidFill>
                 <a:schemeClr val="bg1"/>
               </a:solidFill>
@@ -6838,8 +6557,8 @@
         </p:nvSpPr>
         <p:spPr>
           <a:xfrm>
-            <a:off x="6444208" y="1676400"/>
-            <a:ext cx="1600200" cy="381000"/>
+            <a:off x="7092280" y="1676400"/>
+            <a:ext cx="1224136" cy="381000"/>
           </a:xfrm>
           <a:prstGeom prst="roundRect">
             <a:avLst/>
@@ -6881,30 +6600,39 @@
       </p:sp>
       <p:sp>
         <p:nvSpPr>
-          <p:cNvPr id="50" name="TextBox 49"/>
-          <p:cNvSpPr txBox="1"/>
-          <p:nvPr/>
-        </p:nvSpPr>
-        <p:spPr>
-          <a:xfrm>
-            <a:off x="6516216" y="2132856"/>
-            <a:ext cx="1341512" cy="276999"/>
-          </a:xfrm>
-          <a:prstGeom prst="rect">
-            <a:avLst/>
-          </a:prstGeom>
-          <a:noFill/>
-          <a:ln>
-            <a:noFill/>
-          </a:ln>
-        </p:spPr>
-        <p:txBody>
-          <a:bodyPr wrap="square" rtlCol="0">
-            <a:spAutoFit/>
-          </a:bodyPr>
-          <a:lstStyle/>
-          <a:p>
-            <a:pPr indent="-171450">
+          <p:cNvPr id="35" name="Rounded Rectangle 34"/>
+          <p:cNvSpPr/>
+          <p:nvPr/>
+        </p:nvSpPr>
+        <p:spPr>
+          <a:xfrm>
+            <a:off x="5652120" y="2060848"/>
+            <a:ext cx="1224136" cy="685800"/>
+          </a:xfrm>
+          <a:prstGeom prst="roundRect">
+            <a:avLst/>
+          </a:prstGeom>
+          <a:ln/>
+        </p:spPr>
+        <p:style>
+          <a:lnRef idx="1">
+            <a:schemeClr val="accent2"/>
+          </a:lnRef>
+          <a:fillRef idx="3">
+            <a:schemeClr val="accent2"/>
+          </a:fillRef>
+          <a:effectRef idx="2">
+            <a:schemeClr val="accent2"/>
+          </a:effectRef>
+          <a:fontRef idx="minor">
+            <a:schemeClr val="lt1"/>
+          </a:fontRef>
+        </p:style>
+        <p:txBody>
+          <a:bodyPr rtlCol="0" anchor="ctr"/>
+          <a:lstStyle/>
+          <a:p>
+            <a:pPr>
               <a:buFont typeface="Arial" pitchFamily="34" charset="0"/>
               <a:buChar char="•"/>
             </a:pPr>
@@ -6914,9 +6642,9 @@
                   <a:schemeClr val="bg1"/>
                 </a:solidFill>
               </a:rPr>
-              <a:t>DWR 2.0</a:t>
-            </a:r>
-            <a:endParaRPr lang="en-US" sz="1200" dirty="0">
+              <a:t>JSTL 1.2</a:t>
+            </a:r>
+            <a:endParaRPr lang="en-US" sz="1200" dirty="0" smtClean="0">
               <a:solidFill>
                 <a:schemeClr val="bg1"/>
               </a:solidFill>
@@ -6924,10 +6652,59 @@
           </a:p>
         </p:txBody>
       </p:sp>
+      <p:sp>
+        <p:nvSpPr>
+          <p:cNvPr id="36" name="Rounded Rectangle 35"/>
+          <p:cNvSpPr/>
+          <p:nvPr/>
+        </p:nvSpPr>
+        <p:spPr>
+          <a:xfrm>
+            <a:off x="5652120" y="1679848"/>
+            <a:ext cx="1224136" cy="381000"/>
+          </a:xfrm>
+          <a:prstGeom prst="roundRect">
+            <a:avLst/>
+          </a:prstGeom>
+          <a:ln/>
+        </p:spPr>
+        <p:style>
+          <a:lnRef idx="1">
+            <a:schemeClr val="accent2"/>
+          </a:lnRef>
+          <a:fillRef idx="3">
+            <a:schemeClr val="accent2"/>
+          </a:fillRef>
+          <a:effectRef idx="2">
+            <a:schemeClr val="accent2"/>
+          </a:effectRef>
+          <a:fontRef idx="minor">
+            <a:schemeClr val="lt1"/>
+          </a:fontRef>
+        </p:style>
+        <p:txBody>
+          <a:bodyPr rtlCol="0" anchor="ctr"/>
+          <a:lstStyle/>
+          <a:p>
+            <a:pPr algn="ctr"/>
+            <a:r>
+              <a:rPr lang="en-US" sz="1400" b="1" dirty="0" smtClean="0">
+                <a:latin typeface="Microsoft Sans Serif" pitchFamily="34" charset="0"/>
+                <a:cs typeface="Microsoft Sans Serif" pitchFamily="34" charset="0"/>
+              </a:rPr>
+              <a:t>JSTL</a:t>
+            </a:r>
+            <a:endParaRPr lang="en-US" sz="1400" b="1" dirty="0">
+              <a:latin typeface="Microsoft Sans Serif" pitchFamily="34" charset="0"/>
+              <a:cs typeface="Microsoft Sans Serif" pitchFamily="34" charset="0"/>
+            </a:endParaRPr>
+          </a:p>
+        </p:txBody>
+      </p:sp>
     </p:spTree>
     <p:extLst>
       <p:ext uri="{BB962C8B-B14F-4D97-AF65-F5344CB8AC3E}">
-        <p14:creationId xmlns:p14="http://schemas.microsoft.com/office/powerpoint/2010/main" val="3345364401"/>
+        <p14:creationId xmlns:p14="http://schemas.microsoft.com/office/powerpoint/2010/main" xmlns="" val="3345364401"/>
       </p:ext>
     </p:extLst>
   </p:cSld>
@@ -7175,7 +6952,7 @@
         </p:nvSpPr>
         <p:spPr>
           <a:xfrm>
-            <a:off x="1066800" y="1686272"/>
+            <a:off x="1066800" y="1844824"/>
             <a:ext cx="1524000" cy="381000"/>
           </a:xfrm>
           <a:prstGeom prst="roundRect">
@@ -7247,7 +7024,7 @@
                   <a:schemeClr val="tx1"/>
                 </a:solidFill>
               </a:rPr>
-              <a:t>Configuration Tool</a:t>
+              <a:t>Spring</a:t>
             </a:r>
             <a:endParaRPr lang="en-US" sz="1200" dirty="0">
               <a:solidFill>
@@ -7808,7 +7585,23 @@
                   <a:schemeClr val="tx1"/>
                 </a:solidFill>
               </a:rPr>
-              <a:t>Business Rules Components</a:t>
+              <a:t>Business </a:t>
+            </a:r>
+            <a:r>
+              <a:rPr lang="en-US" sz="1200" dirty="0" smtClean="0">
+                <a:solidFill>
+                  <a:schemeClr val="tx1"/>
+                </a:solidFill>
+              </a:rPr>
+              <a:t>Manager </a:t>
+            </a:r>
+            <a:r>
+              <a:rPr lang="en-US" sz="1200" dirty="0" smtClean="0">
+                <a:solidFill>
+                  <a:schemeClr val="tx1"/>
+                </a:solidFill>
+              </a:rPr>
+              <a:t>Components</a:t>
             </a:r>
             <a:endParaRPr lang="en-US" sz="1200" dirty="0">
               <a:solidFill>
@@ -7951,7 +7744,15 @@
                   <a:schemeClr val="tx1"/>
                 </a:solidFill>
               </a:rPr>
-              <a:t>Data Access Components</a:t>
+              <a:t>Hibernate Data </a:t>
+            </a:r>
+            <a:r>
+              <a:rPr lang="en-US" sz="1200" dirty="0" smtClean="0">
+                <a:solidFill>
+                  <a:schemeClr val="tx1"/>
+                </a:solidFill>
+              </a:rPr>
+              <a:t>Access Components</a:t>
             </a:r>
             <a:endParaRPr lang="en-US" sz="1200" dirty="0">
               <a:solidFill>
@@ -8059,7 +7860,7 @@
         </p:nvSpPr>
         <p:spPr>
           <a:xfrm>
-            <a:off x="1066800" y="2295872"/>
+            <a:off x="1066800" y="2852936"/>
             <a:ext cx="1524000" cy="381000"/>
           </a:xfrm>
           <a:prstGeom prst="roundRect">
@@ -8131,7 +7932,23 @@
                   <a:schemeClr val="tx1"/>
                 </a:solidFill>
               </a:rPr>
-              <a:t>Logging Tool</a:t>
+              <a:t>Direct Web </a:t>
+            </a:r>
+            <a:r>
+              <a:rPr lang="en-US" sz="1200" dirty="0" err="1" smtClean="0">
+                <a:solidFill>
+                  <a:schemeClr val="tx1"/>
+                </a:solidFill>
+              </a:rPr>
+              <a:t>Remoting</a:t>
+            </a:r>
+            <a:r>
+              <a:rPr lang="en-US" sz="1200" dirty="0" smtClean="0">
+                <a:solidFill>
+                  <a:schemeClr val="tx1"/>
+                </a:solidFill>
+              </a:rPr>
+              <a:t> </a:t>
             </a:r>
             <a:endParaRPr lang="en-US" sz="1200" dirty="0">
               <a:solidFill>
@@ -8149,7 +7966,7 @@
         </p:nvSpPr>
         <p:spPr>
           <a:xfrm>
-            <a:off x="1066800" y="2905472"/>
+            <a:off x="1066800" y="3861048"/>
             <a:ext cx="1524000" cy="381000"/>
           </a:xfrm>
           <a:prstGeom prst="roundRect">
@@ -8221,7 +8038,7 @@
                   <a:schemeClr val="tx1"/>
                 </a:solidFill>
               </a:rPr>
-              <a:t>Caching Block</a:t>
+              <a:t>Jasper Report</a:t>
             </a:r>
             <a:endParaRPr lang="en-US" sz="1200" dirty="0">
               <a:solidFill>
@@ -8239,7 +8056,7 @@
         </p:nvSpPr>
         <p:spPr>
           <a:xfrm>
-            <a:off x="1066800" y="3524357"/>
+            <a:off x="1043608" y="4941168"/>
             <a:ext cx="1524000" cy="381000"/>
           </a:xfrm>
           <a:prstGeom prst="roundRect">
@@ -8311,97 +8128,7 @@
                   <a:schemeClr val="tx1"/>
                 </a:solidFill>
               </a:rPr>
-              <a:t>Exception Handling</a:t>
-            </a:r>
-            <a:endParaRPr lang="en-US" sz="1200" dirty="0">
-              <a:solidFill>
-                <a:schemeClr val="tx1"/>
-              </a:solidFill>
-            </a:endParaRPr>
-          </a:p>
-        </p:txBody>
-      </p:sp>
-      <p:sp>
-        <p:nvSpPr>
-          <p:cNvPr id="57" name="Rounded Rectangle 56"/>
-          <p:cNvSpPr/>
-          <p:nvPr/>
-        </p:nvSpPr>
-        <p:spPr>
-          <a:xfrm>
-            <a:off x="1066800" y="4162772"/>
-            <a:ext cx="1524000" cy="381000"/>
-          </a:xfrm>
-          <a:prstGeom prst="roundRect">
-            <a:avLst/>
-          </a:prstGeom>
-          <a:gradFill flip="none" rotWithShape="1">
-            <a:gsLst>
-              <a:gs pos="0">
-                <a:schemeClr val="accent6">
-                  <a:lumMod val="60000"/>
-                  <a:lumOff val="40000"/>
-                  <a:tint val="66000"/>
-                  <a:satMod val="160000"/>
-                </a:schemeClr>
-              </a:gs>
-              <a:gs pos="50000">
-                <a:schemeClr val="accent6">
-                  <a:lumMod val="60000"/>
-                  <a:lumOff val="40000"/>
-                  <a:tint val="44500"/>
-                  <a:satMod val="160000"/>
-                </a:schemeClr>
-              </a:gs>
-              <a:gs pos="100000">
-                <a:schemeClr val="accent6">
-                  <a:lumMod val="60000"/>
-                  <a:lumOff val="40000"/>
-                  <a:tint val="23500"/>
-                  <a:satMod val="160000"/>
-                </a:schemeClr>
-              </a:gs>
-            </a:gsLst>
-            <a:lin ang="16200000" scaled="1"/>
-            <a:tileRect/>
-          </a:gradFill>
-          <a:ln w="3175">
-            <a:solidFill>
-              <a:schemeClr val="accent6">
-                <a:lumMod val="60000"/>
-                <a:lumOff val="40000"/>
-              </a:schemeClr>
-            </a:solidFill>
-          </a:ln>
-        </p:spPr>
-        <p:style>
-          <a:lnRef idx="2">
-            <a:schemeClr val="accent1">
-              <a:shade val="50000"/>
-            </a:schemeClr>
-          </a:lnRef>
-          <a:fillRef idx="1">
-            <a:schemeClr val="accent1"/>
-          </a:fillRef>
-          <a:effectRef idx="0">
-            <a:schemeClr val="accent1"/>
-          </a:effectRef>
-          <a:fontRef idx="minor">
-            <a:schemeClr val="lt1"/>
-          </a:fontRef>
-        </p:style>
-        <p:txBody>
-          <a:bodyPr rtlCol="0" anchor="ctr"/>
-          <a:lstStyle/>
-          <a:p>
-            <a:pPr algn="ctr"/>
-            <a:r>
-              <a:rPr lang="en-US" sz="1200" dirty="0" smtClean="0">
-                <a:solidFill>
-                  <a:schemeClr val="tx1"/>
-                </a:solidFill>
-              </a:rPr>
-              <a:t>Encryption Tool</a:t>
+              <a:t>Hibernate</a:t>
             </a:r>
             <a:endParaRPr lang="en-US" sz="1200" dirty="0">
               <a:solidFill>
@@ -8807,96 +8534,6 @@
       </p:sp>
       <p:sp>
         <p:nvSpPr>
-          <p:cNvPr id="33" name="Rounded Rectangle 32"/>
-          <p:cNvSpPr/>
-          <p:nvPr/>
-        </p:nvSpPr>
-        <p:spPr>
-          <a:xfrm>
-            <a:off x="1066800" y="4772372"/>
-            <a:ext cx="1524000" cy="381000"/>
-          </a:xfrm>
-          <a:prstGeom prst="roundRect">
-            <a:avLst/>
-          </a:prstGeom>
-          <a:gradFill flip="none" rotWithShape="1">
-            <a:gsLst>
-              <a:gs pos="0">
-                <a:schemeClr val="accent6">
-                  <a:lumMod val="60000"/>
-                  <a:lumOff val="40000"/>
-                  <a:tint val="66000"/>
-                  <a:satMod val="160000"/>
-                </a:schemeClr>
-              </a:gs>
-              <a:gs pos="50000">
-                <a:schemeClr val="accent6">
-                  <a:lumMod val="60000"/>
-                  <a:lumOff val="40000"/>
-                  <a:tint val="44500"/>
-                  <a:satMod val="160000"/>
-                </a:schemeClr>
-              </a:gs>
-              <a:gs pos="100000">
-                <a:schemeClr val="accent6">
-                  <a:lumMod val="60000"/>
-                  <a:lumOff val="40000"/>
-                  <a:tint val="23500"/>
-                  <a:satMod val="160000"/>
-                </a:schemeClr>
-              </a:gs>
-            </a:gsLst>
-            <a:lin ang="16200000" scaled="1"/>
-            <a:tileRect/>
-          </a:gradFill>
-          <a:ln w="3175">
-            <a:solidFill>
-              <a:schemeClr val="accent6">
-                <a:lumMod val="60000"/>
-                <a:lumOff val="40000"/>
-              </a:schemeClr>
-            </a:solidFill>
-          </a:ln>
-        </p:spPr>
-        <p:style>
-          <a:lnRef idx="2">
-            <a:schemeClr val="accent1">
-              <a:shade val="50000"/>
-            </a:schemeClr>
-          </a:lnRef>
-          <a:fillRef idx="1">
-            <a:schemeClr val="accent1"/>
-          </a:fillRef>
-          <a:effectRef idx="0">
-            <a:schemeClr val="accent1"/>
-          </a:effectRef>
-          <a:fontRef idx="minor">
-            <a:schemeClr val="lt1"/>
-          </a:fontRef>
-        </p:style>
-        <p:txBody>
-          <a:bodyPr rtlCol="0" anchor="ctr"/>
-          <a:lstStyle/>
-          <a:p>
-            <a:pPr algn="ctr"/>
-            <a:r>
-              <a:rPr lang="en-US" sz="1200" dirty="0" smtClean="0">
-                <a:solidFill>
-                  <a:schemeClr val="tx1"/>
-                </a:solidFill>
-              </a:rPr>
-              <a:t>Reporting Tool</a:t>
-            </a:r>
-            <a:endParaRPr lang="en-US" sz="1200" dirty="0">
-              <a:solidFill>
-                <a:schemeClr val="tx1"/>
-              </a:solidFill>
-            </a:endParaRPr>
-          </a:p>
-        </p:txBody>
-      </p:sp>
-      <p:sp>
-        <p:nvSpPr>
           <p:cNvPr id="34" name="Rectangle 33"/>
           <p:cNvSpPr/>
           <p:nvPr/>
@@ -8985,7 +8622,7 @@
     </p:spTree>
     <p:extLst>
       <p:ext uri="{BB962C8B-B14F-4D97-AF65-F5344CB8AC3E}">
-        <p14:creationId xmlns:p14="http://schemas.microsoft.com/office/powerpoint/2010/main" val="3972056649"/>
+        <p14:creationId xmlns:p14="http://schemas.microsoft.com/office/powerpoint/2010/main" xmlns="" val="3972056649"/>
       </p:ext>
     </p:extLst>
   </p:cSld>
@@ -9021,7 +8658,7 @@
         <p:spPr>
           <a:xfrm>
             <a:off x="1043608" y="293914"/>
-            <a:ext cx="5229317" cy="369332"/>
+            <a:ext cx="4299575" cy="369332"/>
           </a:xfrm>
           <a:prstGeom prst="rect">
             <a:avLst/>
@@ -9054,7 +8691,7 @@
                 </a:solidFill>
                 <a:latin typeface="Palatino Linotype" pitchFamily="18" charset="0"/>
               </a:rPr>
-              <a:t>Application Architecture – </a:t>
+              <a:t>Application </a:t>
             </a:r>
             <a:r>
               <a:rPr lang="en-US" b="1" dirty="0" smtClean="0">
@@ -9065,7 +8702,7 @@
                 </a:solidFill>
                 <a:latin typeface="Palatino Linotype" pitchFamily="18" charset="0"/>
               </a:rPr>
-              <a:t>sample</a:t>
+              <a:t>Architecture</a:t>
             </a:r>
             <a:endParaRPr lang="en-US" b="1" dirty="0">
               <a:solidFill>
@@ -9512,8 +9149,8 @@
         </p:nvSpPr>
         <p:spPr>
           <a:xfrm>
-            <a:off x="1981200" y="990600"/>
-            <a:ext cx="1371600" cy="304800"/>
+            <a:off x="1331640" y="990600"/>
+            <a:ext cx="2880320" cy="304800"/>
           </a:xfrm>
           <a:prstGeom prst="rect">
             <a:avLst/>
@@ -9588,8 +9225,8 @@
         </p:nvSpPr>
         <p:spPr>
           <a:xfrm>
-            <a:off x="1981200" y="1676400"/>
-            <a:ext cx="1371600" cy="304800"/>
+            <a:off x="1621160" y="1676400"/>
+            <a:ext cx="1294656" cy="304800"/>
           </a:xfrm>
           <a:prstGeom prst="rect">
             <a:avLst/>
@@ -9648,7 +9285,7 @@
         </p:nvSpPr>
         <p:spPr>
           <a:xfrm>
-            <a:off x="1981200" y="2590800"/>
+            <a:off x="1621160" y="2590800"/>
             <a:ext cx="1371600" cy="478160"/>
           </a:xfrm>
           <a:prstGeom prst="rect">
@@ -9711,8 +9348,13 @@
                   <a:schemeClr val="tx1"/>
                 </a:solidFill>
               </a:rPr>
-              <a:t>Service Interface</a:t>
-            </a:r>
+              <a:t>Controller</a:t>
+            </a:r>
+            <a:endParaRPr lang="en-US" sz="1000" b="1" dirty="0" smtClean="0">
+              <a:solidFill>
+                <a:schemeClr val="tx1"/>
+              </a:solidFill>
+            </a:endParaRPr>
           </a:p>
         </p:txBody>
       </p:sp>
@@ -9724,7 +9366,7 @@
         </p:nvSpPr>
         <p:spPr>
           <a:xfrm>
-            <a:off x="3657600" y="990600"/>
+            <a:off x="4860032" y="990600"/>
             <a:ext cx="1371600" cy="304800"/>
           </a:xfrm>
           <a:prstGeom prst="rect">
@@ -9755,7 +9397,7 @@
             <a:pPr algn="ctr"/>
             <a:r>
               <a:rPr lang="en-US" sz="1000" dirty="0" smtClean="0"/>
-              <a:t>Create Project</a:t>
+              <a:t>Search Member</a:t>
             </a:r>
             <a:endParaRPr lang="en-US" sz="1000" dirty="0"/>
           </a:p>
@@ -9763,13 +9405,13 @@
       </p:sp>
       <p:sp>
         <p:nvSpPr>
-          <p:cNvPr id="15" name="Rectangle 14"/>
+          <p:cNvPr id="16" name="Rectangle 15"/>
           <p:cNvSpPr/>
           <p:nvPr/>
         </p:nvSpPr>
         <p:spPr>
           <a:xfrm>
-            <a:off x="3657600" y="1676400"/>
+            <a:off x="4860032" y="2971800"/>
             <a:ext cx="1371600" cy="304800"/>
           </a:xfrm>
           <a:prstGeom prst="rect">
@@ -9799,8 +9441,8 @@
           <a:p>
             <a:pPr algn="ctr"/>
             <a:r>
-              <a:rPr lang="en-US" sz="1000" dirty="0" err="1" smtClean="0"/>
-              <a:t>ProjectService</a:t>
+              <a:rPr lang="en-US" sz="1000" dirty="0" smtClean="0"/>
+              <a:t>Member Facade</a:t>
             </a:r>
             <a:endParaRPr lang="en-US" sz="1000" dirty="0"/>
           </a:p>
@@ -9808,13 +9450,13 @@
       </p:sp>
       <p:sp>
         <p:nvSpPr>
-          <p:cNvPr id="16" name="Rectangle 15"/>
+          <p:cNvPr id="17" name="Rectangle 16"/>
           <p:cNvSpPr/>
           <p:nvPr/>
         </p:nvSpPr>
         <p:spPr>
           <a:xfrm>
-            <a:off x="3657600" y="2971800"/>
+            <a:off x="4860032" y="2590800"/>
             <a:ext cx="1371600" cy="304800"/>
           </a:xfrm>
           <a:prstGeom prst="rect">
@@ -9845,7 +9487,7 @@
             <a:pPr algn="ctr"/>
             <a:r>
               <a:rPr lang="en-US" sz="1000" dirty="0" err="1" smtClean="0"/>
-              <a:t>ProjectFacade</a:t>
+              <a:t>MemberController</a:t>
             </a:r>
             <a:endParaRPr lang="en-US" sz="1000" dirty="0"/>
           </a:p>
@@ -9853,13 +9495,13 @@
       </p:sp>
       <p:sp>
         <p:nvSpPr>
-          <p:cNvPr id="17" name="Rectangle 16"/>
+          <p:cNvPr id="19" name="Rectangle 18"/>
           <p:cNvSpPr/>
           <p:nvPr/>
         </p:nvSpPr>
         <p:spPr>
           <a:xfrm>
-            <a:off x="3657600" y="2590800"/>
+            <a:off x="4860032" y="3352800"/>
             <a:ext cx="1371600" cy="304800"/>
           </a:xfrm>
           <a:prstGeom prst="rect">
@@ -9889,29 +9531,152 @@
           <a:p>
             <a:pPr algn="ctr"/>
             <a:r>
-              <a:rPr lang="en-US" sz="1000" dirty="0" smtClean="0"/>
-              <a:t>Exception Service</a:t>
-            </a:r>
-          </a:p>
+              <a:rPr lang="en-US" sz="1000" dirty="0" err="1" smtClean="0"/>
+              <a:t>MemberManager</a:t>
+            </a:r>
+            <a:endParaRPr lang="en-US" sz="1000" dirty="0"/>
+          </a:p>
+        </p:txBody>
+      </p:sp>
+      <p:sp>
+        <p:nvSpPr>
+          <p:cNvPr id="20" name="Rectangle 19"/>
+          <p:cNvSpPr/>
+          <p:nvPr/>
+        </p:nvSpPr>
+        <p:spPr>
+          <a:xfrm>
+            <a:off x="1621160" y="3068960"/>
+            <a:ext cx="2590800" cy="533400"/>
+          </a:xfrm>
+          <a:prstGeom prst="rect">
+            <a:avLst/>
+          </a:prstGeom>
+          <a:solidFill>
+            <a:schemeClr val="tx2">
+              <a:lumMod val="40000"/>
+              <a:lumOff val="60000"/>
+            </a:schemeClr>
+          </a:solidFill>
+          <a:ln w="3175"/>
+        </p:spPr>
+        <p:style>
+          <a:lnRef idx="2">
+            <a:schemeClr val="accent1">
+              <a:shade val="50000"/>
+            </a:schemeClr>
+          </a:lnRef>
+          <a:fillRef idx="1">
+            <a:schemeClr val="accent1"/>
+          </a:fillRef>
+          <a:effectRef idx="0">
+            <a:schemeClr val="accent1"/>
+          </a:effectRef>
+          <a:fontRef idx="minor">
+            <a:schemeClr val="lt1"/>
+          </a:fontRef>
+        </p:style>
+        <p:txBody>
+          <a:bodyPr rtlCol="0" anchor="ctr"/>
+          <a:lstStyle/>
           <a:p>
             <a:pPr algn="ctr"/>
             <a:r>
-              <a:rPr lang="en-US" sz="1000" dirty="0" smtClean="0"/>
-              <a:t>Web Service</a:t>
-            </a:r>
-            <a:endParaRPr lang="en-US" sz="1000" dirty="0"/>
-          </a:p>
-        </p:txBody>
-      </p:sp>
-      <p:sp>
-        <p:nvSpPr>
-          <p:cNvPr id="19" name="Rectangle 18"/>
+              <a:rPr lang="en-US" sz="1000" b="1" dirty="0" smtClean="0">
+                <a:solidFill>
+                  <a:schemeClr val="tx1"/>
+                </a:solidFill>
+              </a:rPr>
+              <a:t>Business Logic</a:t>
+            </a:r>
+          </a:p>
+          <a:p>
+            <a:pPr algn="ctr"/>
+            <a:r>
+              <a:rPr lang="en-US" sz="1000" b="1" dirty="0" smtClean="0">
+                <a:solidFill>
+                  <a:schemeClr val="tx1"/>
+                </a:solidFill>
+              </a:rPr>
+              <a:t>Components</a:t>
+            </a:r>
+            <a:endParaRPr lang="en-US" sz="1000" b="1" dirty="0">
+              <a:solidFill>
+                <a:schemeClr val="tx1"/>
+              </a:solidFill>
+            </a:endParaRPr>
+          </a:p>
+        </p:txBody>
+      </p:sp>
+      <p:sp>
+        <p:nvSpPr>
+          <p:cNvPr id="21" name="Rectangle 20"/>
           <p:cNvSpPr/>
           <p:nvPr/>
         </p:nvSpPr>
         <p:spPr>
           <a:xfrm>
-            <a:off x="3657600" y="3352800"/>
+            <a:off x="1621160" y="3602360"/>
+            <a:ext cx="2590800" cy="436240"/>
+          </a:xfrm>
+          <a:prstGeom prst="rect">
+            <a:avLst/>
+          </a:prstGeom>
+          <a:solidFill>
+            <a:schemeClr val="accent2">
+              <a:lumMod val="40000"/>
+              <a:lumOff val="60000"/>
+            </a:schemeClr>
+          </a:solidFill>
+          <a:ln w="3175">
+            <a:solidFill>
+              <a:schemeClr val="accent2">
+                <a:lumMod val="75000"/>
+              </a:schemeClr>
+            </a:solidFill>
+          </a:ln>
+        </p:spPr>
+        <p:style>
+          <a:lnRef idx="2">
+            <a:schemeClr val="accent1">
+              <a:shade val="50000"/>
+            </a:schemeClr>
+          </a:lnRef>
+          <a:fillRef idx="1">
+            <a:schemeClr val="accent1"/>
+          </a:fillRef>
+          <a:effectRef idx="0">
+            <a:schemeClr val="accent1"/>
+          </a:effectRef>
+          <a:fontRef idx="minor">
+            <a:schemeClr val="lt1"/>
+          </a:fontRef>
+        </p:style>
+        <p:txBody>
+          <a:bodyPr rtlCol="0" anchor="ctr"/>
+          <a:lstStyle/>
+          <a:p>
+            <a:pPr algn="ctr"/>
+            <a:r>
+              <a:rPr lang="en-US" sz="1050" b="1" dirty="0" smtClean="0">
+                <a:solidFill>
+                  <a:schemeClr val="tx1"/>
+                </a:solidFill>
+              </a:rPr>
+              <a:t>Data Access</a:t>
+            </a:r>
+          </a:p>
+        </p:txBody>
+      </p:sp>
+      <p:sp>
+        <p:nvSpPr>
+          <p:cNvPr id="22" name="Rectangle 21"/>
+          <p:cNvSpPr/>
+          <p:nvPr/>
+        </p:nvSpPr>
+        <p:spPr>
+          <a:xfrm>
+            <a:off x="4860032" y="3733800"/>
             <a:ext cx="1371600" cy="304800"/>
           </a:xfrm>
           <a:prstGeom prst="rect">
@@ -9942,7 +9707,7 @@
             <a:pPr algn="ctr"/>
             <a:r>
               <a:rPr lang="en-US" sz="1000" dirty="0" err="1" smtClean="0"/>
-              <a:t>ProjectBizService</a:t>
+              <a:t>MemberDAO</a:t>
             </a:r>
             <a:endParaRPr lang="en-US" sz="1000" dirty="0"/>
           </a:p>
@@ -9950,25 +9715,32 @@
       </p:sp>
       <p:sp>
         <p:nvSpPr>
-          <p:cNvPr id="20" name="Rectangle 19"/>
+          <p:cNvPr id="23" name="Right Arrow 22"/>
           <p:cNvSpPr/>
           <p:nvPr/>
         </p:nvSpPr>
         <p:spPr>
-          <a:xfrm>
-            <a:off x="1981200" y="3068960"/>
-            <a:ext cx="1371600" cy="533400"/>
-          </a:xfrm>
-          <a:prstGeom prst="rect">
+          <a:xfrm rot="5400000">
+            <a:off x="2402210" y="2190750"/>
+            <a:ext cx="266700" cy="152400"/>
+          </a:xfrm>
+          <a:prstGeom prst="rightArrow">
             <a:avLst/>
           </a:prstGeom>
           <a:solidFill>
-            <a:schemeClr val="tx2">
+            <a:schemeClr val="accent2">
               <a:lumMod val="40000"/>
               <a:lumOff val="60000"/>
             </a:schemeClr>
           </a:solidFill>
-          <a:ln w="3175"/>
+          <a:ln w="3175">
+            <a:solidFill>
+              <a:schemeClr val="accent2">
+                <a:lumMod val="60000"/>
+                <a:lumOff val="40000"/>
+              </a:schemeClr>
+            </a:solidFill>
+          </a:ln>
         </p:spPr>
         <p:style>
           <a:lnRef idx="2">
@@ -9991,45 +9763,22 @@
           <a:lstStyle/>
           <a:p>
             <a:pPr algn="ctr"/>
-            <a:r>
-              <a:rPr lang="en-US" sz="1000" b="1" dirty="0" smtClean="0">
-                <a:solidFill>
-                  <a:schemeClr val="tx1"/>
-                </a:solidFill>
-              </a:rPr>
-              <a:t>Business Logic</a:t>
-            </a:r>
-          </a:p>
-          <a:p>
-            <a:pPr algn="ctr"/>
-            <a:r>
-              <a:rPr lang="en-US" sz="1000" b="1" dirty="0" smtClean="0">
-                <a:solidFill>
-                  <a:schemeClr val="tx1"/>
-                </a:solidFill>
-              </a:rPr>
-              <a:t>Components</a:t>
-            </a:r>
-            <a:endParaRPr lang="en-US" sz="1000" b="1" dirty="0">
-              <a:solidFill>
-                <a:schemeClr val="tx1"/>
-              </a:solidFill>
-            </a:endParaRPr>
-          </a:p>
-        </p:txBody>
-      </p:sp>
-      <p:sp>
-        <p:nvSpPr>
-          <p:cNvPr id="21" name="Rectangle 20"/>
+            <a:endParaRPr lang="en-US"/>
+          </a:p>
+        </p:txBody>
+      </p:sp>
+      <p:sp>
+        <p:nvSpPr>
+          <p:cNvPr id="24" name="Right Arrow 23"/>
           <p:cNvSpPr/>
           <p:nvPr/>
         </p:nvSpPr>
         <p:spPr>
-          <a:xfrm>
-            <a:off x="1981200" y="3602360"/>
-            <a:ext cx="1371600" cy="436240"/>
-          </a:xfrm>
-          <a:prstGeom prst="rect">
+          <a:xfrm rot="16200000">
+            <a:off x="1945010" y="2190750"/>
+            <a:ext cx="266700" cy="152400"/>
+          </a:xfrm>
+          <a:prstGeom prst="rightArrow">
             <a:avLst/>
           </a:prstGeom>
           <a:solidFill>
@@ -10041,7 +9790,8 @@
           <a:ln w="3175">
             <a:solidFill>
               <a:schemeClr val="accent2">
-                <a:lumMod val="75000"/>
+                <a:lumMod val="60000"/>
+                <a:lumOff val="40000"/>
               </a:schemeClr>
             </a:solidFill>
           </a:ln>
@@ -10067,26 +9817,408 @@
           <a:lstStyle/>
           <a:p>
             <a:pPr algn="ctr"/>
+            <a:endParaRPr lang="en-US"/>
+          </a:p>
+        </p:txBody>
+      </p:sp>
+      <p:sp>
+        <p:nvSpPr>
+          <p:cNvPr id="25" name="Right Arrow 24"/>
+          <p:cNvSpPr/>
+          <p:nvPr/>
+        </p:nvSpPr>
+        <p:spPr>
+          <a:xfrm rot="16200000">
+            <a:off x="755948" y="3238500"/>
+            <a:ext cx="1447800" cy="152400"/>
+          </a:xfrm>
+          <a:prstGeom prst="rightArrow">
+            <a:avLst/>
+          </a:prstGeom>
+          <a:solidFill>
+            <a:schemeClr val="accent2">
+              <a:lumMod val="40000"/>
+              <a:lumOff val="60000"/>
+            </a:schemeClr>
+          </a:solidFill>
+          <a:ln w="3175">
+            <a:solidFill>
+              <a:schemeClr val="accent2">
+                <a:lumMod val="60000"/>
+                <a:lumOff val="40000"/>
+              </a:schemeClr>
+            </a:solidFill>
+          </a:ln>
+        </p:spPr>
+        <p:style>
+          <a:lnRef idx="2">
+            <a:schemeClr val="accent1">
+              <a:shade val="50000"/>
+            </a:schemeClr>
+          </a:lnRef>
+          <a:fillRef idx="1">
+            <a:schemeClr val="accent1"/>
+          </a:fillRef>
+          <a:effectRef idx="0">
+            <a:schemeClr val="accent1"/>
+          </a:effectRef>
+          <a:fontRef idx="minor">
+            <a:schemeClr val="lt1"/>
+          </a:fontRef>
+        </p:style>
+        <p:txBody>
+          <a:bodyPr rtlCol="0" anchor="ctr"/>
+          <a:lstStyle/>
+          <a:p>
+            <a:pPr algn="ctr"/>
+            <a:endParaRPr lang="en-US"/>
+          </a:p>
+        </p:txBody>
+      </p:sp>
+      <p:sp>
+        <p:nvSpPr>
+          <p:cNvPr id="26" name="Right Arrow 25"/>
+          <p:cNvSpPr/>
+          <p:nvPr/>
+        </p:nvSpPr>
+        <p:spPr>
+          <a:xfrm rot="5400000">
+            <a:off x="3636268" y="3238500"/>
+            <a:ext cx="1447800" cy="152400"/>
+          </a:xfrm>
+          <a:prstGeom prst="rightArrow">
+            <a:avLst/>
+          </a:prstGeom>
+          <a:solidFill>
+            <a:schemeClr val="accent2">
+              <a:lumMod val="40000"/>
+              <a:lumOff val="60000"/>
+            </a:schemeClr>
+          </a:solidFill>
+          <a:ln w="3175">
+            <a:solidFill>
+              <a:schemeClr val="accent2">
+                <a:lumMod val="60000"/>
+                <a:lumOff val="40000"/>
+              </a:schemeClr>
+            </a:solidFill>
+          </a:ln>
+        </p:spPr>
+        <p:style>
+          <a:lnRef idx="2">
+            <a:schemeClr val="accent1">
+              <a:shade val="50000"/>
+            </a:schemeClr>
+          </a:lnRef>
+          <a:fillRef idx="1">
+            <a:schemeClr val="accent1"/>
+          </a:fillRef>
+          <a:effectRef idx="0">
+            <a:schemeClr val="accent1"/>
+          </a:effectRef>
+          <a:fontRef idx="minor">
+            <a:schemeClr val="lt1"/>
+          </a:fontRef>
+        </p:style>
+        <p:txBody>
+          <a:bodyPr rtlCol="0" anchor="ctr"/>
+          <a:lstStyle/>
+          <a:p>
+            <a:pPr algn="ctr"/>
+            <a:endParaRPr lang="en-US"/>
+          </a:p>
+        </p:txBody>
+      </p:sp>
+      <p:sp>
+        <p:nvSpPr>
+          <p:cNvPr id="27" name="Right Arrow 26"/>
+          <p:cNvSpPr/>
+          <p:nvPr/>
+        </p:nvSpPr>
+        <p:spPr>
+          <a:xfrm rot="5400000">
+            <a:off x="2762250" y="4324350"/>
+            <a:ext cx="266700" cy="152400"/>
+          </a:xfrm>
+          <a:prstGeom prst="rightArrow">
+            <a:avLst/>
+          </a:prstGeom>
+          <a:solidFill>
+            <a:schemeClr val="accent2">
+              <a:lumMod val="40000"/>
+              <a:lumOff val="60000"/>
+            </a:schemeClr>
+          </a:solidFill>
+          <a:ln w="3175">
+            <a:solidFill>
+              <a:schemeClr val="accent2">
+                <a:lumMod val="60000"/>
+                <a:lumOff val="40000"/>
+              </a:schemeClr>
+            </a:solidFill>
+          </a:ln>
+        </p:spPr>
+        <p:style>
+          <a:lnRef idx="2">
+            <a:schemeClr val="accent1">
+              <a:shade val="50000"/>
+            </a:schemeClr>
+          </a:lnRef>
+          <a:fillRef idx="1">
+            <a:schemeClr val="accent1"/>
+          </a:fillRef>
+          <a:effectRef idx="0">
+            <a:schemeClr val="accent1"/>
+          </a:effectRef>
+          <a:fontRef idx="minor">
+            <a:schemeClr val="lt1"/>
+          </a:fontRef>
+        </p:style>
+        <p:txBody>
+          <a:bodyPr rtlCol="0" anchor="ctr"/>
+          <a:lstStyle/>
+          <a:p>
+            <a:pPr algn="ctr"/>
+            <a:endParaRPr lang="en-US"/>
+          </a:p>
+        </p:txBody>
+      </p:sp>
+      <p:sp>
+        <p:nvSpPr>
+          <p:cNvPr id="28" name="Right Arrow 27"/>
+          <p:cNvSpPr/>
+          <p:nvPr/>
+        </p:nvSpPr>
+        <p:spPr>
+          <a:xfrm rot="16200000">
+            <a:off x="2305050" y="4324350"/>
+            <a:ext cx="266700" cy="152400"/>
+          </a:xfrm>
+          <a:prstGeom prst="rightArrow">
+            <a:avLst/>
+          </a:prstGeom>
+          <a:solidFill>
+            <a:schemeClr val="accent2">
+              <a:lumMod val="40000"/>
+              <a:lumOff val="60000"/>
+            </a:schemeClr>
+          </a:solidFill>
+          <a:ln w="3175">
+            <a:solidFill>
+              <a:schemeClr val="accent2">
+                <a:lumMod val="60000"/>
+                <a:lumOff val="40000"/>
+              </a:schemeClr>
+            </a:solidFill>
+          </a:ln>
+        </p:spPr>
+        <p:style>
+          <a:lnRef idx="2">
+            <a:schemeClr val="accent1">
+              <a:shade val="50000"/>
+            </a:schemeClr>
+          </a:lnRef>
+          <a:fillRef idx="1">
+            <a:schemeClr val="accent1"/>
+          </a:fillRef>
+          <a:effectRef idx="0">
+            <a:schemeClr val="accent1"/>
+          </a:effectRef>
+          <a:fontRef idx="minor">
+            <a:schemeClr val="lt1"/>
+          </a:fontRef>
+        </p:style>
+        <p:txBody>
+          <a:bodyPr rtlCol="0" anchor="ctr"/>
+          <a:lstStyle/>
+          <a:p>
+            <a:pPr algn="ctr"/>
+            <a:endParaRPr lang="en-US"/>
+          </a:p>
+        </p:txBody>
+      </p:sp>
+      <p:sp>
+        <p:nvSpPr>
+          <p:cNvPr id="29" name="Right Arrow 28"/>
+          <p:cNvSpPr/>
+          <p:nvPr/>
+        </p:nvSpPr>
+        <p:spPr>
+          <a:xfrm rot="5400000">
+            <a:off x="2402210" y="1428750"/>
+            <a:ext cx="266700" cy="152400"/>
+          </a:xfrm>
+          <a:prstGeom prst="rightArrow">
+            <a:avLst/>
+          </a:prstGeom>
+          <a:solidFill>
+            <a:schemeClr val="accent2">
+              <a:lumMod val="40000"/>
+              <a:lumOff val="60000"/>
+            </a:schemeClr>
+          </a:solidFill>
+          <a:ln w="3175">
+            <a:solidFill>
+              <a:schemeClr val="accent2">
+                <a:lumMod val="60000"/>
+                <a:lumOff val="40000"/>
+              </a:schemeClr>
+            </a:solidFill>
+          </a:ln>
+        </p:spPr>
+        <p:style>
+          <a:lnRef idx="2">
+            <a:schemeClr val="accent1">
+              <a:shade val="50000"/>
+            </a:schemeClr>
+          </a:lnRef>
+          <a:fillRef idx="1">
+            <a:schemeClr val="accent1"/>
+          </a:fillRef>
+          <a:effectRef idx="0">
+            <a:schemeClr val="accent1"/>
+          </a:effectRef>
+          <a:fontRef idx="minor">
+            <a:schemeClr val="lt1"/>
+          </a:fontRef>
+        </p:style>
+        <p:txBody>
+          <a:bodyPr rtlCol="0" anchor="ctr"/>
+          <a:lstStyle/>
+          <a:p>
+            <a:pPr algn="ctr"/>
+            <a:endParaRPr lang="en-US"/>
+          </a:p>
+        </p:txBody>
+      </p:sp>
+      <p:sp>
+        <p:nvSpPr>
+          <p:cNvPr id="30" name="Right Arrow 29"/>
+          <p:cNvSpPr/>
+          <p:nvPr/>
+        </p:nvSpPr>
+        <p:spPr>
+          <a:xfrm rot="16200000">
+            <a:off x="1945010" y="1428750"/>
+            <a:ext cx="266700" cy="152400"/>
+          </a:xfrm>
+          <a:prstGeom prst="rightArrow">
+            <a:avLst/>
+          </a:prstGeom>
+          <a:solidFill>
+            <a:schemeClr val="accent2">
+              <a:lumMod val="40000"/>
+              <a:lumOff val="60000"/>
+            </a:schemeClr>
+          </a:solidFill>
+          <a:ln w="3175">
+            <a:solidFill>
+              <a:schemeClr val="accent2">
+                <a:lumMod val="60000"/>
+                <a:lumOff val="40000"/>
+              </a:schemeClr>
+            </a:solidFill>
+          </a:ln>
+        </p:spPr>
+        <p:style>
+          <a:lnRef idx="2">
+            <a:schemeClr val="accent1">
+              <a:shade val="50000"/>
+            </a:schemeClr>
+          </a:lnRef>
+          <a:fillRef idx="1">
+            <a:schemeClr val="accent1"/>
+          </a:fillRef>
+          <a:effectRef idx="0">
+            <a:schemeClr val="accent1"/>
+          </a:effectRef>
+          <a:fontRef idx="minor">
+            <a:schemeClr val="lt1"/>
+          </a:fontRef>
+        </p:style>
+        <p:txBody>
+          <a:bodyPr rtlCol="0" anchor="ctr"/>
+          <a:lstStyle/>
+          <a:p>
+            <a:pPr algn="ctr"/>
+            <a:endParaRPr lang="en-US"/>
+          </a:p>
+        </p:txBody>
+      </p:sp>
+      <p:sp>
+        <p:nvSpPr>
+          <p:cNvPr id="31" name="Rectangle 30"/>
+          <p:cNvSpPr/>
+          <p:nvPr/>
+        </p:nvSpPr>
+        <p:spPr>
+          <a:xfrm>
+            <a:off x="2133600" y="4648200"/>
+            <a:ext cx="1143000" cy="533400"/>
+          </a:xfrm>
+          <a:prstGeom prst="rect">
+            <a:avLst/>
+          </a:prstGeom>
+          <a:solidFill>
+            <a:schemeClr val="accent6">
+              <a:lumMod val="40000"/>
+              <a:lumOff val="60000"/>
+            </a:schemeClr>
+          </a:solidFill>
+          <a:ln w="3175">
+            <a:solidFill>
+              <a:schemeClr val="accent4">
+                <a:lumMod val="50000"/>
+              </a:schemeClr>
+            </a:solidFill>
+          </a:ln>
+        </p:spPr>
+        <p:style>
+          <a:lnRef idx="2">
+            <a:schemeClr val="accent1">
+              <a:shade val="50000"/>
+            </a:schemeClr>
+          </a:lnRef>
+          <a:fillRef idx="1">
+            <a:schemeClr val="accent1"/>
+          </a:fillRef>
+          <a:effectRef idx="0">
+            <a:schemeClr val="accent1"/>
+          </a:effectRef>
+          <a:fontRef idx="minor">
+            <a:schemeClr val="lt1"/>
+          </a:fontRef>
+        </p:style>
+        <p:txBody>
+          <a:bodyPr rtlCol="0" anchor="ctr"/>
+          <a:lstStyle/>
+          <a:p>
+            <a:pPr algn="ctr"/>
             <a:r>
               <a:rPr lang="en-US" sz="1050" b="1" dirty="0" smtClean="0">
                 <a:solidFill>
                   <a:schemeClr val="tx1"/>
                 </a:solidFill>
               </a:rPr>
-              <a:t>Data Access</a:t>
-            </a:r>
-          </a:p>
-        </p:txBody>
-      </p:sp>
-      <p:sp>
-        <p:nvSpPr>
-          <p:cNvPr id="22" name="Rectangle 21"/>
+              <a:t>Hibernate Data Provider</a:t>
+            </a:r>
+            <a:endParaRPr lang="en-US" sz="1050" b="1" dirty="0">
+              <a:solidFill>
+                <a:schemeClr val="tx1"/>
+              </a:solidFill>
+            </a:endParaRPr>
+          </a:p>
+        </p:txBody>
+      </p:sp>
+      <p:sp>
+        <p:nvSpPr>
+          <p:cNvPr id="32" name="Rectangle 31"/>
           <p:cNvSpPr/>
           <p:nvPr/>
         </p:nvSpPr>
         <p:spPr>
           <a:xfrm>
-            <a:off x="3657600" y="3733800"/>
+            <a:off x="4860032" y="4648200"/>
             <a:ext cx="1371600" cy="304800"/>
           </a:xfrm>
           <a:prstGeom prst="rect">
@@ -10117,7 +10249,7 @@
             <a:pPr algn="ctr"/>
             <a:r>
               <a:rPr lang="en-US" sz="1000" dirty="0" err="1" smtClean="0"/>
-              <a:t>ProjectDAO</a:t>
+              <a:t>ProjectMember</a:t>
             </a:r>
             <a:endParaRPr lang="en-US" sz="1000" dirty="0"/>
           </a:p>
@@ -10125,13 +10257,247 @@
       </p:sp>
       <p:sp>
         <p:nvSpPr>
-          <p:cNvPr id="23" name="Right Arrow 22"/>
+          <p:cNvPr id="33" name="TextBox 32"/>
+          <p:cNvSpPr txBox="1"/>
+          <p:nvPr/>
+        </p:nvSpPr>
+        <p:spPr>
+          <a:xfrm>
+            <a:off x="3923928" y="2132856"/>
+            <a:ext cx="671979" cy="246221"/>
+          </a:xfrm>
+          <a:prstGeom prst="rect">
+            <a:avLst/>
+          </a:prstGeom>
+          <a:noFill/>
+        </p:spPr>
+        <p:txBody>
+          <a:bodyPr wrap="none" rtlCol="0">
+            <a:spAutoFit/>
+          </a:bodyPr>
+          <a:lstStyle/>
+          <a:p>
+            <a:r>
+              <a:rPr lang="en-US" sz="1000" dirty="0" smtClean="0"/>
+              <a:t>Ajax Calls</a:t>
+            </a:r>
+            <a:endParaRPr lang="en-US" sz="1000" dirty="0"/>
+          </a:p>
+        </p:txBody>
+      </p:sp>
+      <p:sp>
+        <p:nvSpPr>
+          <p:cNvPr id="34" name="TextBox 33"/>
+          <p:cNvSpPr txBox="1"/>
+          <p:nvPr/>
+        </p:nvSpPr>
+        <p:spPr>
+          <a:xfrm>
+            <a:off x="1331640" y="2204864"/>
+            <a:ext cx="418704" cy="246221"/>
+          </a:xfrm>
+          <a:prstGeom prst="rect">
+            <a:avLst/>
+          </a:prstGeom>
+          <a:noFill/>
+        </p:spPr>
+        <p:txBody>
+          <a:bodyPr wrap="none" rtlCol="0">
+            <a:spAutoFit/>
+          </a:bodyPr>
+          <a:lstStyle/>
+          <a:p>
+            <a:r>
+              <a:rPr lang="en-US" sz="1000" dirty="0" smtClean="0"/>
+              <a:t>Http</a:t>
+            </a:r>
+            <a:endParaRPr lang="en-US" sz="1000" dirty="0"/>
+          </a:p>
+        </p:txBody>
+      </p:sp>
+      <p:sp>
+        <p:nvSpPr>
+          <p:cNvPr id="37" name="Can 36"/>
           <p:cNvSpPr/>
           <p:nvPr/>
         </p:nvSpPr>
         <p:spPr>
+          <a:xfrm>
+            <a:off x="2286000" y="5257800"/>
+            <a:ext cx="762000" cy="685800"/>
+          </a:xfrm>
+          <a:prstGeom prst="can">
+            <a:avLst/>
+          </a:prstGeom>
+          <a:solidFill>
+            <a:schemeClr val="accent6">
+              <a:lumMod val="75000"/>
+            </a:schemeClr>
+          </a:solidFill>
+          <a:ln>
+            <a:noFill/>
+          </a:ln>
+          <a:effectLst/>
+        </p:spPr>
+        <p:style>
+          <a:lnRef idx="2">
+            <a:schemeClr val="accent1">
+              <a:shade val="50000"/>
+            </a:schemeClr>
+          </a:lnRef>
+          <a:fillRef idx="1">
+            <a:schemeClr val="accent1"/>
+          </a:fillRef>
+          <a:effectRef idx="0">
+            <a:schemeClr val="accent1"/>
+          </a:effectRef>
+          <a:fontRef idx="minor">
+            <a:schemeClr val="lt1"/>
+          </a:fontRef>
+        </p:style>
+        <p:txBody>
+          <a:bodyPr rtlCol="0" anchor="ctr"/>
+          <a:lstStyle/>
+          <a:p>
+            <a:pPr algn="ctr"/>
+            <a:r>
+              <a:rPr lang="en-US" sz="800" dirty="0" smtClean="0"/>
+              <a:t>REM DB</a:t>
+            </a:r>
+            <a:endParaRPr lang="en-US" sz="800" dirty="0"/>
+          </a:p>
+        </p:txBody>
+      </p:sp>
+      <p:sp>
+        <p:nvSpPr>
+          <p:cNvPr id="39" name="Rectangle 38"/>
+          <p:cNvSpPr/>
+          <p:nvPr/>
+        </p:nvSpPr>
+        <p:spPr>
+          <a:xfrm>
+            <a:off x="6821760" y="990600"/>
+            <a:ext cx="990600" cy="3048000"/>
+          </a:xfrm>
+          <a:prstGeom prst="rect">
+            <a:avLst/>
+          </a:prstGeom>
+          <a:solidFill>
+            <a:schemeClr val="accent5">
+              <a:lumMod val="20000"/>
+              <a:lumOff val="80000"/>
+            </a:schemeClr>
+          </a:solidFill>
+          <a:ln w="3175">
+            <a:solidFill>
+              <a:schemeClr val="accent5">
+                <a:lumMod val="60000"/>
+                <a:lumOff val="40000"/>
+              </a:schemeClr>
+            </a:solidFill>
+          </a:ln>
+        </p:spPr>
+        <p:style>
+          <a:lnRef idx="2">
+            <a:schemeClr val="accent1">
+              <a:shade val="50000"/>
+            </a:schemeClr>
+          </a:lnRef>
+          <a:fillRef idx="1">
+            <a:schemeClr val="accent1"/>
+          </a:fillRef>
+          <a:effectRef idx="0">
+            <a:schemeClr val="accent1"/>
+          </a:effectRef>
+          <a:fontRef idx="minor">
+            <a:schemeClr val="lt1"/>
+          </a:fontRef>
+        </p:style>
+        <p:txBody>
+          <a:bodyPr rtlCol="0" anchor="ctr"/>
+          <a:lstStyle/>
+          <a:p>
+            <a:pPr algn="ctr"/>
+            <a:r>
+              <a:rPr lang="en-US" sz="1000" dirty="0" smtClean="0">
+                <a:solidFill>
+                  <a:schemeClr val="tx1"/>
+                </a:solidFill>
+              </a:rPr>
+              <a:t>Framework shared components</a:t>
+            </a:r>
+          </a:p>
+          <a:p>
+            <a:pPr algn="ctr"/>
+            <a:r>
+              <a:rPr lang="en-US" sz="1000" dirty="0" smtClean="0">
+                <a:solidFill>
+                  <a:schemeClr val="tx1"/>
+                </a:solidFill>
+              </a:rPr>
+              <a:t>(Logging,</a:t>
+            </a:r>
+          </a:p>
+          <a:p>
+            <a:pPr algn="ctr"/>
+            <a:r>
+              <a:rPr lang="en-US" sz="1000" dirty="0" smtClean="0">
+                <a:solidFill>
+                  <a:schemeClr val="tx1"/>
+                </a:solidFill>
+              </a:rPr>
+              <a:t>Security,</a:t>
+            </a:r>
+          </a:p>
+          <a:p>
+            <a:pPr algn="ctr"/>
+            <a:r>
+              <a:rPr lang="en-US" sz="1000" dirty="0" smtClean="0">
+                <a:solidFill>
+                  <a:schemeClr val="tx1"/>
+                </a:solidFill>
+              </a:rPr>
+              <a:t>Audit,</a:t>
+            </a:r>
+          </a:p>
+          <a:p>
+            <a:pPr algn="ctr"/>
+            <a:r>
+              <a:rPr lang="en-US" sz="1000" dirty="0" smtClean="0">
+                <a:solidFill>
+                  <a:schemeClr val="tx1"/>
+                </a:solidFill>
+              </a:rPr>
+              <a:t>Exception handling,</a:t>
+            </a:r>
+          </a:p>
+          <a:p>
+            <a:pPr algn="ctr"/>
+            <a:r>
+              <a:rPr lang="en-US" sz="1000" dirty="0" smtClean="0">
+                <a:solidFill>
+                  <a:schemeClr val="tx1"/>
+                </a:solidFill>
+              </a:rPr>
+              <a:t>Serialization)</a:t>
+            </a:r>
+            <a:endParaRPr lang="en-US" sz="1000" dirty="0">
+              <a:solidFill>
+                <a:schemeClr val="tx1"/>
+              </a:solidFill>
+            </a:endParaRPr>
+          </a:p>
+        </p:txBody>
+      </p:sp>
+      <p:sp>
+        <p:nvSpPr>
+          <p:cNvPr id="40" name="Right Arrow 39"/>
+          <p:cNvSpPr/>
+          <p:nvPr/>
+        </p:nvSpPr>
+        <p:spPr>
           <a:xfrm rot="5400000">
-            <a:off x="2762250" y="2190750"/>
+            <a:off x="3578746" y="2190007"/>
             <a:ext cx="266700" cy="152400"/>
           </a:xfrm>
           <a:prstGeom prst="rightArrow">
@@ -10179,13 +10545,13 @@
       </p:sp>
       <p:sp>
         <p:nvSpPr>
-          <p:cNvPr id="24" name="Right Arrow 23"/>
+          <p:cNvPr id="41" name="Right Arrow 40"/>
           <p:cNvSpPr/>
           <p:nvPr/>
         </p:nvSpPr>
         <p:spPr>
           <a:xfrm rot="16200000">
-            <a:off x="2305050" y="2190750"/>
+            <a:off x="3121546" y="2190007"/>
             <a:ext cx="266700" cy="152400"/>
           </a:xfrm>
           <a:prstGeom prst="rightArrow">
@@ -10233,14 +10599,130 @@
       </p:sp>
       <p:sp>
         <p:nvSpPr>
-          <p:cNvPr id="25" name="Right Arrow 24"/>
+          <p:cNvPr id="42" name="Rectangle 41"/>
           <p:cNvSpPr/>
           <p:nvPr/>
         </p:nvSpPr>
         <p:spPr>
-          <a:xfrm rot="16200000">
-            <a:off x="1115988" y="3238500"/>
-            <a:ext cx="1447800" cy="152400"/>
+          <a:xfrm>
+            <a:off x="2987824" y="2590800"/>
+            <a:ext cx="1224136" cy="478160"/>
+          </a:xfrm>
+          <a:prstGeom prst="rect">
+            <a:avLst/>
+          </a:prstGeom>
+          <a:ln/>
+        </p:spPr>
+        <p:style>
+          <a:lnRef idx="3">
+            <a:schemeClr val="lt1"/>
+          </a:lnRef>
+          <a:fillRef idx="1">
+            <a:schemeClr val="accent4"/>
+          </a:fillRef>
+          <a:effectRef idx="1">
+            <a:schemeClr val="accent4"/>
+          </a:effectRef>
+          <a:fontRef idx="minor">
+            <a:schemeClr val="lt1"/>
+          </a:fontRef>
+        </p:style>
+        <p:txBody>
+          <a:bodyPr rtlCol="0" anchor="ctr"/>
+          <a:lstStyle/>
+          <a:p>
+            <a:pPr algn="ctr"/>
+            <a:r>
+              <a:rPr lang="en-US" sz="1000" b="1" dirty="0" smtClean="0">
+                <a:solidFill>
+                  <a:schemeClr val="tx1"/>
+                </a:solidFill>
+              </a:rPr>
+              <a:t>DWR</a:t>
+            </a:r>
+            <a:endParaRPr lang="en-US" sz="1000" b="1" dirty="0" smtClean="0">
+              <a:solidFill>
+                <a:schemeClr val="tx1"/>
+              </a:solidFill>
+            </a:endParaRPr>
+          </a:p>
+        </p:txBody>
+      </p:sp>
+      <p:sp>
+        <p:nvSpPr>
+          <p:cNvPr id="43" name="Rectangle 42"/>
+          <p:cNvSpPr/>
+          <p:nvPr/>
+        </p:nvSpPr>
+        <p:spPr>
+          <a:xfrm>
+            <a:off x="2989312" y="1684040"/>
+            <a:ext cx="1294656" cy="304800"/>
+          </a:xfrm>
+          <a:prstGeom prst="rect">
+            <a:avLst/>
+          </a:prstGeom>
+          <a:solidFill>
+            <a:schemeClr val="accent2">
+              <a:lumMod val="40000"/>
+              <a:lumOff val="60000"/>
+            </a:schemeClr>
+          </a:solidFill>
+          <a:ln w="3175">
+            <a:solidFill>
+              <a:schemeClr val="accent2">
+                <a:lumMod val="75000"/>
+              </a:schemeClr>
+            </a:solidFill>
+          </a:ln>
+        </p:spPr>
+        <p:style>
+          <a:lnRef idx="2">
+            <a:schemeClr val="accent1">
+              <a:shade val="50000"/>
+            </a:schemeClr>
+          </a:lnRef>
+          <a:fillRef idx="1">
+            <a:schemeClr val="accent1"/>
+          </a:fillRef>
+          <a:effectRef idx="0">
+            <a:schemeClr val="accent1"/>
+          </a:effectRef>
+          <a:fontRef idx="minor">
+            <a:schemeClr val="lt1"/>
+          </a:fontRef>
+        </p:style>
+        <p:txBody>
+          <a:bodyPr rtlCol="0" anchor="ctr"/>
+          <a:lstStyle/>
+          <a:p>
+            <a:pPr algn="ctr"/>
+            <a:r>
+              <a:rPr lang="en-US" sz="1050" b="1" dirty="0" smtClean="0">
+                <a:solidFill>
+                  <a:schemeClr val="tx1"/>
+                </a:solidFill>
+              </a:rPr>
+              <a:t>Client Java script agent</a:t>
+            </a:r>
+            <a:endParaRPr lang="en-US" sz="1050" b="1" dirty="0" smtClean="0">
+              <a:solidFill>
+                <a:schemeClr val="tx1"/>
+              </a:solidFill>
+            </a:endParaRPr>
+          </a:p>
+        </p:txBody>
+      </p:sp>
+      <p:sp>
+        <p:nvSpPr>
+          <p:cNvPr id="44" name="Right Arrow 43"/>
+          <p:cNvSpPr/>
+          <p:nvPr/>
+        </p:nvSpPr>
+        <p:spPr>
+          <a:xfrm rot="5400000">
+            <a:off x="3642370" y="1419250"/>
+            <a:ext cx="266700" cy="152400"/>
           </a:xfrm>
           <a:prstGeom prst="rightArrow">
             <a:avLst/>
@@ -10287,14 +10769,14 @@
       </p:sp>
       <p:sp>
         <p:nvSpPr>
-          <p:cNvPr id="26" name="Right Arrow 25"/>
+          <p:cNvPr id="45" name="Right Arrow 44"/>
           <p:cNvSpPr/>
           <p:nvPr/>
         </p:nvSpPr>
         <p:spPr>
-          <a:xfrm rot="5400000">
-            <a:off x="2763787" y="3238500"/>
-            <a:ext cx="1447800" cy="152400"/>
+          <a:xfrm rot="16200000">
+            <a:off x="3185170" y="1419250"/>
+            <a:ext cx="266700" cy="152400"/>
           </a:xfrm>
           <a:prstGeom prst="rightArrow">
             <a:avLst/>
@@ -10339,677 +10821,10 @@
           </a:p>
         </p:txBody>
       </p:sp>
-      <p:sp>
-        <p:nvSpPr>
-          <p:cNvPr id="27" name="Right Arrow 26"/>
-          <p:cNvSpPr/>
-          <p:nvPr/>
-        </p:nvSpPr>
-        <p:spPr>
-          <a:xfrm rot="5400000">
-            <a:off x="2762250" y="4324350"/>
-            <a:ext cx="266700" cy="152400"/>
-          </a:xfrm>
-          <a:prstGeom prst="rightArrow">
-            <a:avLst/>
-          </a:prstGeom>
-          <a:solidFill>
-            <a:schemeClr val="accent2">
-              <a:lumMod val="40000"/>
-              <a:lumOff val="60000"/>
-            </a:schemeClr>
-          </a:solidFill>
-          <a:ln w="3175">
-            <a:solidFill>
-              <a:schemeClr val="accent2">
-                <a:lumMod val="60000"/>
-                <a:lumOff val="40000"/>
-              </a:schemeClr>
-            </a:solidFill>
-          </a:ln>
-        </p:spPr>
-        <p:style>
-          <a:lnRef idx="2">
-            <a:schemeClr val="accent1">
-              <a:shade val="50000"/>
-            </a:schemeClr>
-          </a:lnRef>
-          <a:fillRef idx="1">
-            <a:schemeClr val="accent1"/>
-          </a:fillRef>
-          <a:effectRef idx="0">
-            <a:schemeClr val="accent1"/>
-          </a:effectRef>
-          <a:fontRef idx="minor">
-            <a:schemeClr val="lt1"/>
-          </a:fontRef>
-        </p:style>
-        <p:txBody>
-          <a:bodyPr rtlCol="0" anchor="ctr"/>
-          <a:lstStyle/>
-          <a:p>
-            <a:pPr algn="ctr"/>
-            <a:endParaRPr lang="en-US"/>
-          </a:p>
-        </p:txBody>
-      </p:sp>
-      <p:sp>
-        <p:nvSpPr>
-          <p:cNvPr id="28" name="Right Arrow 27"/>
-          <p:cNvSpPr/>
-          <p:nvPr/>
-        </p:nvSpPr>
-        <p:spPr>
-          <a:xfrm rot="16200000">
-            <a:off x="2305050" y="4324350"/>
-            <a:ext cx="266700" cy="152400"/>
-          </a:xfrm>
-          <a:prstGeom prst="rightArrow">
-            <a:avLst/>
-          </a:prstGeom>
-          <a:solidFill>
-            <a:schemeClr val="accent2">
-              <a:lumMod val="40000"/>
-              <a:lumOff val="60000"/>
-            </a:schemeClr>
-          </a:solidFill>
-          <a:ln w="3175">
-            <a:solidFill>
-              <a:schemeClr val="accent2">
-                <a:lumMod val="60000"/>
-                <a:lumOff val="40000"/>
-              </a:schemeClr>
-            </a:solidFill>
-          </a:ln>
-        </p:spPr>
-        <p:style>
-          <a:lnRef idx="2">
-            <a:schemeClr val="accent1">
-              <a:shade val="50000"/>
-            </a:schemeClr>
-          </a:lnRef>
-          <a:fillRef idx="1">
-            <a:schemeClr val="accent1"/>
-          </a:fillRef>
-          <a:effectRef idx="0">
-            <a:schemeClr val="accent1"/>
-          </a:effectRef>
-          <a:fontRef idx="minor">
-            <a:schemeClr val="lt1"/>
-          </a:fontRef>
-        </p:style>
-        <p:txBody>
-          <a:bodyPr rtlCol="0" anchor="ctr"/>
-          <a:lstStyle/>
-          <a:p>
-            <a:pPr algn="ctr"/>
-            <a:endParaRPr lang="en-US"/>
-          </a:p>
-        </p:txBody>
-      </p:sp>
-      <p:sp>
-        <p:nvSpPr>
-          <p:cNvPr id="29" name="Right Arrow 28"/>
-          <p:cNvSpPr/>
-          <p:nvPr/>
-        </p:nvSpPr>
-        <p:spPr>
-          <a:xfrm rot="5400000">
-            <a:off x="2762250" y="1428750"/>
-            <a:ext cx="266700" cy="152400"/>
-          </a:xfrm>
-          <a:prstGeom prst="rightArrow">
-            <a:avLst/>
-          </a:prstGeom>
-          <a:solidFill>
-            <a:schemeClr val="accent2">
-              <a:lumMod val="40000"/>
-              <a:lumOff val="60000"/>
-            </a:schemeClr>
-          </a:solidFill>
-          <a:ln w="3175">
-            <a:solidFill>
-              <a:schemeClr val="accent2">
-                <a:lumMod val="60000"/>
-                <a:lumOff val="40000"/>
-              </a:schemeClr>
-            </a:solidFill>
-          </a:ln>
-        </p:spPr>
-        <p:style>
-          <a:lnRef idx="2">
-            <a:schemeClr val="accent1">
-              <a:shade val="50000"/>
-            </a:schemeClr>
-          </a:lnRef>
-          <a:fillRef idx="1">
-            <a:schemeClr val="accent1"/>
-          </a:fillRef>
-          <a:effectRef idx="0">
-            <a:schemeClr val="accent1"/>
-          </a:effectRef>
-          <a:fontRef idx="minor">
-            <a:schemeClr val="lt1"/>
-          </a:fontRef>
-        </p:style>
-        <p:txBody>
-          <a:bodyPr rtlCol="0" anchor="ctr"/>
-          <a:lstStyle/>
-          <a:p>
-            <a:pPr algn="ctr"/>
-            <a:endParaRPr lang="en-US"/>
-          </a:p>
-        </p:txBody>
-      </p:sp>
-      <p:sp>
-        <p:nvSpPr>
-          <p:cNvPr id="30" name="Right Arrow 29"/>
-          <p:cNvSpPr/>
-          <p:nvPr/>
-        </p:nvSpPr>
-        <p:spPr>
-          <a:xfrm rot="16200000">
-            <a:off x="2305050" y="1428750"/>
-            <a:ext cx="266700" cy="152400"/>
-          </a:xfrm>
-          <a:prstGeom prst="rightArrow">
-            <a:avLst/>
-          </a:prstGeom>
-          <a:solidFill>
-            <a:schemeClr val="accent2">
-              <a:lumMod val="40000"/>
-              <a:lumOff val="60000"/>
-            </a:schemeClr>
-          </a:solidFill>
-          <a:ln w="3175">
-            <a:solidFill>
-              <a:schemeClr val="accent2">
-                <a:lumMod val="60000"/>
-                <a:lumOff val="40000"/>
-              </a:schemeClr>
-            </a:solidFill>
-          </a:ln>
-        </p:spPr>
-        <p:style>
-          <a:lnRef idx="2">
-            <a:schemeClr val="accent1">
-              <a:shade val="50000"/>
-            </a:schemeClr>
-          </a:lnRef>
-          <a:fillRef idx="1">
-            <a:schemeClr val="accent1"/>
-          </a:fillRef>
-          <a:effectRef idx="0">
-            <a:schemeClr val="accent1"/>
-          </a:effectRef>
-          <a:fontRef idx="minor">
-            <a:schemeClr val="lt1"/>
-          </a:fontRef>
-        </p:style>
-        <p:txBody>
-          <a:bodyPr rtlCol="0" anchor="ctr"/>
-          <a:lstStyle/>
-          <a:p>
-            <a:pPr algn="ctr"/>
-            <a:endParaRPr lang="en-US"/>
-          </a:p>
-        </p:txBody>
-      </p:sp>
-      <p:sp>
-        <p:nvSpPr>
-          <p:cNvPr id="31" name="Rectangle 30"/>
-          <p:cNvSpPr/>
-          <p:nvPr/>
-        </p:nvSpPr>
-        <p:spPr>
-          <a:xfrm>
-            <a:off x="2133600" y="4648200"/>
-            <a:ext cx="1143000" cy="533400"/>
-          </a:xfrm>
-          <a:prstGeom prst="rect">
-            <a:avLst/>
-          </a:prstGeom>
-          <a:solidFill>
-            <a:schemeClr val="accent6">
-              <a:lumMod val="40000"/>
-              <a:lumOff val="60000"/>
-            </a:schemeClr>
-          </a:solidFill>
-          <a:ln w="3175">
-            <a:solidFill>
-              <a:schemeClr val="accent4">
-                <a:lumMod val="50000"/>
-              </a:schemeClr>
-            </a:solidFill>
-          </a:ln>
-        </p:spPr>
-        <p:style>
-          <a:lnRef idx="2">
-            <a:schemeClr val="accent1">
-              <a:shade val="50000"/>
-            </a:schemeClr>
-          </a:lnRef>
-          <a:fillRef idx="1">
-            <a:schemeClr val="accent1"/>
-          </a:fillRef>
-          <a:effectRef idx="0">
-            <a:schemeClr val="accent1"/>
-          </a:effectRef>
-          <a:fontRef idx="minor">
-            <a:schemeClr val="lt1"/>
-          </a:fontRef>
-        </p:style>
-        <p:txBody>
-          <a:bodyPr rtlCol="0" anchor="ctr"/>
-          <a:lstStyle/>
-          <a:p>
-            <a:pPr algn="ctr"/>
-            <a:r>
-              <a:rPr lang="en-US" sz="1050" b="1" dirty="0" smtClean="0">
-                <a:solidFill>
-                  <a:schemeClr val="tx1"/>
-                </a:solidFill>
-              </a:rPr>
-              <a:t>T-SQL generator</a:t>
-            </a:r>
-            <a:endParaRPr lang="en-US" sz="1050" b="1" dirty="0">
-              <a:solidFill>
-                <a:schemeClr val="tx1"/>
-              </a:solidFill>
-            </a:endParaRPr>
-          </a:p>
-        </p:txBody>
-      </p:sp>
-      <p:sp>
-        <p:nvSpPr>
-          <p:cNvPr id="32" name="Rectangle 31"/>
-          <p:cNvSpPr/>
-          <p:nvPr/>
-        </p:nvSpPr>
-        <p:spPr>
-          <a:xfrm>
-            <a:off x="3657600" y="4648200"/>
-            <a:ext cx="1371600" cy="304800"/>
-          </a:xfrm>
-          <a:prstGeom prst="rect">
-            <a:avLst/>
-          </a:prstGeom>
-          <a:solidFill>
-            <a:schemeClr val="bg1"/>
-          </a:solidFill>
-        </p:spPr>
-        <p:style>
-          <a:lnRef idx="1">
-            <a:schemeClr val="dk1"/>
-          </a:lnRef>
-          <a:fillRef idx="2">
-            <a:schemeClr val="dk1"/>
-          </a:fillRef>
-          <a:effectRef idx="1">
-            <a:schemeClr val="dk1"/>
-          </a:effectRef>
-          <a:fontRef idx="minor">
-            <a:schemeClr val="dk1"/>
-          </a:fontRef>
-        </p:style>
-        <p:txBody>
-          <a:bodyPr rtlCol="0" anchor="ctr"/>
-          <a:lstStyle/>
-          <a:p>
-            <a:pPr algn="ctr"/>
-            <a:r>
-              <a:rPr lang="en-US" sz="1000" dirty="0" err="1" smtClean="0"/>
-              <a:t>uspCreateProject</a:t>
-            </a:r>
-            <a:endParaRPr lang="en-US" sz="1000" dirty="0"/>
-          </a:p>
-        </p:txBody>
-      </p:sp>
-      <p:sp>
-        <p:nvSpPr>
-          <p:cNvPr id="33" name="TextBox 32"/>
-          <p:cNvSpPr txBox="1"/>
-          <p:nvPr/>
-        </p:nvSpPr>
-        <p:spPr>
-          <a:xfrm>
-            <a:off x="2971800" y="2133600"/>
-            <a:ext cx="728084" cy="246221"/>
-          </a:xfrm>
-          <a:prstGeom prst="rect">
-            <a:avLst/>
-          </a:prstGeom>
-          <a:noFill/>
-        </p:spPr>
-        <p:txBody>
-          <a:bodyPr wrap="none" rtlCol="0">
-            <a:spAutoFit/>
-          </a:bodyPr>
-          <a:lstStyle/>
-          <a:p>
-            <a:r>
-              <a:rPr lang="en-US" sz="1000" dirty="0" smtClean="0"/>
-              <a:t>SOAP XML</a:t>
-            </a:r>
-            <a:endParaRPr lang="en-US" sz="1000" dirty="0"/>
-          </a:p>
-        </p:txBody>
-      </p:sp>
-      <p:sp>
-        <p:nvSpPr>
-          <p:cNvPr id="34" name="TextBox 33"/>
-          <p:cNvSpPr txBox="1"/>
-          <p:nvPr/>
-        </p:nvSpPr>
-        <p:spPr>
-          <a:xfrm>
-            <a:off x="1524000" y="2133600"/>
-            <a:ext cx="728084" cy="246221"/>
-          </a:xfrm>
-          <a:prstGeom prst="rect">
-            <a:avLst/>
-          </a:prstGeom>
-          <a:noFill/>
-        </p:spPr>
-        <p:txBody>
-          <a:bodyPr wrap="none" rtlCol="0">
-            <a:spAutoFit/>
-          </a:bodyPr>
-          <a:lstStyle/>
-          <a:p>
-            <a:r>
-              <a:rPr lang="en-US" sz="1000" dirty="0" smtClean="0"/>
-              <a:t>SOAP XML</a:t>
-            </a:r>
-            <a:endParaRPr lang="en-US" sz="1000" dirty="0"/>
-          </a:p>
-        </p:txBody>
-      </p:sp>
-      <p:sp>
-        <p:nvSpPr>
-          <p:cNvPr id="36" name="TextBox 35"/>
-          <p:cNvSpPr txBox="1"/>
-          <p:nvPr/>
-        </p:nvSpPr>
-        <p:spPr>
-          <a:xfrm>
-            <a:off x="3048000" y="4267200"/>
-            <a:ext cx="1449436" cy="246221"/>
-          </a:xfrm>
-          <a:prstGeom prst="rect">
-            <a:avLst/>
-          </a:prstGeom>
-          <a:noFill/>
-        </p:spPr>
-        <p:txBody>
-          <a:bodyPr wrap="none" rtlCol="0">
-            <a:spAutoFit/>
-          </a:bodyPr>
-          <a:lstStyle/>
-          <a:p>
-            <a:r>
-              <a:rPr lang="en-US" sz="1000" dirty="0" smtClean="0"/>
-              <a:t>Hibernate Data provider</a:t>
-            </a:r>
-            <a:endParaRPr lang="en-US" sz="1000" dirty="0"/>
-          </a:p>
-        </p:txBody>
-      </p:sp>
-      <p:sp>
-        <p:nvSpPr>
-          <p:cNvPr id="37" name="Can 36"/>
-          <p:cNvSpPr/>
-          <p:nvPr/>
-        </p:nvSpPr>
-        <p:spPr>
-          <a:xfrm>
-            <a:off x="2286000" y="5257800"/>
-            <a:ext cx="762000" cy="685800"/>
-          </a:xfrm>
-          <a:prstGeom prst="can">
-            <a:avLst/>
-          </a:prstGeom>
-          <a:solidFill>
-            <a:schemeClr val="accent6">
-              <a:lumMod val="75000"/>
-            </a:schemeClr>
-          </a:solidFill>
-          <a:ln>
-            <a:noFill/>
-          </a:ln>
-          <a:effectLst/>
-        </p:spPr>
-        <p:style>
-          <a:lnRef idx="2">
-            <a:schemeClr val="accent1">
-              <a:shade val="50000"/>
-            </a:schemeClr>
-          </a:lnRef>
-          <a:fillRef idx="1">
-            <a:schemeClr val="accent1"/>
-          </a:fillRef>
-          <a:effectRef idx="0">
-            <a:schemeClr val="accent1"/>
-          </a:effectRef>
-          <a:fontRef idx="minor">
-            <a:schemeClr val="lt1"/>
-          </a:fontRef>
-        </p:style>
-        <p:txBody>
-          <a:bodyPr rtlCol="0" anchor="ctr"/>
-          <a:lstStyle/>
-          <a:p>
-            <a:pPr algn="ctr"/>
-            <a:r>
-              <a:rPr lang="en-US" sz="800" dirty="0" smtClean="0"/>
-              <a:t>REM DB</a:t>
-            </a:r>
-            <a:endParaRPr lang="en-US" sz="800" dirty="0"/>
-          </a:p>
-        </p:txBody>
-      </p:sp>
-      <p:sp>
-        <p:nvSpPr>
-          <p:cNvPr id="38" name="Rectangle 37"/>
-          <p:cNvSpPr/>
-          <p:nvPr/>
-        </p:nvSpPr>
-        <p:spPr>
-          <a:xfrm>
-            <a:off x="5181600" y="990600"/>
-            <a:ext cx="990600" cy="3048000"/>
-          </a:xfrm>
-          <a:prstGeom prst="rect">
-            <a:avLst/>
-          </a:prstGeom>
-          <a:solidFill>
-            <a:schemeClr val="accent6">
-              <a:lumMod val="40000"/>
-              <a:lumOff val="60000"/>
-            </a:schemeClr>
-          </a:solidFill>
-          <a:ln w="3175">
-            <a:solidFill>
-              <a:schemeClr val="accent6">
-                <a:lumMod val="60000"/>
-                <a:lumOff val="40000"/>
-              </a:schemeClr>
-            </a:solidFill>
-          </a:ln>
-        </p:spPr>
-        <p:style>
-          <a:lnRef idx="2">
-            <a:schemeClr val="accent1">
-              <a:shade val="50000"/>
-            </a:schemeClr>
-          </a:lnRef>
-          <a:fillRef idx="1">
-            <a:schemeClr val="accent1"/>
-          </a:fillRef>
-          <a:effectRef idx="0">
-            <a:schemeClr val="accent1"/>
-          </a:effectRef>
-          <a:fontRef idx="minor">
-            <a:schemeClr val="lt1"/>
-          </a:fontRef>
-        </p:style>
-        <p:txBody>
-          <a:bodyPr rtlCol="0" anchor="ctr"/>
-          <a:lstStyle/>
-          <a:p>
-            <a:pPr algn="ctr"/>
-            <a:r>
-              <a:rPr lang="en-US" sz="1000" dirty="0" smtClean="0">
-                <a:solidFill>
-                  <a:schemeClr val="tx1"/>
-                </a:solidFill>
-              </a:rPr>
-              <a:t>Project</a:t>
-            </a:r>
-          </a:p>
-          <a:p>
-            <a:pPr algn="ctr"/>
-            <a:r>
-              <a:rPr lang="en-US" sz="1000" dirty="0" smtClean="0">
-                <a:solidFill>
-                  <a:schemeClr val="tx1"/>
-                </a:solidFill>
-              </a:rPr>
-              <a:t>Architecture Services</a:t>
-            </a:r>
-            <a:endParaRPr lang="en-US" sz="1000" dirty="0">
-              <a:solidFill>
-                <a:schemeClr val="tx1"/>
-              </a:solidFill>
-            </a:endParaRPr>
-          </a:p>
-        </p:txBody>
-      </p:sp>
-      <p:sp>
-        <p:nvSpPr>
-          <p:cNvPr id="39" name="Rectangle 38"/>
-          <p:cNvSpPr/>
-          <p:nvPr/>
-        </p:nvSpPr>
-        <p:spPr>
-          <a:xfrm>
-            <a:off x="6324600" y="990600"/>
-            <a:ext cx="990600" cy="3048000"/>
-          </a:xfrm>
-          <a:prstGeom prst="rect">
-            <a:avLst/>
-          </a:prstGeom>
-          <a:solidFill>
-            <a:schemeClr val="accent5">
-              <a:lumMod val="20000"/>
-              <a:lumOff val="80000"/>
-            </a:schemeClr>
-          </a:solidFill>
-          <a:ln w="3175">
-            <a:solidFill>
-              <a:schemeClr val="accent5">
-                <a:lumMod val="60000"/>
-                <a:lumOff val="40000"/>
-              </a:schemeClr>
-            </a:solidFill>
-          </a:ln>
-        </p:spPr>
-        <p:style>
-          <a:lnRef idx="2">
-            <a:schemeClr val="accent1">
-              <a:shade val="50000"/>
-            </a:schemeClr>
-          </a:lnRef>
-          <a:fillRef idx="1">
-            <a:schemeClr val="accent1"/>
-          </a:fillRef>
-          <a:effectRef idx="0">
-            <a:schemeClr val="accent1"/>
-          </a:effectRef>
-          <a:fontRef idx="minor">
-            <a:schemeClr val="lt1"/>
-          </a:fontRef>
-        </p:style>
-        <p:txBody>
-          <a:bodyPr rtlCol="0" anchor="ctr"/>
-          <a:lstStyle/>
-          <a:p>
-            <a:pPr algn="ctr"/>
-            <a:r>
-              <a:rPr lang="en-US" sz="1000" dirty="0" smtClean="0">
-                <a:solidFill>
-                  <a:schemeClr val="tx1"/>
-                </a:solidFill>
-              </a:rPr>
-              <a:t>Framework shared components</a:t>
-            </a:r>
-          </a:p>
-          <a:p>
-            <a:pPr algn="ctr"/>
-            <a:r>
-              <a:rPr lang="en-US" sz="1000" dirty="0" smtClean="0">
-                <a:solidFill>
-                  <a:schemeClr val="tx1"/>
-                </a:solidFill>
-              </a:rPr>
-              <a:t>(Logging,</a:t>
-            </a:r>
-          </a:p>
-          <a:p>
-            <a:pPr algn="ctr"/>
-            <a:r>
-              <a:rPr lang="en-US" sz="1000" dirty="0" smtClean="0">
-                <a:solidFill>
-                  <a:schemeClr val="tx1"/>
-                </a:solidFill>
-              </a:rPr>
-              <a:t>Security,</a:t>
-            </a:r>
-          </a:p>
-          <a:p>
-            <a:pPr algn="ctr"/>
-            <a:r>
-              <a:rPr lang="en-US" sz="1000" dirty="0" smtClean="0">
-                <a:solidFill>
-                  <a:schemeClr val="tx1"/>
-                </a:solidFill>
-              </a:rPr>
-              <a:t>Audit,</a:t>
-            </a:r>
-          </a:p>
-          <a:p>
-            <a:pPr algn="ctr"/>
-            <a:r>
-              <a:rPr lang="en-US" sz="1000" dirty="0" smtClean="0">
-                <a:solidFill>
-                  <a:schemeClr val="tx1"/>
-                </a:solidFill>
-              </a:rPr>
-              <a:t>Exception handling,</a:t>
-            </a:r>
-          </a:p>
-          <a:p>
-            <a:pPr algn="ctr"/>
-            <a:r>
-              <a:rPr lang="en-US" sz="1000" dirty="0" smtClean="0">
-                <a:solidFill>
-                  <a:schemeClr val="tx1"/>
-                </a:solidFill>
-              </a:rPr>
-              <a:t>Serialization)</a:t>
-            </a:r>
-            <a:endParaRPr lang="en-US" sz="1000" dirty="0">
-              <a:solidFill>
-                <a:schemeClr val="tx1"/>
-              </a:solidFill>
-            </a:endParaRPr>
-          </a:p>
-        </p:txBody>
-      </p:sp>
     </p:spTree>
     <p:extLst>
       <p:ext uri="{BB962C8B-B14F-4D97-AF65-F5344CB8AC3E}">
-        <p14:creationId xmlns:p14="http://schemas.microsoft.com/office/powerpoint/2010/main" val="595519293"/>
+        <p14:creationId xmlns:p14="http://schemas.microsoft.com/office/powerpoint/2010/main" xmlns="" val="595519293"/>
       </p:ext>
     </p:extLst>
   </p:cSld>
